--- a/Presentation_ProjectOnSoftwareEngineering.pptx
+++ b/Presentation_ProjectOnSoftwareEngineering.pptx
@@ -6,7 +6,7 @@
     <p:sldMasterId id="2147483673" r:id="rId2"/>
   </p:sldMasterIdLst>
   <p:notesMasterIdLst>
-    <p:notesMasterId r:id="rId21"/>
+    <p:notesMasterId r:id="rId20"/>
   </p:notesMasterIdLst>
   <p:sldIdLst>
     <p:sldId id="356" r:id="rId3"/>
@@ -20,13 +20,12 @@
     <p:sldId id="365" r:id="rId11"/>
     <p:sldId id="366" r:id="rId12"/>
     <p:sldId id="367" r:id="rId13"/>
-    <p:sldId id="368" r:id="rId14"/>
-    <p:sldId id="315" r:id="rId15"/>
-    <p:sldId id="369" r:id="rId16"/>
-    <p:sldId id="370" r:id="rId17"/>
-    <p:sldId id="361" r:id="rId18"/>
-    <p:sldId id="310" r:id="rId19"/>
-    <p:sldId id="371" r:id="rId20"/>
+    <p:sldId id="315" r:id="rId14"/>
+    <p:sldId id="369" r:id="rId15"/>
+    <p:sldId id="370" r:id="rId16"/>
+    <p:sldId id="361" r:id="rId17"/>
+    <p:sldId id="310" r:id="rId18"/>
+    <p:sldId id="371" r:id="rId19"/>
   </p:sldIdLst>
   <p:sldSz cx="12192000" cy="6858000"/>
   <p:notesSz cx="6858000" cy="9144000"/>
@@ -515,7 +514,7 @@
           <p:cNvPr id="2" name="Text Placeholder 9">
             <a:extLst>
               <a:ext uri="{FF2B5EF4-FFF2-40B4-BE49-F238E27FC236}">
-                <a16:creationId xmlns:a16="http://schemas.microsoft.com/office/drawing/2014/main" id="{23DE32A5-6181-4C51-AD5C-3F1A448478A1}"/>
+                <a16:creationId xmlns:a16="http://schemas.microsoft.com/office/drawing/2014/main" xmlns="" id="{23DE32A5-6181-4C51-AD5C-3F1A448478A1}"/>
               </a:ext>
             </a:extLst>
           </p:cNvPr>
@@ -670,7 +669,7 @@
           <p:cNvPr id="2" name="Rectangle 1">
             <a:extLst>
               <a:ext uri="{FF2B5EF4-FFF2-40B4-BE49-F238E27FC236}">
-                <a16:creationId xmlns:a16="http://schemas.microsoft.com/office/drawing/2014/main" id="{EDB47474-984A-4090-AC20-98242EB09510}"/>
+                <a16:creationId xmlns:a16="http://schemas.microsoft.com/office/drawing/2014/main" xmlns="" id="{EDB47474-984A-4090-AC20-98242EB09510}"/>
               </a:ext>
             </a:extLst>
           </p:cNvPr>
@@ -725,7 +724,7 @@
           <p:cNvPr id="3" name="Oval 2">
             <a:extLst>
               <a:ext uri="{FF2B5EF4-FFF2-40B4-BE49-F238E27FC236}">
-                <a16:creationId xmlns:a16="http://schemas.microsoft.com/office/drawing/2014/main" id="{2930F240-0CAF-4377-8C66-C79A9700127F}"/>
+                <a16:creationId xmlns:a16="http://schemas.microsoft.com/office/drawing/2014/main" xmlns="" id="{2930F240-0CAF-4377-8C66-C79A9700127F}"/>
               </a:ext>
             </a:extLst>
           </p:cNvPr>
@@ -783,7 +782,7 @@
           <p:cNvPr id="4" name="Graphic 14">
             <a:extLst>
               <a:ext uri="{FF2B5EF4-FFF2-40B4-BE49-F238E27FC236}">
-                <a16:creationId xmlns:a16="http://schemas.microsoft.com/office/drawing/2014/main" id="{09D52290-FED8-432E-A9AF-895F42C29BF1}"/>
+                <a16:creationId xmlns:a16="http://schemas.microsoft.com/office/drawing/2014/main" xmlns="" id="{09D52290-FED8-432E-A9AF-895F42C29BF1}"/>
               </a:ext>
             </a:extLst>
           </p:cNvPr>
@@ -803,7 +802,7 @@
             <p:cNvPr id="5" name="Freeform: Shape 4">
               <a:extLst>
                 <a:ext uri="{FF2B5EF4-FFF2-40B4-BE49-F238E27FC236}">
-                  <a16:creationId xmlns:a16="http://schemas.microsoft.com/office/drawing/2014/main" id="{6DF2C3D3-4FC4-450E-A75F-6CA28E9A260C}"/>
+                  <a16:creationId xmlns:a16="http://schemas.microsoft.com/office/drawing/2014/main" xmlns="" id="{6DF2C3D3-4FC4-450E-A75F-6CA28E9A260C}"/>
                 </a:ext>
               </a:extLst>
             </p:cNvPr>
@@ -975,7 +974,7 @@
             <p:cNvPr id="6" name="Freeform: Shape 5">
               <a:extLst>
                 <a:ext uri="{FF2B5EF4-FFF2-40B4-BE49-F238E27FC236}">
-                  <a16:creationId xmlns:a16="http://schemas.microsoft.com/office/drawing/2014/main" id="{F155DD87-3668-41CD-B8FE-F7680E231E68}"/>
+                  <a16:creationId xmlns:a16="http://schemas.microsoft.com/office/drawing/2014/main" xmlns="" id="{F155DD87-3668-41CD-B8FE-F7680E231E68}"/>
                 </a:ext>
               </a:extLst>
             </p:cNvPr>
@@ -1119,7 +1118,7 @@
             <p:cNvPr id="7" name="Freeform: Shape 6">
               <a:extLst>
                 <a:ext uri="{FF2B5EF4-FFF2-40B4-BE49-F238E27FC236}">
-                  <a16:creationId xmlns:a16="http://schemas.microsoft.com/office/drawing/2014/main" id="{B1B24015-CBFE-4CE0-8A31-5115F8BF1167}"/>
+                  <a16:creationId xmlns:a16="http://schemas.microsoft.com/office/drawing/2014/main" xmlns="" id="{B1B24015-CBFE-4CE0-8A31-5115F8BF1167}"/>
                 </a:ext>
               </a:extLst>
             </p:cNvPr>
@@ -1211,7 +1210,7 @@
             <p:cNvPr id="8" name="Freeform: Shape 7">
               <a:extLst>
                 <a:ext uri="{FF2B5EF4-FFF2-40B4-BE49-F238E27FC236}">
-                  <a16:creationId xmlns:a16="http://schemas.microsoft.com/office/drawing/2014/main" id="{5E3E8073-D26E-4946-A0FB-859AFD2C5919}"/>
+                  <a16:creationId xmlns:a16="http://schemas.microsoft.com/office/drawing/2014/main" xmlns="" id="{5E3E8073-D26E-4946-A0FB-859AFD2C5919}"/>
                 </a:ext>
               </a:extLst>
             </p:cNvPr>
@@ -1335,7 +1334,7 @@
             <p:cNvPr id="9" name="Freeform: Shape 8">
               <a:extLst>
                 <a:ext uri="{FF2B5EF4-FFF2-40B4-BE49-F238E27FC236}">
-                  <a16:creationId xmlns:a16="http://schemas.microsoft.com/office/drawing/2014/main" id="{A5CFD02F-04CF-4A4F-B2ED-42A6C2D5743E}"/>
+                  <a16:creationId xmlns:a16="http://schemas.microsoft.com/office/drawing/2014/main" xmlns="" id="{A5CFD02F-04CF-4A4F-B2ED-42A6C2D5743E}"/>
                 </a:ext>
               </a:extLst>
             </p:cNvPr>
@@ -1494,7 +1493,7 @@
             <p:cNvPr id="10" name="Freeform: Shape 9">
               <a:extLst>
                 <a:ext uri="{FF2B5EF4-FFF2-40B4-BE49-F238E27FC236}">
-                  <a16:creationId xmlns:a16="http://schemas.microsoft.com/office/drawing/2014/main" id="{15426560-F548-478A-8C28-622AA658C2FC}"/>
+                  <a16:creationId xmlns:a16="http://schemas.microsoft.com/office/drawing/2014/main" xmlns="" id="{15426560-F548-478A-8C28-622AA658C2FC}"/>
                 </a:ext>
               </a:extLst>
             </p:cNvPr>
@@ -1620,7 +1619,7 @@
             <p:cNvPr id="11" name="Freeform: Shape 10">
               <a:extLst>
                 <a:ext uri="{FF2B5EF4-FFF2-40B4-BE49-F238E27FC236}">
-                  <a16:creationId xmlns:a16="http://schemas.microsoft.com/office/drawing/2014/main" id="{04F41FF2-11EF-4478-BD9D-633C60DB9873}"/>
+                  <a16:creationId xmlns:a16="http://schemas.microsoft.com/office/drawing/2014/main" xmlns="" id="{04F41FF2-11EF-4478-BD9D-633C60DB9873}"/>
                 </a:ext>
               </a:extLst>
             </p:cNvPr>
@@ -1700,7 +1699,7 @@
             <p:cNvPr id="12" name="Freeform: Shape 11">
               <a:extLst>
                 <a:ext uri="{FF2B5EF4-FFF2-40B4-BE49-F238E27FC236}">
-                  <a16:creationId xmlns:a16="http://schemas.microsoft.com/office/drawing/2014/main" id="{C13A2F72-37C9-40A6-AB61-B60154A9A232}"/>
+                  <a16:creationId xmlns:a16="http://schemas.microsoft.com/office/drawing/2014/main" xmlns="" id="{C13A2F72-37C9-40A6-AB61-B60154A9A232}"/>
                 </a:ext>
               </a:extLst>
             </p:cNvPr>
@@ -1810,7 +1809,7 @@
           <p:cNvPr id="13" name="Picture Placeholder 2">
             <a:extLst>
               <a:ext uri="{FF2B5EF4-FFF2-40B4-BE49-F238E27FC236}">
-                <a16:creationId xmlns:a16="http://schemas.microsoft.com/office/drawing/2014/main" id="{9F356DA8-6399-4BA3-920F-87F949C1BAE2}"/>
+                <a16:creationId xmlns:a16="http://schemas.microsoft.com/office/drawing/2014/main" xmlns="" id="{9F356DA8-6399-4BA3-920F-87F949C1BAE2}"/>
               </a:ext>
             </a:extLst>
           </p:cNvPr>
@@ -1898,7 +1897,7 @@
           <p:cNvPr id="14" name="Text Placeholder 9">
             <a:extLst>
               <a:ext uri="{FF2B5EF4-FFF2-40B4-BE49-F238E27FC236}">
-                <a16:creationId xmlns:a16="http://schemas.microsoft.com/office/drawing/2014/main" id="{870C11E2-F55D-4B43-8F26-02B3875E4F10}"/>
+                <a16:creationId xmlns:a16="http://schemas.microsoft.com/office/drawing/2014/main" xmlns="" id="{870C11E2-F55D-4B43-8F26-02B3875E4F10}"/>
               </a:ext>
             </a:extLst>
           </p:cNvPr>
@@ -2111,7 +2110,7 @@
           <p:cNvPr id="2" name="Text Placeholder 9">
             <a:extLst>
               <a:ext uri="{FF2B5EF4-FFF2-40B4-BE49-F238E27FC236}">
-                <a16:creationId xmlns:a16="http://schemas.microsoft.com/office/drawing/2014/main" id="{E85C5121-D524-4FA3-827E-5E1FC7C84CCF}"/>
+                <a16:creationId xmlns:a16="http://schemas.microsoft.com/office/drawing/2014/main" xmlns="" id="{E85C5121-D524-4FA3-827E-5E1FC7C84CCF}"/>
               </a:ext>
             </a:extLst>
           </p:cNvPr>
@@ -2483,7 +2482,7 @@
           <p:cNvPr id="58" name="TextBox 57">
             <a:extLst>
               <a:ext uri="{FF2B5EF4-FFF2-40B4-BE49-F238E27FC236}">
-                <a16:creationId xmlns:a16="http://schemas.microsoft.com/office/drawing/2014/main" id="{5644E8BB-F13A-4AE0-889E-633DE4143787}"/>
+                <a16:creationId xmlns:a16="http://schemas.microsoft.com/office/drawing/2014/main" xmlns="" id="{5644E8BB-F13A-4AE0-889E-633DE4143787}"/>
               </a:ext>
             </a:extLst>
           </p:cNvPr>
@@ -2531,7 +2530,7 @@
           <p:cNvPr id="59" name="TextBox 58">
             <a:extLst>
               <a:ext uri="{FF2B5EF4-FFF2-40B4-BE49-F238E27FC236}">
-                <a16:creationId xmlns:a16="http://schemas.microsoft.com/office/drawing/2014/main" id="{F2CE2B8B-ED32-491A-95B2-D28904BC432C}"/>
+                <a16:creationId xmlns:a16="http://schemas.microsoft.com/office/drawing/2014/main" xmlns="" id="{F2CE2B8B-ED32-491A-95B2-D28904BC432C}"/>
               </a:ext>
             </a:extLst>
           </p:cNvPr>
@@ -2591,7 +2590,7 @@
           <p:cNvPr id="60" name="TextBox 59">
             <a:extLst>
               <a:ext uri="{FF2B5EF4-FFF2-40B4-BE49-F238E27FC236}">
-                <a16:creationId xmlns:a16="http://schemas.microsoft.com/office/drawing/2014/main" id="{962A52DF-2523-4479-BFA3-B5ACE9887E1C}"/>
+                <a16:creationId xmlns:a16="http://schemas.microsoft.com/office/drawing/2014/main" xmlns="" id="{962A52DF-2523-4479-BFA3-B5ACE9887E1C}"/>
               </a:ext>
             </a:extLst>
           </p:cNvPr>
@@ -2639,7 +2638,7 @@
           <p:cNvPr id="61" name="TextBox 60">
             <a:extLst>
               <a:ext uri="{FF2B5EF4-FFF2-40B4-BE49-F238E27FC236}">
-                <a16:creationId xmlns:a16="http://schemas.microsoft.com/office/drawing/2014/main" id="{BAAC314F-E96A-4408-95DE-A70E9ED054AF}"/>
+                <a16:creationId xmlns:a16="http://schemas.microsoft.com/office/drawing/2014/main" xmlns="" id="{BAAC314F-E96A-4408-95DE-A70E9ED054AF}"/>
               </a:ext>
             </a:extLst>
           </p:cNvPr>
@@ -2842,7 +2841,7 @@
           <p:cNvPr id="3" name="Text Placeholder 9">
             <a:extLst>
               <a:ext uri="{FF2B5EF4-FFF2-40B4-BE49-F238E27FC236}">
-                <a16:creationId xmlns:a16="http://schemas.microsoft.com/office/drawing/2014/main" id="{EF70765A-4598-4D75-8EBE-B820808F6559}"/>
+                <a16:creationId xmlns:a16="http://schemas.microsoft.com/office/drawing/2014/main" xmlns="" id="{EF70765A-4598-4D75-8EBE-B820808F6559}"/>
               </a:ext>
             </a:extLst>
           </p:cNvPr>
@@ -2893,7 +2892,7 @@
           <p:cNvPr id="4" name="그림 개체 틀 2">
             <a:extLst>
               <a:ext uri="{FF2B5EF4-FFF2-40B4-BE49-F238E27FC236}">
-                <a16:creationId xmlns:a16="http://schemas.microsoft.com/office/drawing/2014/main" id="{CBB24084-5D13-40D7-B877-E47BE1E73BBF}"/>
+                <a16:creationId xmlns:a16="http://schemas.microsoft.com/office/drawing/2014/main" xmlns="" id="{CBB24084-5D13-40D7-B877-E47BE1E73BBF}"/>
               </a:ext>
             </a:extLst>
           </p:cNvPr>
@@ -3061,7 +3060,7 @@
           <p:cNvPr id="5" name="Group 3">
             <a:extLst>
               <a:ext uri="{FF2B5EF4-FFF2-40B4-BE49-F238E27FC236}">
-                <a16:creationId xmlns:a16="http://schemas.microsoft.com/office/drawing/2014/main" id="{54A41B6F-0B5A-4314-8E6A-AA3960BCF10F}"/>
+                <a16:creationId xmlns:a16="http://schemas.microsoft.com/office/drawing/2014/main" xmlns="" id="{54A41B6F-0B5A-4314-8E6A-AA3960BCF10F}"/>
               </a:ext>
             </a:extLst>
           </p:cNvPr>
@@ -3081,7 +3080,7 @@
             <p:cNvPr id="6" name="Rounded Rectangle 4">
               <a:extLst>
                 <a:ext uri="{FF2B5EF4-FFF2-40B4-BE49-F238E27FC236}">
-                  <a16:creationId xmlns:a16="http://schemas.microsoft.com/office/drawing/2014/main" id="{703E15B8-6CE8-4239-8540-4DB466536A91}"/>
+                  <a16:creationId xmlns:a16="http://schemas.microsoft.com/office/drawing/2014/main" xmlns="" id="{703E15B8-6CE8-4239-8540-4DB466536A91}"/>
                 </a:ext>
               </a:extLst>
             </p:cNvPr>
@@ -3144,7 +3143,7 @@
             <p:cNvPr id="7" name="Rectangle 5">
               <a:extLst>
                 <a:ext uri="{FF2B5EF4-FFF2-40B4-BE49-F238E27FC236}">
-                  <a16:creationId xmlns:a16="http://schemas.microsoft.com/office/drawing/2014/main" id="{39CA128A-BAAF-43EE-A61E-48F072F23C46}"/>
+                  <a16:creationId xmlns:a16="http://schemas.microsoft.com/office/drawing/2014/main" xmlns="" id="{39CA128A-BAAF-43EE-A61E-48F072F23C46}"/>
                 </a:ext>
               </a:extLst>
             </p:cNvPr>
@@ -3196,7 +3195,7 @@
             <p:cNvPr id="8" name="Group 6">
               <a:extLst>
                 <a:ext uri="{FF2B5EF4-FFF2-40B4-BE49-F238E27FC236}">
-                  <a16:creationId xmlns:a16="http://schemas.microsoft.com/office/drawing/2014/main" id="{9AFF85CE-C02B-4B53-AFD3-06E942BAC819}"/>
+                  <a16:creationId xmlns:a16="http://schemas.microsoft.com/office/drawing/2014/main" xmlns="" id="{9AFF85CE-C02B-4B53-AFD3-06E942BAC819}"/>
                 </a:ext>
               </a:extLst>
             </p:cNvPr>
@@ -3216,7 +3215,7 @@
               <p:cNvPr id="9" name="Oval 7">
                 <a:extLst>
                   <a:ext uri="{FF2B5EF4-FFF2-40B4-BE49-F238E27FC236}">
-                    <a16:creationId xmlns:a16="http://schemas.microsoft.com/office/drawing/2014/main" id="{F77DADA6-39EA-4F49-BF69-B54981F43A93}"/>
+                    <a16:creationId xmlns:a16="http://schemas.microsoft.com/office/drawing/2014/main" xmlns="" id="{F77DADA6-39EA-4F49-BF69-B54981F43A93}"/>
                   </a:ext>
                 </a:extLst>
               </p:cNvPr>
@@ -3303,7 +3302,7 @@
               <p:cNvPr id="10" name="Rounded Rectangle 8">
                 <a:extLst>
                   <a:ext uri="{FF2B5EF4-FFF2-40B4-BE49-F238E27FC236}">
-                    <a16:creationId xmlns:a16="http://schemas.microsoft.com/office/drawing/2014/main" id="{414D168B-29C2-4210-B545-06CBEEFEF1C5}"/>
+                    <a16:creationId xmlns:a16="http://schemas.microsoft.com/office/drawing/2014/main" xmlns="" id="{414D168B-29C2-4210-B545-06CBEEFEF1C5}"/>
                   </a:ext>
                 </a:extLst>
               </p:cNvPr>
@@ -3359,7 +3358,7 @@
           <p:cNvPr id="11" name="Picture Placeholder 2">
             <a:extLst>
               <a:ext uri="{FF2B5EF4-FFF2-40B4-BE49-F238E27FC236}">
-                <a16:creationId xmlns:a16="http://schemas.microsoft.com/office/drawing/2014/main" id="{6E6B1B6C-6A71-4B3B-A6B5-56A8DB4074E0}"/>
+                <a16:creationId xmlns:a16="http://schemas.microsoft.com/office/drawing/2014/main" xmlns="" id="{6E6B1B6C-6A71-4B3B-A6B5-56A8DB4074E0}"/>
               </a:ext>
             </a:extLst>
           </p:cNvPr>
@@ -3447,7 +3446,7 @@
           <p:cNvPr id="12" name="Text Placeholder 9">
             <a:extLst>
               <a:ext uri="{FF2B5EF4-FFF2-40B4-BE49-F238E27FC236}">
-                <a16:creationId xmlns:a16="http://schemas.microsoft.com/office/drawing/2014/main" id="{7AACC8C0-0D02-450C-A4FB-05C1A86E40A1}"/>
+                <a16:creationId xmlns:a16="http://schemas.microsoft.com/office/drawing/2014/main" xmlns="" id="{7AACC8C0-0D02-450C-A4FB-05C1A86E40A1}"/>
               </a:ext>
             </a:extLst>
           </p:cNvPr>
@@ -4297,7 +4296,7 @@
           <p:cNvPr id="8" name="TextBox 7">
             <a:extLst>
               <a:ext uri="{FF2B5EF4-FFF2-40B4-BE49-F238E27FC236}">
-                <a16:creationId xmlns:a16="http://schemas.microsoft.com/office/drawing/2014/main" id="{03B4C724-0776-4328-8F0A-B72DA1579537}"/>
+                <a16:creationId xmlns:a16="http://schemas.microsoft.com/office/drawing/2014/main" xmlns="" id="{03B4C724-0776-4328-8F0A-B72DA1579537}"/>
               </a:ext>
             </a:extLst>
           </p:cNvPr>
@@ -4346,7 +4345,7 @@
           <p:cNvPr id="2" name="Picture 1" descr="Hình ảnh">
             <a:extLst>
               <a:ext uri="{FF2B5EF4-FFF2-40B4-BE49-F238E27FC236}">
-                <a16:creationId xmlns:a16="http://schemas.microsoft.com/office/drawing/2014/main" id="{2AB897E2-1183-86DB-DBD3-022FBC78D143}"/>
+                <a16:creationId xmlns:a16="http://schemas.microsoft.com/office/drawing/2014/main" xmlns="" id="{2AB897E2-1183-86DB-DBD3-022FBC78D143}"/>
               </a:ext>
             </a:extLst>
           </p:cNvPr>
@@ -4356,7 +4355,7 @@
           <p:nvPr/>
         </p:nvPicPr>
         <p:blipFill>
-          <a:blip r:embed="rId2">
+          <a:blip r:embed="rId2" cstate="print">
             <a:extLst>
               <a:ext uri="{28A0092B-C50C-407E-A947-70E740481C1C}">
                 <a14:useLocalDpi xmlns:a14="http://schemas.microsoft.com/office/drawing/2010/main" val="0"/>
@@ -4393,7 +4392,7 @@
           <p:cNvPr id="5" name="Picture 4" descr="Hình ảnh">
             <a:extLst>
               <a:ext uri="{FF2B5EF4-FFF2-40B4-BE49-F238E27FC236}">
-                <a16:creationId xmlns:a16="http://schemas.microsoft.com/office/drawing/2014/main" id="{A5A6FB90-D72A-7571-3A2F-169A1D2AA1C8}"/>
+                <a16:creationId xmlns:a16="http://schemas.microsoft.com/office/drawing/2014/main" xmlns="" id="{A5A6FB90-D72A-7571-3A2F-169A1D2AA1C8}"/>
               </a:ext>
             </a:extLst>
           </p:cNvPr>
@@ -4403,7 +4402,7 @@
           <p:nvPr/>
         </p:nvPicPr>
         <p:blipFill>
-          <a:blip r:embed="rId3">
+          <a:blip r:embed="rId3" cstate="print">
             <a:extLst>
               <a:ext uri="{28A0092B-C50C-407E-A947-70E740481C1C}">
                 <a14:useLocalDpi xmlns:a14="http://schemas.microsoft.com/office/drawing/2010/main" val="0"/>
@@ -4440,7 +4439,7 @@
           <p:cNvPr id="12" name="TextBox 11">
             <a:extLst>
               <a:ext uri="{FF2B5EF4-FFF2-40B4-BE49-F238E27FC236}">
-                <a16:creationId xmlns:a16="http://schemas.microsoft.com/office/drawing/2014/main" id="{1E66F47F-4D54-D8DE-A85B-D38466693340}"/>
+                <a16:creationId xmlns:a16="http://schemas.microsoft.com/office/drawing/2014/main" xmlns="" id="{1E66F47F-4D54-D8DE-A85B-D38466693340}"/>
               </a:ext>
             </a:extLst>
           </p:cNvPr>
@@ -4503,7 +4502,7 @@
           <p:cNvPr id="13" name="Table 24">
             <a:extLst>
               <a:ext uri="{FF2B5EF4-FFF2-40B4-BE49-F238E27FC236}">
-                <a16:creationId xmlns:a16="http://schemas.microsoft.com/office/drawing/2014/main" id="{6509251E-E94F-1782-E298-1EF84511A93D}"/>
+                <a16:creationId xmlns:a16="http://schemas.microsoft.com/office/drawing/2014/main" xmlns="" id="{6509251E-E94F-1782-E298-1EF84511A93D}"/>
               </a:ext>
             </a:extLst>
           </p:cNvPr>
@@ -4530,7 +4529,7 @@
                 <a:gridCol w="4387702">
                   <a:extLst>
                     <a:ext uri="{9D8B030D-6E8A-4147-A177-3AD203B41FA5}">
-                      <a16:colId xmlns:a16="http://schemas.microsoft.com/office/drawing/2014/main" val="504013163"/>
+                      <a16:colId xmlns:a16="http://schemas.microsoft.com/office/drawing/2014/main" xmlns="" val="504013163"/>
                     </a:ext>
                   </a:extLst>
                 </a:gridCol>
@@ -4792,7 +4791,7 @@
                     </a:p>
                     <a:p>
                       <a:pPr algn="l"/>
-                      <a:endParaRPr lang="en-VN" dirty="0">
+                      <a:endParaRPr lang="x-none" dirty="0">
                         <a:solidFill>
                           <a:schemeClr val="bg1"/>
                         </a:solidFill>
@@ -4841,7 +4840,7 @@
                 </a:tc>
                 <a:extLst>
                   <a:ext uri="{0D108BD9-81ED-4DB2-BD59-A6C34878D82A}">
-                    <a16:rowId xmlns:a16="http://schemas.microsoft.com/office/drawing/2014/main" val="3217690370"/>
+                    <a16:rowId xmlns:a16="http://schemas.microsoft.com/office/drawing/2014/main" xmlns="" val="3217690370"/>
                   </a:ext>
                 </a:extLst>
               </a:tr>
@@ -4852,7 +4851,7 @@
                     <a:lstStyle/>
                     <a:p>
                       <a:pPr algn="l"/>
-                      <a:endParaRPr lang="en-VN" dirty="0">
+                      <a:endParaRPr lang="x-none" dirty="0">
                         <a:solidFill>
                           <a:schemeClr val="bg1"/>
                         </a:solidFill>
@@ -4901,7 +4900,7 @@
                 </a:tc>
                 <a:extLst>
                   <a:ext uri="{0D108BD9-81ED-4DB2-BD59-A6C34878D82A}">
-                    <a16:rowId xmlns:a16="http://schemas.microsoft.com/office/drawing/2014/main" val="143599086"/>
+                    <a16:rowId xmlns:a16="http://schemas.microsoft.com/office/drawing/2014/main" xmlns="" val="143599086"/>
                   </a:ext>
                 </a:extLst>
               </a:tr>
@@ -4920,7 +4919,7 @@
     <a:masterClrMapping/>
   </p:clrMapOvr>
   <mc:AlternateContent xmlns:mc="http://schemas.openxmlformats.org/markup-compatibility/2006">
-    <mc:Choice xmlns:p159="http://schemas.microsoft.com/office/powerpoint/2015/09/main" Requires="p159">
+    <mc:Choice xmlns:p159="http://schemas.microsoft.com/office/powerpoint/2015/09/main" xmlns="" Requires="p159">
       <p:transition xmlns:p14="http://schemas.microsoft.com/office/powerpoint/2010/main" spd="slow" p14:dur="2000">
         <p159:morph option="byObject"/>
       </p:transition>
@@ -4956,7 +4955,7 @@
           <p:cNvPr id="6" name="TextBox 5">
             <a:extLst>
               <a:ext uri="{FF2B5EF4-FFF2-40B4-BE49-F238E27FC236}">
-                <a16:creationId xmlns:a16="http://schemas.microsoft.com/office/drawing/2014/main" id="{4EC9C123-85CC-F5D0-7505-4B7E42536DC0}"/>
+                <a16:creationId xmlns:a16="http://schemas.microsoft.com/office/drawing/2014/main" xmlns="" id="{4EC9C123-85CC-F5D0-7505-4B7E42536DC0}"/>
               </a:ext>
             </a:extLst>
           </p:cNvPr>
@@ -5004,7 +5003,7 @@
           <p:cNvPr id="9" name="TextBox 8">
             <a:extLst>
               <a:ext uri="{FF2B5EF4-FFF2-40B4-BE49-F238E27FC236}">
-                <a16:creationId xmlns:a16="http://schemas.microsoft.com/office/drawing/2014/main" id="{E288542A-114B-F450-A46C-42E8998A4828}"/>
+                <a16:creationId xmlns:a16="http://schemas.microsoft.com/office/drawing/2014/main" xmlns="" id="{E288542A-114B-F450-A46C-42E8998A4828}"/>
               </a:ext>
             </a:extLst>
           </p:cNvPr>
@@ -5013,8 +5012,8 @@
         </p:nvSpPr>
         <p:spPr>
           <a:xfrm>
-            <a:off x="4645767" y="2774109"/>
-            <a:ext cx="7546233" cy="1309782"/>
+            <a:off x="5634877" y="2580381"/>
+            <a:ext cx="4725740" cy="2263825"/>
           </a:xfrm>
           <a:prstGeom prst="rect">
             <a:avLst/>
@@ -5027,6 +5026,51 @@
           </a:bodyPr>
           <a:lstStyle/>
           <a:p>
+            <a:pPr marL="285750" marR="441325" lvl="0" indent="-285750" algn="just">
+              <a:lnSpc>
+                <a:spcPct val="112000"/>
+              </a:lnSpc>
+              <a:spcBef>
+                <a:spcPts val="0"/>
+              </a:spcBef>
+              <a:spcAft>
+                <a:spcPts val="25"/>
+              </a:spcAft>
+              <a:buFontTx/>
+              <a:buChar char="-"/>
+            </a:pPr>
+            <a:r>
+              <a:rPr lang="en-US" sz="1800" dirty="0" smtClean="0">
+                <a:solidFill>
+                  <a:schemeClr val="bg1"/>
+                </a:solidFill>
+                <a:effectLst/>
+                <a:latin typeface="+mj-lt"/>
+                <a:ea typeface="Times New Roman" panose="02020603050405020304" pitchFamily="18" charset="0"/>
+              </a:rPr>
+              <a:t>NFT </a:t>
+            </a:r>
+            <a:r>
+              <a:rPr lang="en-US" sz="1800" dirty="0">
+                <a:solidFill>
+                  <a:schemeClr val="bg1"/>
+                </a:solidFill>
+                <a:effectLst/>
+                <a:latin typeface="+mj-lt"/>
+                <a:ea typeface="Times New Roman" panose="02020603050405020304" pitchFamily="18" charset="0"/>
+              </a:rPr>
+              <a:t>stands for non-fungible </a:t>
+            </a:r>
+            <a:endParaRPr lang="en-US" sz="1800" dirty="0" smtClean="0">
+              <a:solidFill>
+                <a:schemeClr val="bg1"/>
+              </a:solidFill>
+              <a:effectLst/>
+              <a:latin typeface="+mj-lt"/>
+              <a:ea typeface="Times New Roman" panose="02020603050405020304" pitchFamily="18" charset="0"/>
+            </a:endParaRPr>
+          </a:p>
+          <a:p>
             <a:pPr marR="441325" lvl="0" algn="just">
               <a:lnSpc>
                 <a:spcPct val="112000"/>
@@ -5038,21 +5082,103 @@
                 <a:spcPts val="25"/>
               </a:spcAft>
             </a:pPr>
+            <a:endParaRPr lang="en-US" sz="1800" dirty="0" smtClean="0">
+              <a:solidFill>
+                <a:schemeClr val="bg1"/>
+              </a:solidFill>
+              <a:effectLst/>
+              <a:latin typeface="+mj-lt"/>
+              <a:ea typeface="Times New Roman" panose="02020603050405020304" pitchFamily="18" charset="0"/>
+            </a:endParaRPr>
+          </a:p>
+          <a:p>
+            <a:pPr marR="441325" lvl="0" algn="just">
+              <a:lnSpc>
+                <a:spcPct val="112000"/>
+              </a:lnSpc>
+              <a:spcBef>
+                <a:spcPts val="0"/>
+              </a:spcBef>
+              <a:spcAft>
+                <a:spcPts val="25"/>
+              </a:spcAft>
+            </a:pPr>
+            <a:endParaRPr lang="en-US" sz="1800" dirty="0" smtClean="0">
+              <a:solidFill>
+                <a:schemeClr val="bg1"/>
+              </a:solidFill>
+              <a:effectLst/>
+              <a:latin typeface="+mj-lt"/>
+              <a:ea typeface="Times New Roman" panose="02020603050405020304" pitchFamily="18" charset="0"/>
+            </a:endParaRPr>
+          </a:p>
+          <a:p>
+            <a:pPr marL="285750" marR="441325" lvl="0" indent="-285750" algn="just">
+              <a:lnSpc>
+                <a:spcPct val="112000"/>
+              </a:lnSpc>
+              <a:spcBef>
+                <a:spcPts val="0"/>
+              </a:spcBef>
+              <a:spcAft>
+                <a:spcPts val="25"/>
+              </a:spcAft>
+              <a:buFontTx/>
+              <a:buChar char="-"/>
+            </a:pPr>
+            <a:r>
+              <a:rPr lang="en-US" sz="1800" dirty="0" smtClean="0">
+                <a:solidFill>
+                  <a:schemeClr val="bg1"/>
+                </a:solidFill>
+                <a:effectLst/>
+                <a:latin typeface="+mj-lt"/>
+                <a:ea typeface="Times New Roman" panose="02020603050405020304" pitchFamily="18" charset="0"/>
+              </a:rPr>
+              <a:t>These </a:t>
+            </a:r>
             <a:r>
               <a:rPr lang="en-US" sz="1800" dirty="0">
                 <a:solidFill>
                   <a:schemeClr val="bg1"/>
                 </a:solidFill>
                 <a:effectLst/>
-                <a:latin typeface="Times New Roman" panose="02020603050405020304" pitchFamily="18" charset="0"/>
+                <a:latin typeface="+mj-lt"/>
                 <a:ea typeface="Times New Roman" panose="02020603050405020304" pitchFamily="18" charset="0"/>
               </a:rPr>
-              <a:t>NFT stands for non-fungible token. Non-fungible is an economic term that you could use to describe things like your furniture, a song file, or your computer. These things are not interchangeable for other items because they have unique properties.</a:t>
+              <a:t>things are not interchangeable for other items because they have unique properties</a:t>
             </a:r>
+            <a:r>
+              <a:rPr lang="en-US" sz="1800" dirty="0" smtClean="0">
+                <a:solidFill>
+                  <a:schemeClr val="bg1"/>
+                </a:solidFill>
+                <a:effectLst/>
+                <a:latin typeface="+mj-lt"/>
+                <a:ea typeface="Times New Roman" panose="02020603050405020304" pitchFamily="18" charset="0"/>
+              </a:rPr>
+              <a:t>.</a:t>
+            </a:r>
+          </a:p>
+          <a:p>
+            <a:pPr marL="285750" marR="441325" lvl="0" indent="-285750" algn="just">
+              <a:lnSpc>
+                <a:spcPct val="112000"/>
+              </a:lnSpc>
+              <a:spcBef>
+                <a:spcPts val="0"/>
+              </a:spcBef>
+              <a:spcAft>
+                <a:spcPts val="25"/>
+              </a:spcAft>
+              <a:buFontTx/>
+              <a:buChar char="-"/>
+            </a:pPr>
             <a:endParaRPr lang="en-US" dirty="0">
               <a:solidFill>
                 <a:schemeClr val="bg1"/>
               </a:solidFill>
+              <a:latin typeface="+mj-lt"/>
             </a:endParaRPr>
           </a:p>
         </p:txBody>
@@ -5068,7 +5194,7 @@
     <a:masterClrMapping/>
   </p:clrMapOvr>
   <mc:AlternateContent xmlns:mc="http://schemas.openxmlformats.org/markup-compatibility/2006">
-    <mc:Choice xmlns:p159="http://schemas.microsoft.com/office/powerpoint/2015/09/main" Requires="p159">
+    <mc:Choice xmlns:p159="http://schemas.microsoft.com/office/powerpoint/2015/09/main" xmlns="" Requires="p159">
       <p:transition xmlns:p14="http://schemas.microsoft.com/office/powerpoint/2010/main" spd="slow" p14:dur="2000">
         <p159:morph option="byObject"/>
       </p:transition>
@@ -5104,7 +5230,7 @@
           <p:cNvPr id="4" name="TextBox 3">
             <a:extLst>
               <a:ext uri="{FF2B5EF4-FFF2-40B4-BE49-F238E27FC236}">
-                <a16:creationId xmlns:a16="http://schemas.microsoft.com/office/drawing/2014/main" id="{36E385AA-C1CE-E53C-C515-915297A3335A}"/>
+                <a16:creationId xmlns:a16="http://schemas.microsoft.com/office/drawing/2014/main" xmlns="" id="{36E385AA-C1CE-E53C-C515-915297A3335A}"/>
               </a:ext>
             </a:extLst>
           </p:cNvPr>
@@ -5152,7 +5278,7 @@
           <p:cNvPr id="6" name="TextBox 5">
             <a:extLst>
               <a:ext uri="{FF2B5EF4-FFF2-40B4-BE49-F238E27FC236}">
-                <a16:creationId xmlns:a16="http://schemas.microsoft.com/office/drawing/2014/main" id="{96FC4B9D-5E37-5BEB-A042-A9336449A6DF}"/>
+                <a16:creationId xmlns:a16="http://schemas.microsoft.com/office/drawing/2014/main" xmlns="" id="{96FC4B9D-5E37-5BEB-A042-A9336449A6DF}"/>
               </a:ext>
             </a:extLst>
           </p:cNvPr>
@@ -5161,8 +5287,8 @@
         </p:nvSpPr>
         <p:spPr>
           <a:xfrm>
-            <a:off x="1247572" y="1940209"/>
-            <a:ext cx="9958692" cy="1619995"/>
+            <a:off x="1154580" y="2002201"/>
+            <a:ext cx="4114843" cy="712759"/>
           </a:xfrm>
           <a:prstGeom prst="rect">
             <a:avLst/>
@@ -5175,7 +5301,7 @@
           </a:bodyPr>
           <a:lstStyle/>
           <a:p>
-            <a:pPr marR="441325" lvl="0" algn="just">
+            <a:pPr marR="441325" lvl="0">
               <a:lnSpc>
                 <a:spcPct val="112000"/>
               </a:lnSpc>
@@ -5187,16 +5313,186 @@
               </a:spcAft>
             </a:pPr>
             <a:r>
+              <a:rPr lang="en-US" sz="1800" dirty="0" smtClean="0">
+                <a:solidFill>
+                  <a:schemeClr val="bg1"/>
+                </a:solidFill>
+                <a:effectLst/>
+                <a:latin typeface="+mj-lt"/>
+                <a:ea typeface="Calibri" panose="020F0502020204030204" pitchFamily="34" charset="0"/>
+              </a:rPr>
+              <a:t>NFTs </a:t>
+            </a:r>
+            <a:r>
               <a:rPr lang="en-US" sz="1800" dirty="0">
                 <a:solidFill>
                   <a:schemeClr val="bg1"/>
                 </a:solidFill>
                 <a:effectLst/>
-                <a:latin typeface="Times New Roman" panose="02020603050405020304" pitchFamily="18" charset="0"/>
+                <a:latin typeface="+mj-lt"/>
                 <a:ea typeface="Calibri" panose="020F0502020204030204" pitchFamily="34" charset="0"/>
               </a:rPr>
-              <a:t>NFTs solve some of the problems that exist in the internet today. As everything becomes more digital, there's a need to replicate the properties of physical items like scarcity, uniqueness, and proof of ownership. Not to mention that digital items often only work in the context of their product. For example you can't re-sell an iTunes mp3 you've purchased, or you can't exchange one company's loyalty points for another platform's credit even if there's a market for it.</a:t>
+              <a:t>solve some of the problems that exist in the internet </a:t>
             </a:r>
+            <a:r>
+              <a:rPr lang="en-US" sz="1800" dirty="0" smtClean="0">
+                <a:solidFill>
+                  <a:schemeClr val="bg1"/>
+                </a:solidFill>
+                <a:effectLst/>
+                <a:latin typeface="+mj-lt"/>
+                <a:ea typeface="Calibri" panose="020F0502020204030204" pitchFamily="34" charset="0"/>
+              </a:rPr>
+              <a:t>today.</a:t>
+            </a:r>
+            <a:endParaRPr lang="en-US" sz="1800" dirty="0">
+              <a:solidFill>
+                <a:schemeClr val="bg1"/>
+              </a:solidFill>
+              <a:effectLst/>
+              <a:latin typeface="+mj-lt"/>
+              <a:ea typeface="Calibri" panose="020F0502020204030204" pitchFamily="34" charset="0"/>
+            </a:endParaRPr>
+          </a:p>
+        </p:txBody>
+      </p:sp>
+      <p:sp>
+        <p:nvSpPr>
+          <p:cNvPr id="5" name="TextBox 4">
+            <a:extLst>
+              <a:ext uri="{FF2B5EF4-FFF2-40B4-BE49-F238E27FC236}">
+                <a16:creationId xmlns:a16="http://schemas.microsoft.com/office/drawing/2014/main" xmlns="" id="{96FC4B9D-5E37-5BEB-A042-A9336449A6DF}"/>
+              </a:ext>
+            </a:extLst>
+          </p:cNvPr>
+          <p:cNvSpPr txBox="1"/>
+          <p:nvPr/>
+        </p:nvSpPr>
+        <p:spPr>
+          <a:xfrm>
+            <a:off x="5797994" y="2968264"/>
+            <a:ext cx="5385352" cy="712759"/>
+          </a:xfrm>
+          <a:prstGeom prst="rect">
+            <a:avLst/>
+          </a:prstGeom>
+          <a:noFill/>
+        </p:spPr>
+        <p:txBody>
+          <a:bodyPr wrap="square">
+            <a:spAutoFit/>
+          </a:bodyPr>
+          <a:lstStyle/>
+          <a:p>
+            <a:pPr marR="441325" lvl="0">
+              <a:lnSpc>
+                <a:spcPct val="112000"/>
+              </a:lnSpc>
+              <a:spcBef>
+                <a:spcPts val="0"/>
+              </a:spcBef>
+              <a:spcAft>
+                <a:spcPts val="25"/>
+              </a:spcAft>
+            </a:pPr>
+            <a:r>
+              <a:rPr lang="en-US" dirty="0">
+                <a:solidFill>
+                  <a:schemeClr val="bg1"/>
+                </a:solidFill>
+                <a:latin typeface="+mj-lt"/>
+                <a:ea typeface="Calibri" panose="020F0502020204030204" pitchFamily="34" charset="0"/>
+              </a:rPr>
+              <a:t>N</a:t>
+            </a:r>
+            <a:r>
+              <a:rPr lang="en-US" dirty="0" smtClean="0">
+                <a:solidFill>
+                  <a:schemeClr val="bg1"/>
+                </a:solidFill>
+                <a:latin typeface="+mj-lt"/>
+                <a:ea typeface="Calibri" panose="020F0502020204030204" pitchFamily="34" charset="0"/>
+              </a:rPr>
+              <a:t>FT </a:t>
+            </a:r>
+            <a:r>
+              <a:rPr lang="en-US" dirty="0">
+                <a:solidFill>
+                  <a:schemeClr val="bg1"/>
+                </a:solidFill>
+                <a:latin typeface="+mj-lt"/>
+                <a:ea typeface="Calibri" panose="020F0502020204030204" pitchFamily="34" charset="0"/>
+              </a:rPr>
+              <a:t>also solves the copyright issue, which is also controversial in many countries.</a:t>
+            </a:r>
+            <a:endParaRPr lang="en-US" sz="1800" dirty="0">
+              <a:solidFill>
+                <a:schemeClr val="bg1"/>
+              </a:solidFill>
+              <a:effectLst/>
+              <a:latin typeface="+mj-lt"/>
+              <a:ea typeface="Calibri" panose="020F0502020204030204" pitchFamily="34" charset="0"/>
+            </a:endParaRPr>
+          </a:p>
+        </p:txBody>
+      </p:sp>
+      <p:sp>
+        <p:nvSpPr>
+          <p:cNvPr id="7" name="TextBox 6">
+            <a:extLst>
+              <a:ext uri="{FF2B5EF4-FFF2-40B4-BE49-F238E27FC236}">
+                <a16:creationId xmlns:a16="http://schemas.microsoft.com/office/drawing/2014/main" xmlns="" id="{96FC4B9D-5E37-5BEB-A042-A9336449A6DF}"/>
+              </a:ext>
+            </a:extLst>
+          </p:cNvPr>
+          <p:cNvSpPr txBox="1"/>
+          <p:nvPr/>
+        </p:nvSpPr>
+        <p:spPr>
+          <a:xfrm>
+            <a:off x="1517879" y="4284907"/>
+            <a:ext cx="5385352" cy="1022972"/>
+          </a:xfrm>
+          <a:prstGeom prst="rect">
+            <a:avLst/>
+          </a:prstGeom>
+          <a:noFill/>
+        </p:spPr>
+        <p:txBody>
+          <a:bodyPr wrap="square">
+            <a:spAutoFit/>
+          </a:bodyPr>
+          <a:lstStyle/>
+          <a:p>
+            <a:pPr marR="441325" lvl="0">
+              <a:lnSpc>
+                <a:spcPct val="112000"/>
+              </a:lnSpc>
+              <a:spcBef>
+                <a:spcPts val="0"/>
+              </a:spcBef>
+              <a:spcAft>
+                <a:spcPts val="25"/>
+              </a:spcAft>
+            </a:pPr>
+            <a:r>
+              <a:rPr lang="en-US" dirty="0">
+                <a:solidFill>
+                  <a:schemeClr val="bg1"/>
+                </a:solidFill>
+                <a:latin typeface="+mj-lt"/>
+                <a:ea typeface="Calibri" panose="020F0502020204030204" pitchFamily="34" charset="0"/>
+              </a:rPr>
+              <a:t>"Tokenizing" these real-world tangible assets makes buying, selling, and trading them more efficient while reducing the probability of fraud.</a:t>
+            </a:r>
+            <a:endParaRPr lang="en-US" sz="1800" dirty="0">
+              <a:solidFill>
+                <a:schemeClr val="bg1"/>
+              </a:solidFill>
+              <a:effectLst/>
+              <a:latin typeface="+mj-lt"/>
+              <a:ea typeface="Calibri" panose="020F0502020204030204" pitchFamily="34" charset="0"/>
+            </a:endParaRPr>
           </a:p>
         </p:txBody>
       </p:sp>
@@ -5211,7 +5507,7 @@
     <a:masterClrMapping/>
   </p:clrMapOvr>
   <mc:AlternateContent xmlns:mc="http://schemas.openxmlformats.org/markup-compatibility/2006">
-    <mc:Choice xmlns:p159="http://schemas.microsoft.com/office/powerpoint/2015/09/main" Requires="p159">
+    <mc:Choice xmlns:p159="http://schemas.microsoft.com/office/powerpoint/2015/09/main" xmlns="" Requires="p159">
       <p:transition xmlns:p14="http://schemas.microsoft.com/office/powerpoint/2010/main" spd="slow" p14:dur="2000">
         <p159:morph option="byObject"/>
       </p:transition>
@@ -5226,149 +5522,6 @@
 </file>
 
 <file path=ppt/slides/slide12.xml><?xml version="1.0" encoding="utf-8"?>
-<p:sld xmlns:a="http://schemas.openxmlformats.org/drawingml/2006/main" xmlns:r="http://schemas.openxmlformats.org/officeDocument/2006/relationships" xmlns:p="http://schemas.openxmlformats.org/presentationml/2006/main">
-  <p:cSld>
-    <p:spTree>
-      <p:nvGrpSpPr>
-        <p:cNvPr id="1" name=""/>
-        <p:cNvGrpSpPr/>
-        <p:nvPr/>
-      </p:nvGrpSpPr>
-      <p:grpSpPr>
-        <a:xfrm>
-          <a:off x="0" y="0"/>
-          <a:ext cx="0" cy="0"/>
-          <a:chOff x="0" y="0"/>
-          <a:chExt cx="0" cy="0"/>
-        </a:xfrm>
-      </p:grpSpPr>
-      <p:sp>
-        <p:nvSpPr>
-          <p:cNvPr id="4" name="TextBox 3">
-            <a:extLst>
-              <a:ext uri="{FF2B5EF4-FFF2-40B4-BE49-F238E27FC236}">
-                <a16:creationId xmlns:a16="http://schemas.microsoft.com/office/drawing/2014/main" id="{36E385AA-C1CE-E53C-C515-915297A3335A}"/>
-              </a:ext>
-            </a:extLst>
-          </p:cNvPr>
-          <p:cNvSpPr txBox="1"/>
-          <p:nvPr/>
-        </p:nvSpPr>
-        <p:spPr>
-          <a:xfrm>
-            <a:off x="1449421" y="325745"/>
-            <a:ext cx="9834664" cy="1015663"/>
-          </a:xfrm>
-          <a:prstGeom prst="rect">
-            <a:avLst/>
-          </a:prstGeom>
-          <a:noFill/>
-        </p:spPr>
-        <p:txBody>
-          <a:bodyPr wrap="square" lIns="108000" rIns="108000" rtlCol="0">
-            <a:spAutoFit/>
-          </a:bodyPr>
-          <a:lstStyle/>
-          <a:p>
-            <a:r>
-              <a:rPr lang="en-US" altLang="ko-KR" sz="6000" dirty="0">
-                <a:solidFill>
-                  <a:schemeClr val="accent3"/>
-                </a:solidFill>
-                <a:latin typeface="Aharoni" panose="02010803020104030203" pitchFamily="2" charset="-79"/>
-                <a:cs typeface="Aharoni" panose="02010803020104030203" pitchFamily="2" charset="-79"/>
-              </a:rPr>
-              <a:t>WHY IS NFT IMPORTANT</a:t>
-            </a:r>
-            <a:endParaRPr lang="ko-KR" altLang="en-US" sz="6000" dirty="0">
-              <a:solidFill>
-                <a:schemeClr val="accent3"/>
-              </a:solidFill>
-              <a:latin typeface="Aharoni" panose="02010803020104030203" pitchFamily="2" charset="-79"/>
-              <a:cs typeface="Aharoni" panose="02010803020104030203" pitchFamily="2" charset="-79"/>
-            </a:endParaRPr>
-          </a:p>
-        </p:txBody>
-      </p:sp>
-      <p:sp>
-        <p:nvSpPr>
-          <p:cNvPr id="6" name="TextBox 5">
-            <a:extLst>
-              <a:ext uri="{FF2B5EF4-FFF2-40B4-BE49-F238E27FC236}">
-                <a16:creationId xmlns:a16="http://schemas.microsoft.com/office/drawing/2014/main" id="{96FC4B9D-5E37-5BEB-A042-A9336449A6DF}"/>
-              </a:ext>
-            </a:extLst>
-          </p:cNvPr>
-          <p:cNvSpPr txBox="1"/>
-          <p:nvPr/>
-        </p:nvSpPr>
-        <p:spPr>
-          <a:xfrm>
-            <a:off x="1247572" y="1940209"/>
-            <a:ext cx="9958692" cy="999569"/>
-          </a:xfrm>
-          <a:prstGeom prst="rect">
-            <a:avLst/>
-          </a:prstGeom>
-          <a:noFill/>
-        </p:spPr>
-        <p:txBody>
-          <a:bodyPr wrap="square">
-            <a:spAutoFit/>
-          </a:bodyPr>
-          <a:lstStyle/>
-          <a:p>
-            <a:pPr marR="441325" lvl="0" algn="just">
-              <a:lnSpc>
-                <a:spcPct val="112000"/>
-              </a:lnSpc>
-              <a:spcBef>
-                <a:spcPts val="0"/>
-              </a:spcBef>
-              <a:spcAft>
-                <a:spcPts val="25"/>
-              </a:spcAft>
-            </a:pPr>
-            <a:r>
-              <a:rPr lang="en-US" sz="1800" dirty="0">
-                <a:solidFill>
-                  <a:schemeClr val="bg1"/>
-                </a:solidFill>
-                <a:effectLst/>
-                <a:latin typeface="Times New Roman" panose="02020603050405020304" pitchFamily="18" charset="0"/>
-                <a:ea typeface="Calibri" panose="020F0502020204030204" pitchFamily="34" charset="0"/>
-              </a:rPr>
-              <a:t>NFT also solves the copyright issue, which is also controversial in many countries. The things you create will be owned by you, only you have the right to provide the right to use them to whom you want.</a:t>
-            </a:r>
-          </a:p>
-        </p:txBody>
-      </p:sp>
-    </p:spTree>
-    <p:extLst>
-      <p:ext uri="{BB962C8B-B14F-4D97-AF65-F5344CB8AC3E}">
-        <p14:creationId xmlns:p14="http://schemas.microsoft.com/office/powerpoint/2010/main" val="25007189"/>
-      </p:ext>
-    </p:extLst>
-  </p:cSld>
-  <p:clrMapOvr>
-    <a:masterClrMapping/>
-  </p:clrMapOvr>
-  <mc:AlternateContent xmlns:mc="http://schemas.openxmlformats.org/markup-compatibility/2006">
-    <mc:Choice xmlns:p159="http://schemas.microsoft.com/office/powerpoint/2015/09/main" Requires="p159">
-      <p:transition xmlns:p14="http://schemas.microsoft.com/office/powerpoint/2010/main" spd="slow" p14:dur="2000">
-        <p159:morph option="byObject"/>
-      </p:transition>
-    </mc:Choice>
-    <mc:Fallback>
-      <p:transition spd="slow">
-        <p:fade/>
-      </p:transition>
-    </mc:Fallback>
-  </mc:AlternateContent>
-</p:sld>
-</file>
-
-<file path=ppt/slides/slide13.xml><?xml version="1.0" encoding="utf-8"?>
 <p:sld xmlns:a="http://schemas.openxmlformats.org/drawingml/2006/main" xmlns:r="http://schemas.openxmlformats.org/officeDocument/2006/relationships" xmlns:p="http://schemas.openxmlformats.org/presentationml/2006/main">
   <p:cSld>
     <p:bg>
@@ -5409,7 +5562,7 @@
           <p:cNvPr id="8" name="Rectangle 7">
             <a:extLst>
               <a:ext uri="{FF2B5EF4-FFF2-40B4-BE49-F238E27FC236}">
-                <a16:creationId xmlns:a16="http://schemas.microsoft.com/office/drawing/2014/main" id="{818D9906-A1BC-4EF6-8ED4-26637D9E951F}"/>
+                <a16:creationId xmlns:a16="http://schemas.microsoft.com/office/drawing/2014/main" xmlns="" id="{818D9906-A1BC-4EF6-8ED4-26637D9E951F}"/>
               </a:ext>
             </a:extLst>
           </p:cNvPr>
@@ -5418,7 +5571,7 @@
         </p:nvSpPr>
         <p:spPr>
           <a:xfrm>
-            <a:off x="1104128" y="2887976"/>
+            <a:off x="1995280" y="2864728"/>
             <a:ext cx="1079210" cy="1059814"/>
           </a:xfrm>
           <a:prstGeom prst="rect">
@@ -5519,7 +5672,7 @@
           <p:cNvPr id="12" name="Group 11">
             <a:extLst>
               <a:ext uri="{FF2B5EF4-FFF2-40B4-BE49-F238E27FC236}">
-                <a16:creationId xmlns:a16="http://schemas.microsoft.com/office/drawing/2014/main" id="{717BE7FB-5F42-4423-AB3F-DB94DCC93A54}"/>
+                <a16:creationId xmlns:a16="http://schemas.microsoft.com/office/drawing/2014/main" xmlns="" id="{717BE7FB-5F42-4423-AB3F-DB94DCC93A54}"/>
               </a:ext>
             </a:extLst>
           </p:cNvPr>
@@ -5528,7 +5681,7 @@
         </p:nvGrpSpPr>
         <p:grpSpPr>
           <a:xfrm>
-            <a:off x="3213566" y="3015860"/>
+            <a:off x="4104718" y="2992612"/>
             <a:ext cx="3614756" cy="804046"/>
             <a:chOff x="6211235" y="1628800"/>
             <a:chExt cx="2609238" cy="804046"/>
@@ -5539,7 +5692,7 @@
             <p:cNvPr id="13" name="TextBox 12">
               <a:extLst>
                 <a:ext uri="{FF2B5EF4-FFF2-40B4-BE49-F238E27FC236}">
-                  <a16:creationId xmlns:a16="http://schemas.microsoft.com/office/drawing/2014/main" id="{C00501CE-F59B-4B74-8716-64FB0830D4F1}"/>
+                  <a16:creationId xmlns:a16="http://schemas.microsoft.com/office/drawing/2014/main" xmlns="" id="{C00501CE-F59B-4B74-8716-64FB0830D4F1}"/>
                 </a:ext>
               </a:extLst>
             </p:cNvPr>
@@ -5591,7 +5744,7 @@
             <p:cNvPr id="14" name="TextBox 13">
               <a:extLst>
                 <a:ext uri="{FF2B5EF4-FFF2-40B4-BE49-F238E27FC236}">
-                  <a16:creationId xmlns:a16="http://schemas.microsoft.com/office/drawing/2014/main" id="{24484BC5-1D9B-45D7-8E5B-0B08222B5C8F}"/>
+                  <a16:creationId xmlns:a16="http://schemas.microsoft.com/office/drawing/2014/main" xmlns="" id="{24484BC5-1D9B-45D7-8E5B-0B08222B5C8F}"/>
                 </a:ext>
               </a:extLst>
             </p:cNvPr>
@@ -5644,7 +5797,7 @@
           <p:cNvPr id="24" name="Rectangle 23">
             <a:extLst>
               <a:ext uri="{FF2B5EF4-FFF2-40B4-BE49-F238E27FC236}">
-                <a16:creationId xmlns:a16="http://schemas.microsoft.com/office/drawing/2014/main" id="{698B9A98-F939-4039-91DF-5A469919B51F}"/>
+                <a16:creationId xmlns:a16="http://schemas.microsoft.com/office/drawing/2014/main" xmlns="" id="{698B9A98-F939-4039-91DF-5A469919B51F}"/>
               </a:ext>
             </a:extLst>
           </p:cNvPr>
@@ -5653,7 +5806,7 @@
         </p:nvSpPr>
         <p:spPr>
           <a:xfrm>
-            <a:off x="2973576" y="2890782"/>
+            <a:off x="3864728" y="2867534"/>
             <a:ext cx="122258" cy="1076437"/>
           </a:xfrm>
           <a:prstGeom prst="rect">
@@ -5703,7 +5856,7 @@
           <p:cNvPr id="28" name="Chevron 13">
             <a:extLst>
               <a:ext uri="{FF2B5EF4-FFF2-40B4-BE49-F238E27FC236}">
-                <a16:creationId xmlns:a16="http://schemas.microsoft.com/office/drawing/2014/main" id="{FF3CC57E-7A14-4F0D-98C9-96410547EB2D}"/>
+                <a16:creationId xmlns:a16="http://schemas.microsoft.com/office/drawing/2014/main" xmlns="" id="{FF3CC57E-7A14-4F0D-98C9-96410547EB2D}"/>
               </a:ext>
             </a:extLst>
           </p:cNvPr>
@@ -5712,7 +5865,7 @@
         </p:nvSpPr>
         <p:spPr>
           <a:xfrm>
-            <a:off x="2468681" y="3233944"/>
+            <a:off x="3359833" y="3210696"/>
             <a:ext cx="292585" cy="390113"/>
           </a:xfrm>
           <a:prstGeom prst="chevron">
@@ -5762,7 +5915,7 @@
           <p:cNvPr id="34" name="TextBox 33">
             <a:extLst>
               <a:ext uri="{FF2B5EF4-FFF2-40B4-BE49-F238E27FC236}">
-                <a16:creationId xmlns:a16="http://schemas.microsoft.com/office/drawing/2014/main" id="{62C49953-61B3-C2C1-8C9A-A8E838C3331C}"/>
+                <a16:creationId xmlns:a16="http://schemas.microsoft.com/office/drawing/2014/main" xmlns="" id="{62C49953-61B3-C2C1-8C9A-A8E838C3331C}"/>
               </a:ext>
             </a:extLst>
           </p:cNvPr>
@@ -5802,7 +5955,7 @@
           <p:cNvPr id="2" name="Rectangle 1">
             <a:extLst>
               <a:ext uri="{FF2B5EF4-FFF2-40B4-BE49-F238E27FC236}">
-                <a16:creationId xmlns:a16="http://schemas.microsoft.com/office/drawing/2014/main" id="{93614509-04C9-A13C-F6D5-6E1F1756397B}"/>
+                <a16:creationId xmlns:a16="http://schemas.microsoft.com/office/drawing/2014/main" xmlns="" id="{93614509-04C9-A13C-F6D5-6E1F1756397B}"/>
               </a:ext>
             </a:extLst>
           </p:cNvPr>
@@ -5811,7 +5964,7 @@
         </p:nvSpPr>
         <p:spPr>
           <a:xfrm>
-            <a:off x="1104127" y="4468628"/>
+            <a:off x="1995279" y="4445380"/>
             <a:ext cx="1079210" cy="1059814"/>
           </a:xfrm>
           <a:prstGeom prst="rect">
@@ -5912,7 +6065,7 @@
           <p:cNvPr id="3" name="Group 2">
             <a:extLst>
               <a:ext uri="{FF2B5EF4-FFF2-40B4-BE49-F238E27FC236}">
-                <a16:creationId xmlns:a16="http://schemas.microsoft.com/office/drawing/2014/main" id="{B84DDF0B-B207-BDD6-3DAA-EC64FA17B6BA}"/>
+                <a16:creationId xmlns:a16="http://schemas.microsoft.com/office/drawing/2014/main" xmlns="" id="{B84DDF0B-B207-BDD6-3DAA-EC64FA17B6BA}"/>
               </a:ext>
             </a:extLst>
           </p:cNvPr>
@@ -5921,7 +6074,7 @@
         </p:nvGrpSpPr>
         <p:grpSpPr>
           <a:xfrm>
-            <a:off x="3213565" y="4596512"/>
+            <a:off x="4104717" y="4573264"/>
             <a:ext cx="3614756" cy="804046"/>
             <a:chOff x="6211235" y="1628800"/>
             <a:chExt cx="2609238" cy="804046"/>
@@ -5932,7 +6085,7 @@
             <p:cNvPr id="4" name="TextBox 3">
               <a:extLst>
                 <a:ext uri="{FF2B5EF4-FFF2-40B4-BE49-F238E27FC236}">
-                  <a16:creationId xmlns:a16="http://schemas.microsoft.com/office/drawing/2014/main" id="{2BA04E23-83A2-267D-1AB6-7FC45D7451E8}"/>
+                  <a16:creationId xmlns:a16="http://schemas.microsoft.com/office/drawing/2014/main" xmlns="" id="{2BA04E23-83A2-267D-1AB6-7FC45D7451E8}"/>
                 </a:ext>
               </a:extLst>
             </p:cNvPr>
@@ -5984,7 +6137,7 @@
             <p:cNvPr id="5" name="TextBox 4">
               <a:extLst>
                 <a:ext uri="{FF2B5EF4-FFF2-40B4-BE49-F238E27FC236}">
-                  <a16:creationId xmlns:a16="http://schemas.microsoft.com/office/drawing/2014/main" id="{D3818B1F-723F-C4EE-656A-74B624AE4C61}"/>
+                  <a16:creationId xmlns:a16="http://schemas.microsoft.com/office/drawing/2014/main" xmlns="" id="{D3818B1F-723F-C4EE-656A-74B624AE4C61}"/>
                 </a:ext>
               </a:extLst>
             </p:cNvPr>
@@ -6037,7 +6190,7 @@
           <p:cNvPr id="6" name="Rectangle 5">
             <a:extLst>
               <a:ext uri="{FF2B5EF4-FFF2-40B4-BE49-F238E27FC236}">
-                <a16:creationId xmlns:a16="http://schemas.microsoft.com/office/drawing/2014/main" id="{F80AE5EE-6083-CFEE-239E-8CA9AE58EE11}"/>
+                <a16:creationId xmlns:a16="http://schemas.microsoft.com/office/drawing/2014/main" xmlns="" id="{F80AE5EE-6083-CFEE-239E-8CA9AE58EE11}"/>
               </a:ext>
             </a:extLst>
           </p:cNvPr>
@@ -6046,7 +6199,7 @@
         </p:nvSpPr>
         <p:spPr>
           <a:xfrm>
-            <a:off x="2973575" y="4471434"/>
+            <a:off x="3864727" y="4448186"/>
             <a:ext cx="122258" cy="1076437"/>
           </a:xfrm>
           <a:prstGeom prst="rect">
@@ -6096,7 +6249,7 @@
           <p:cNvPr id="7" name="Chevron 13">
             <a:extLst>
               <a:ext uri="{FF2B5EF4-FFF2-40B4-BE49-F238E27FC236}">
-                <a16:creationId xmlns:a16="http://schemas.microsoft.com/office/drawing/2014/main" id="{2904D6D3-BEA1-6C74-D58F-157365918300}"/>
+                <a16:creationId xmlns:a16="http://schemas.microsoft.com/office/drawing/2014/main" xmlns="" id="{2904D6D3-BEA1-6C74-D58F-157365918300}"/>
               </a:ext>
             </a:extLst>
           </p:cNvPr>
@@ -6105,7 +6258,7 @@
         </p:nvSpPr>
         <p:spPr>
           <a:xfrm>
-            <a:off x="2468680" y="4814596"/>
+            <a:off x="3359832" y="4791348"/>
             <a:ext cx="292585" cy="390113"/>
           </a:xfrm>
           <a:prstGeom prst="chevron">
@@ -6161,7 +6314,1472 @@
     <a:masterClrMapping/>
   </p:clrMapOvr>
   <mc:AlternateContent xmlns:mc="http://schemas.openxmlformats.org/markup-compatibility/2006">
-    <mc:Choice xmlns:p159="http://schemas.microsoft.com/office/powerpoint/2015/09/main" Requires="p159">
+    <mc:Choice xmlns:p159="http://schemas.microsoft.com/office/powerpoint/2015/09/main" xmlns="" Requires="p159">
+      <p:transition xmlns:p14="http://schemas.microsoft.com/office/powerpoint/2010/main" spd="slow" p14:dur="2000">
+        <p159:morph option="byObject"/>
+      </p:transition>
+    </mc:Choice>
+    <mc:Fallback>
+      <p:transition spd="slow">
+        <p:fade/>
+      </p:transition>
+    </mc:Fallback>
+  </mc:AlternateContent>
+  <p:timing>
+    <p:tnLst>
+      <p:par>
+        <p:cTn id="1" dur="indefinite" restart="never" nodeType="tmRoot">
+          <p:childTnLst>
+            <p:seq concurrent="1" nextAc="seek">
+              <p:cTn id="2" dur="indefinite" nodeType="mainSeq">
+                <p:childTnLst>
+                  <p:par>
+                    <p:cTn id="3" fill="hold">
+                      <p:stCondLst>
+                        <p:cond delay="indefinite"/>
+                      </p:stCondLst>
+                      <p:childTnLst>
+                        <p:par>
+                          <p:cTn id="4" fill="hold">
+                            <p:stCondLst>
+                              <p:cond delay="0"/>
+                            </p:stCondLst>
+                            <p:childTnLst>
+                              <p:par>
+                                <p:cTn id="5" presetID="2" presetClass="entr" presetSubtype="4" fill="hold" grpId="0" nodeType="clickEffect">
+                                  <p:stCondLst>
+                                    <p:cond delay="0"/>
+                                  </p:stCondLst>
+                                  <p:childTnLst>
+                                    <p:set>
+                                      <p:cBhvr>
+                                        <p:cTn id="6" dur="1" fill="hold">
+                                          <p:stCondLst>
+                                            <p:cond delay="0"/>
+                                          </p:stCondLst>
+                                        </p:cTn>
+                                        <p:tgtEl>
+                                          <p:spTgt spid="8"/>
+                                        </p:tgtEl>
+                                        <p:attrNameLst>
+                                          <p:attrName>style.visibility</p:attrName>
+                                        </p:attrNameLst>
+                                      </p:cBhvr>
+                                      <p:to>
+                                        <p:strVal val="visible"/>
+                                      </p:to>
+                                    </p:set>
+                                    <p:anim calcmode="lin" valueType="num">
+                                      <p:cBhvr additive="base">
+                                        <p:cTn id="7" dur="500" fill="hold"/>
+                                        <p:tgtEl>
+                                          <p:spTgt spid="8"/>
+                                        </p:tgtEl>
+                                        <p:attrNameLst>
+                                          <p:attrName>ppt_x</p:attrName>
+                                        </p:attrNameLst>
+                                      </p:cBhvr>
+                                      <p:tavLst>
+                                        <p:tav tm="0">
+                                          <p:val>
+                                            <p:strVal val="#ppt_x"/>
+                                          </p:val>
+                                        </p:tav>
+                                        <p:tav tm="100000">
+                                          <p:val>
+                                            <p:strVal val="#ppt_x"/>
+                                          </p:val>
+                                        </p:tav>
+                                      </p:tavLst>
+                                    </p:anim>
+                                    <p:anim calcmode="lin" valueType="num">
+                                      <p:cBhvr additive="base">
+                                        <p:cTn id="8" dur="500" fill="hold"/>
+                                        <p:tgtEl>
+                                          <p:spTgt spid="8"/>
+                                        </p:tgtEl>
+                                        <p:attrNameLst>
+                                          <p:attrName>ppt_y</p:attrName>
+                                        </p:attrNameLst>
+                                      </p:cBhvr>
+                                      <p:tavLst>
+                                        <p:tav tm="0">
+                                          <p:val>
+                                            <p:strVal val="1+#ppt_h/2"/>
+                                          </p:val>
+                                        </p:tav>
+                                        <p:tav tm="100000">
+                                          <p:val>
+                                            <p:strVal val="#ppt_y"/>
+                                          </p:val>
+                                        </p:tav>
+                                      </p:tavLst>
+                                    </p:anim>
+                                  </p:childTnLst>
+                                </p:cTn>
+                              </p:par>
+                              <p:par>
+                                <p:cTn id="9" presetID="2" presetClass="entr" presetSubtype="4" fill="hold" nodeType="withEffect">
+                                  <p:stCondLst>
+                                    <p:cond delay="0"/>
+                                  </p:stCondLst>
+                                  <p:childTnLst>
+                                    <p:set>
+                                      <p:cBhvr>
+                                        <p:cTn id="10" dur="1" fill="hold">
+                                          <p:stCondLst>
+                                            <p:cond delay="0"/>
+                                          </p:stCondLst>
+                                        </p:cTn>
+                                        <p:tgtEl>
+                                          <p:spTgt spid="12"/>
+                                        </p:tgtEl>
+                                        <p:attrNameLst>
+                                          <p:attrName>style.visibility</p:attrName>
+                                        </p:attrNameLst>
+                                      </p:cBhvr>
+                                      <p:to>
+                                        <p:strVal val="visible"/>
+                                      </p:to>
+                                    </p:set>
+                                    <p:anim calcmode="lin" valueType="num">
+                                      <p:cBhvr additive="base">
+                                        <p:cTn id="11" dur="500" fill="hold"/>
+                                        <p:tgtEl>
+                                          <p:spTgt spid="12"/>
+                                        </p:tgtEl>
+                                        <p:attrNameLst>
+                                          <p:attrName>ppt_x</p:attrName>
+                                        </p:attrNameLst>
+                                      </p:cBhvr>
+                                      <p:tavLst>
+                                        <p:tav tm="0">
+                                          <p:val>
+                                            <p:strVal val="#ppt_x"/>
+                                          </p:val>
+                                        </p:tav>
+                                        <p:tav tm="100000">
+                                          <p:val>
+                                            <p:strVal val="#ppt_x"/>
+                                          </p:val>
+                                        </p:tav>
+                                      </p:tavLst>
+                                    </p:anim>
+                                    <p:anim calcmode="lin" valueType="num">
+                                      <p:cBhvr additive="base">
+                                        <p:cTn id="12" dur="500" fill="hold"/>
+                                        <p:tgtEl>
+                                          <p:spTgt spid="12"/>
+                                        </p:tgtEl>
+                                        <p:attrNameLst>
+                                          <p:attrName>ppt_y</p:attrName>
+                                        </p:attrNameLst>
+                                      </p:cBhvr>
+                                      <p:tavLst>
+                                        <p:tav tm="0">
+                                          <p:val>
+                                            <p:strVal val="1+#ppt_h/2"/>
+                                          </p:val>
+                                        </p:tav>
+                                        <p:tav tm="100000">
+                                          <p:val>
+                                            <p:strVal val="#ppt_y"/>
+                                          </p:val>
+                                        </p:tav>
+                                      </p:tavLst>
+                                    </p:anim>
+                                  </p:childTnLst>
+                                </p:cTn>
+                              </p:par>
+                              <p:par>
+                                <p:cTn id="13" presetID="2" presetClass="entr" presetSubtype="4" fill="hold" grpId="0" nodeType="withEffect">
+                                  <p:stCondLst>
+                                    <p:cond delay="0"/>
+                                  </p:stCondLst>
+                                  <p:childTnLst>
+                                    <p:set>
+                                      <p:cBhvr>
+                                        <p:cTn id="14" dur="1" fill="hold">
+                                          <p:stCondLst>
+                                            <p:cond delay="0"/>
+                                          </p:stCondLst>
+                                        </p:cTn>
+                                        <p:tgtEl>
+                                          <p:spTgt spid="24"/>
+                                        </p:tgtEl>
+                                        <p:attrNameLst>
+                                          <p:attrName>style.visibility</p:attrName>
+                                        </p:attrNameLst>
+                                      </p:cBhvr>
+                                      <p:to>
+                                        <p:strVal val="visible"/>
+                                      </p:to>
+                                    </p:set>
+                                    <p:anim calcmode="lin" valueType="num">
+                                      <p:cBhvr additive="base">
+                                        <p:cTn id="15" dur="500" fill="hold"/>
+                                        <p:tgtEl>
+                                          <p:spTgt spid="24"/>
+                                        </p:tgtEl>
+                                        <p:attrNameLst>
+                                          <p:attrName>ppt_x</p:attrName>
+                                        </p:attrNameLst>
+                                      </p:cBhvr>
+                                      <p:tavLst>
+                                        <p:tav tm="0">
+                                          <p:val>
+                                            <p:strVal val="#ppt_x"/>
+                                          </p:val>
+                                        </p:tav>
+                                        <p:tav tm="100000">
+                                          <p:val>
+                                            <p:strVal val="#ppt_x"/>
+                                          </p:val>
+                                        </p:tav>
+                                      </p:tavLst>
+                                    </p:anim>
+                                    <p:anim calcmode="lin" valueType="num">
+                                      <p:cBhvr additive="base">
+                                        <p:cTn id="16" dur="500" fill="hold"/>
+                                        <p:tgtEl>
+                                          <p:spTgt spid="24"/>
+                                        </p:tgtEl>
+                                        <p:attrNameLst>
+                                          <p:attrName>ppt_y</p:attrName>
+                                        </p:attrNameLst>
+                                      </p:cBhvr>
+                                      <p:tavLst>
+                                        <p:tav tm="0">
+                                          <p:val>
+                                            <p:strVal val="1+#ppt_h/2"/>
+                                          </p:val>
+                                        </p:tav>
+                                        <p:tav tm="100000">
+                                          <p:val>
+                                            <p:strVal val="#ppt_y"/>
+                                          </p:val>
+                                        </p:tav>
+                                      </p:tavLst>
+                                    </p:anim>
+                                  </p:childTnLst>
+                                </p:cTn>
+                              </p:par>
+                              <p:par>
+                                <p:cTn id="17" presetID="2" presetClass="entr" presetSubtype="4" fill="hold" grpId="0" nodeType="withEffect">
+                                  <p:stCondLst>
+                                    <p:cond delay="0"/>
+                                  </p:stCondLst>
+                                  <p:childTnLst>
+                                    <p:set>
+                                      <p:cBhvr>
+                                        <p:cTn id="18" dur="1" fill="hold">
+                                          <p:stCondLst>
+                                            <p:cond delay="0"/>
+                                          </p:stCondLst>
+                                        </p:cTn>
+                                        <p:tgtEl>
+                                          <p:spTgt spid="28"/>
+                                        </p:tgtEl>
+                                        <p:attrNameLst>
+                                          <p:attrName>style.visibility</p:attrName>
+                                        </p:attrNameLst>
+                                      </p:cBhvr>
+                                      <p:to>
+                                        <p:strVal val="visible"/>
+                                      </p:to>
+                                    </p:set>
+                                    <p:anim calcmode="lin" valueType="num">
+                                      <p:cBhvr additive="base">
+                                        <p:cTn id="19" dur="500" fill="hold"/>
+                                        <p:tgtEl>
+                                          <p:spTgt spid="28"/>
+                                        </p:tgtEl>
+                                        <p:attrNameLst>
+                                          <p:attrName>ppt_x</p:attrName>
+                                        </p:attrNameLst>
+                                      </p:cBhvr>
+                                      <p:tavLst>
+                                        <p:tav tm="0">
+                                          <p:val>
+                                            <p:strVal val="#ppt_x"/>
+                                          </p:val>
+                                        </p:tav>
+                                        <p:tav tm="100000">
+                                          <p:val>
+                                            <p:strVal val="#ppt_x"/>
+                                          </p:val>
+                                        </p:tav>
+                                      </p:tavLst>
+                                    </p:anim>
+                                    <p:anim calcmode="lin" valueType="num">
+                                      <p:cBhvr additive="base">
+                                        <p:cTn id="20" dur="500" fill="hold"/>
+                                        <p:tgtEl>
+                                          <p:spTgt spid="28"/>
+                                        </p:tgtEl>
+                                        <p:attrNameLst>
+                                          <p:attrName>ppt_y</p:attrName>
+                                        </p:attrNameLst>
+                                      </p:cBhvr>
+                                      <p:tavLst>
+                                        <p:tav tm="0">
+                                          <p:val>
+                                            <p:strVal val="1+#ppt_h/2"/>
+                                          </p:val>
+                                        </p:tav>
+                                        <p:tav tm="100000">
+                                          <p:val>
+                                            <p:strVal val="#ppt_y"/>
+                                          </p:val>
+                                        </p:tav>
+                                      </p:tavLst>
+                                    </p:anim>
+                                  </p:childTnLst>
+                                </p:cTn>
+                              </p:par>
+                            </p:childTnLst>
+                          </p:cTn>
+                        </p:par>
+                      </p:childTnLst>
+                    </p:cTn>
+                  </p:par>
+                  <p:par>
+                    <p:cTn id="21" fill="hold">
+                      <p:stCondLst>
+                        <p:cond delay="indefinite"/>
+                      </p:stCondLst>
+                      <p:childTnLst>
+                        <p:par>
+                          <p:cTn id="22" fill="hold">
+                            <p:stCondLst>
+                              <p:cond delay="0"/>
+                            </p:stCondLst>
+                            <p:childTnLst>
+                              <p:par>
+                                <p:cTn id="23" presetID="2" presetClass="entr" presetSubtype="4" fill="hold" grpId="0" nodeType="clickEffect">
+                                  <p:stCondLst>
+                                    <p:cond delay="0"/>
+                                  </p:stCondLst>
+                                  <p:childTnLst>
+                                    <p:set>
+                                      <p:cBhvr>
+                                        <p:cTn id="24" dur="1" fill="hold">
+                                          <p:stCondLst>
+                                            <p:cond delay="0"/>
+                                          </p:stCondLst>
+                                        </p:cTn>
+                                        <p:tgtEl>
+                                          <p:spTgt spid="2"/>
+                                        </p:tgtEl>
+                                        <p:attrNameLst>
+                                          <p:attrName>style.visibility</p:attrName>
+                                        </p:attrNameLst>
+                                      </p:cBhvr>
+                                      <p:to>
+                                        <p:strVal val="visible"/>
+                                      </p:to>
+                                    </p:set>
+                                    <p:anim calcmode="lin" valueType="num">
+                                      <p:cBhvr additive="base">
+                                        <p:cTn id="25" dur="500" fill="hold"/>
+                                        <p:tgtEl>
+                                          <p:spTgt spid="2"/>
+                                        </p:tgtEl>
+                                        <p:attrNameLst>
+                                          <p:attrName>ppt_x</p:attrName>
+                                        </p:attrNameLst>
+                                      </p:cBhvr>
+                                      <p:tavLst>
+                                        <p:tav tm="0">
+                                          <p:val>
+                                            <p:strVal val="#ppt_x"/>
+                                          </p:val>
+                                        </p:tav>
+                                        <p:tav tm="100000">
+                                          <p:val>
+                                            <p:strVal val="#ppt_x"/>
+                                          </p:val>
+                                        </p:tav>
+                                      </p:tavLst>
+                                    </p:anim>
+                                    <p:anim calcmode="lin" valueType="num">
+                                      <p:cBhvr additive="base">
+                                        <p:cTn id="26" dur="500" fill="hold"/>
+                                        <p:tgtEl>
+                                          <p:spTgt spid="2"/>
+                                        </p:tgtEl>
+                                        <p:attrNameLst>
+                                          <p:attrName>ppt_y</p:attrName>
+                                        </p:attrNameLst>
+                                      </p:cBhvr>
+                                      <p:tavLst>
+                                        <p:tav tm="0">
+                                          <p:val>
+                                            <p:strVal val="1+#ppt_h/2"/>
+                                          </p:val>
+                                        </p:tav>
+                                        <p:tav tm="100000">
+                                          <p:val>
+                                            <p:strVal val="#ppt_y"/>
+                                          </p:val>
+                                        </p:tav>
+                                      </p:tavLst>
+                                    </p:anim>
+                                  </p:childTnLst>
+                                </p:cTn>
+                              </p:par>
+                              <p:par>
+                                <p:cTn id="27" presetID="2" presetClass="entr" presetSubtype="4" fill="hold" nodeType="withEffect">
+                                  <p:stCondLst>
+                                    <p:cond delay="0"/>
+                                  </p:stCondLst>
+                                  <p:childTnLst>
+                                    <p:set>
+                                      <p:cBhvr>
+                                        <p:cTn id="28" dur="1" fill="hold">
+                                          <p:stCondLst>
+                                            <p:cond delay="0"/>
+                                          </p:stCondLst>
+                                        </p:cTn>
+                                        <p:tgtEl>
+                                          <p:spTgt spid="3"/>
+                                        </p:tgtEl>
+                                        <p:attrNameLst>
+                                          <p:attrName>style.visibility</p:attrName>
+                                        </p:attrNameLst>
+                                      </p:cBhvr>
+                                      <p:to>
+                                        <p:strVal val="visible"/>
+                                      </p:to>
+                                    </p:set>
+                                    <p:anim calcmode="lin" valueType="num">
+                                      <p:cBhvr additive="base">
+                                        <p:cTn id="29" dur="500" fill="hold"/>
+                                        <p:tgtEl>
+                                          <p:spTgt spid="3"/>
+                                        </p:tgtEl>
+                                        <p:attrNameLst>
+                                          <p:attrName>ppt_x</p:attrName>
+                                        </p:attrNameLst>
+                                      </p:cBhvr>
+                                      <p:tavLst>
+                                        <p:tav tm="0">
+                                          <p:val>
+                                            <p:strVal val="#ppt_x"/>
+                                          </p:val>
+                                        </p:tav>
+                                        <p:tav tm="100000">
+                                          <p:val>
+                                            <p:strVal val="#ppt_x"/>
+                                          </p:val>
+                                        </p:tav>
+                                      </p:tavLst>
+                                    </p:anim>
+                                    <p:anim calcmode="lin" valueType="num">
+                                      <p:cBhvr additive="base">
+                                        <p:cTn id="30" dur="500" fill="hold"/>
+                                        <p:tgtEl>
+                                          <p:spTgt spid="3"/>
+                                        </p:tgtEl>
+                                        <p:attrNameLst>
+                                          <p:attrName>ppt_y</p:attrName>
+                                        </p:attrNameLst>
+                                      </p:cBhvr>
+                                      <p:tavLst>
+                                        <p:tav tm="0">
+                                          <p:val>
+                                            <p:strVal val="1+#ppt_h/2"/>
+                                          </p:val>
+                                        </p:tav>
+                                        <p:tav tm="100000">
+                                          <p:val>
+                                            <p:strVal val="#ppt_y"/>
+                                          </p:val>
+                                        </p:tav>
+                                      </p:tavLst>
+                                    </p:anim>
+                                  </p:childTnLst>
+                                </p:cTn>
+                              </p:par>
+                              <p:par>
+                                <p:cTn id="31" presetID="2" presetClass="entr" presetSubtype="4" fill="hold" grpId="0" nodeType="withEffect">
+                                  <p:stCondLst>
+                                    <p:cond delay="0"/>
+                                  </p:stCondLst>
+                                  <p:childTnLst>
+                                    <p:set>
+                                      <p:cBhvr>
+                                        <p:cTn id="32" dur="1" fill="hold">
+                                          <p:stCondLst>
+                                            <p:cond delay="0"/>
+                                          </p:stCondLst>
+                                        </p:cTn>
+                                        <p:tgtEl>
+                                          <p:spTgt spid="6"/>
+                                        </p:tgtEl>
+                                        <p:attrNameLst>
+                                          <p:attrName>style.visibility</p:attrName>
+                                        </p:attrNameLst>
+                                      </p:cBhvr>
+                                      <p:to>
+                                        <p:strVal val="visible"/>
+                                      </p:to>
+                                    </p:set>
+                                    <p:anim calcmode="lin" valueType="num">
+                                      <p:cBhvr additive="base">
+                                        <p:cTn id="33" dur="500" fill="hold"/>
+                                        <p:tgtEl>
+                                          <p:spTgt spid="6"/>
+                                        </p:tgtEl>
+                                        <p:attrNameLst>
+                                          <p:attrName>ppt_x</p:attrName>
+                                        </p:attrNameLst>
+                                      </p:cBhvr>
+                                      <p:tavLst>
+                                        <p:tav tm="0">
+                                          <p:val>
+                                            <p:strVal val="#ppt_x"/>
+                                          </p:val>
+                                        </p:tav>
+                                        <p:tav tm="100000">
+                                          <p:val>
+                                            <p:strVal val="#ppt_x"/>
+                                          </p:val>
+                                        </p:tav>
+                                      </p:tavLst>
+                                    </p:anim>
+                                    <p:anim calcmode="lin" valueType="num">
+                                      <p:cBhvr additive="base">
+                                        <p:cTn id="34" dur="500" fill="hold"/>
+                                        <p:tgtEl>
+                                          <p:spTgt spid="6"/>
+                                        </p:tgtEl>
+                                        <p:attrNameLst>
+                                          <p:attrName>ppt_y</p:attrName>
+                                        </p:attrNameLst>
+                                      </p:cBhvr>
+                                      <p:tavLst>
+                                        <p:tav tm="0">
+                                          <p:val>
+                                            <p:strVal val="1+#ppt_h/2"/>
+                                          </p:val>
+                                        </p:tav>
+                                        <p:tav tm="100000">
+                                          <p:val>
+                                            <p:strVal val="#ppt_y"/>
+                                          </p:val>
+                                        </p:tav>
+                                      </p:tavLst>
+                                    </p:anim>
+                                  </p:childTnLst>
+                                </p:cTn>
+                              </p:par>
+                              <p:par>
+                                <p:cTn id="35" presetID="2" presetClass="entr" presetSubtype="4" fill="hold" grpId="0" nodeType="withEffect">
+                                  <p:stCondLst>
+                                    <p:cond delay="0"/>
+                                  </p:stCondLst>
+                                  <p:childTnLst>
+                                    <p:set>
+                                      <p:cBhvr>
+                                        <p:cTn id="36" dur="1" fill="hold">
+                                          <p:stCondLst>
+                                            <p:cond delay="0"/>
+                                          </p:stCondLst>
+                                        </p:cTn>
+                                        <p:tgtEl>
+                                          <p:spTgt spid="7"/>
+                                        </p:tgtEl>
+                                        <p:attrNameLst>
+                                          <p:attrName>style.visibility</p:attrName>
+                                        </p:attrNameLst>
+                                      </p:cBhvr>
+                                      <p:to>
+                                        <p:strVal val="visible"/>
+                                      </p:to>
+                                    </p:set>
+                                    <p:anim calcmode="lin" valueType="num">
+                                      <p:cBhvr additive="base">
+                                        <p:cTn id="37" dur="500" fill="hold"/>
+                                        <p:tgtEl>
+                                          <p:spTgt spid="7"/>
+                                        </p:tgtEl>
+                                        <p:attrNameLst>
+                                          <p:attrName>ppt_x</p:attrName>
+                                        </p:attrNameLst>
+                                      </p:cBhvr>
+                                      <p:tavLst>
+                                        <p:tav tm="0">
+                                          <p:val>
+                                            <p:strVal val="#ppt_x"/>
+                                          </p:val>
+                                        </p:tav>
+                                        <p:tav tm="100000">
+                                          <p:val>
+                                            <p:strVal val="#ppt_x"/>
+                                          </p:val>
+                                        </p:tav>
+                                      </p:tavLst>
+                                    </p:anim>
+                                    <p:anim calcmode="lin" valueType="num">
+                                      <p:cBhvr additive="base">
+                                        <p:cTn id="38" dur="500" fill="hold"/>
+                                        <p:tgtEl>
+                                          <p:spTgt spid="7"/>
+                                        </p:tgtEl>
+                                        <p:attrNameLst>
+                                          <p:attrName>ppt_y</p:attrName>
+                                        </p:attrNameLst>
+                                      </p:cBhvr>
+                                      <p:tavLst>
+                                        <p:tav tm="0">
+                                          <p:val>
+                                            <p:strVal val="1+#ppt_h/2"/>
+                                          </p:val>
+                                        </p:tav>
+                                        <p:tav tm="100000">
+                                          <p:val>
+                                            <p:strVal val="#ppt_y"/>
+                                          </p:val>
+                                        </p:tav>
+                                      </p:tavLst>
+                                    </p:anim>
+                                  </p:childTnLst>
+                                </p:cTn>
+                              </p:par>
+                            </p:childTnLst>
+                          </p:cTn>
+                        </p:par>
+                      </p:childTnLst>
+                    </p:cTn>
+                  </p:par>
+                </p:childTnLst>
+              </p:cTn>
+              <p:prevCondLst>
+                <p:cond evt="onPrev" delay="0">
+                  <p:tgtEl>
+                    <p:sldTgt/>
+                  </p:tgtEl>
+                </p:cond>
+              </p:prevCondLst>
+              <p:nextCondLst>
+                <p:cond evt="onNext" delay="0">
+                  <p:tgtEl>
+                    <p:sldTgt/>
+                  </p:tgtEl>
+                </p:cond>
+              </p:nextCondLst>
+            </p:seq>
+          </p:childTnLst>
+        </p:cTn>
+      </p:par>
+    </p:tnLst>
+    <p:bldLst>
+      <p:bldP spid="8" grpId="0" animBg="1"/>
+      <p:bldP spid="24" grpId="0" animBg="1"/>
+      <p:bldP spid="28" grpId="0" animBg="1"/>
+      <p:bldP spid="2" grpId="0" animBg="1"/>
+      <p:bldP spid="6" grpId="0" animBg="1"/>
+      <p:bldP spid="7" grpId="0" animBg="1"/>
+    </p:bldLst>
+  </p:timing>
+</p:sld>
+</file>
+
+<file path=ppt/slides/slide13.xml><?xml version="1.0" encoding="utf-8"?>
+<p:sld xmlns:a="http://schemas.openxmlformats.org/drawingml/2006/main" xmlns:r="http://schemas.openxmlformats.org/officeDocument/2006/relationships" xmlns:p="http://schemas.openxmlformats.org/presentationml/2006/main">
+  <p:cSld>
+    <p:bg>
+      <p:bgPr>
+        <a:gradFill>
+          <a:gsLst>
+            <a:gs pos="0">
+              <a:schemeClr val="accent1">
+                <a:lumMod val="5000"/>
+                <a:lumOff val="95000"/>
+              </a:schemeClr>
+            </a:gs>
+            <a:gs pos="100000">
+              <a:srgbClr val="F8FCFE"/>
+            </a:gs>
+          </a:gsLst>
+          <a:lin ang="10800000" scaled="0"/>
+        </a:gradFill>
+        <a:effectLst/>
+      </p:bgPr>
+    </p:bg>
+    <p:spTree>
+      <p:nvGrpSpPr>
+        <p:cNvPr id="1" name=""/>
+        <p:cNvGrpSpPr/>
+        <p:nvPr/>
+      </p:nvGrpSpPr>
+      <p:grpSpPr>
+        <a:xfrm>
+          <a:off x="0" y="0"/>
+          <a:ext cx="0" cy="0"/>
+          <a:chOff x="0" y="0"/>
+          <a:chExt cx="0" cy="0"/>
+        </a:xfrm>
+      </p:grpSpPr>
+      <p:sp>
+        <p:nvSpPr>
+          <p:cNvPr id="8" name="Rectangle 7">
+            <a:extLst>
+              <a:ext uri="{FF2B5EF4-FFF2-40B4-BE49-F238E27FC236}">
+                <a16:creationId xmlns:a16="http://schemas.microsoft.com/office/drawing/2014/main" xmlns="" id="{818D9906-A1BC-4EF6-8ED4-26637D9E951F}"/>
+              </a:ext>
+            </a:extLst>
+          </p:cNvPr>
+          <p:cNvSpPr/>
+          <p:nvPr/>
+        </p:nvSpPr>
+        <p:spPr>
+          <a:xfrm>
+            <a:off x="8603662" y="2828334"/>
+            <a:ext cx="1079210" cy="1059814"/>
+          </a:xfrm>
+          <a:prstGeom prst="rect">
+            <a:avLst/>
+          </a:prstGeom>
+          <a:solidFill>
+            <a:schemeClr val="accent4"/>
+          </a:solidFill>
+          <a:ln>
+            <a:noFill/>
+          </a:ln>
+          <a:scene3d>
+            <a:camera prst="perspectiveRight">
+              <a:rot lat="21299999" lon="20699968" rev="0"/>
+            </a:camera>
+            <a:lightRig rig="threePt" dir="t"/>
+          </a:scene3d>
+          <a:sp3d extrusionH="819150" prstMaterial="flat">
+            <a:bevelT w="63500" h="31750"/>
+            <a:extrusionClr>
+              <a:schemeClr val="accent4"/>
+            </a:extrusionClr>
+          </a:sp3d>
+        </p:spPr>
+        <p:style>
+          <a:lnRef idx="2">
+            <a:schemeClr val="accent1">
+              <a:shade val="50000"/>
+            </a:schemeClr>
+          </a:lnRef>
+          <a:fillRef idx="1">
+            <a:schemeClr val="accent1"/>
+          </a:fillRef>
+          <a:effectRef idx="0">
+            <a:schemeClr val="accent1"/>
+          </a:effectRef>
+          <a:fontRef idx="minor">
+            <a:schemeClr val="lt1"/>
+          </a:fontRef>
+        </p:style>
+        <p:txBody>
+          <a:bodyPr rtlCol="0" anchor="ctr"/>
+          <a:lstStyle/>
+          <a:p>
+            <a:pPr algn="ctr"/>
+            <a:r>
+              <a:rPr lang="en-US" altLang="ko-KR" sz="5400" b="1" spc="50" dirty="0">
+                <a:ln w="13500">
+                  <a:solidFill>
+                    <a:schemeClr val="accent1">
+                      <a:shade val="2500"/>
+                      <a:alpha val="6500"/>
+                    </a:schemeClr>
+                  </a:solidFill>
+                  <a:prstDash val="solid"/>
+                </a:ln>
+                <a:solidFill>
+                  <a:schemeClr val="bg1"/>
+                </a:solidFill>
+                <a:effectLst>
+                  <a:innerShdw blurRad="50900" dist="38500" dir="13500000">
+                    <a:srgbClr val="000000">
+                      <a:alpha val="60000"/>
+                    </a:srgbClr>
+                  </a:innerShdw>
+                </a:effectLst>
+                <a:cs typeface="Arial" pitchFamily="34" charset="0"/>
+              </a:rPr>
+              <a:t>3</a:t>
+            </a:r>
+            <a:endParaRPr lang="ko-KR" altLang="en-US" sz="5400" b="1" spc="50" dirty="0">
+              <a:ln w="13500">
+                <a:solidFill>
+                  <a:schemeClr val="accent1">
+                    <a:shade val="2500"/>
+                    <a:alpha val="6500"/>
+                  </a:schemeClr>
+                </a:solidFill>
+                <a:prstDash val="solid"/>
+              </a:ln>
+              <a:solidFill>
+                <a:schemeClr val="bg1"/>
+              </a:solidFill>
+              <a:effectLst>
+                <a:innerShdw blurRad="50900" dist="38500" dir="13500000">
+                  <a:srgbClr val="000000">
+                    <a:alpha val="60000"/>
+                  </a:srgbClr>
+                </a:innerShdw>
+              </a:effectLst>
+              <a:cs typeface="Arial" pitchFamily="34" charset="0"/>
+            </a:endParaRPr>
+          </a:p>
+        </p:txBody>
+      </p:sp>
+      <p:grpSp>
+        <p:nvGrpSpPr>
+          <p:cNvPr id="12" name="Group 11">
+            <a:extLst>
+              <a:ext uri="{FF2B5EF4-FFF2-40B4-BE49-F238E27FC236}">
+                <a16:creationId xmlns:a16="http://schemas.microsoft.com/office/drawing/2014/main" xmlns="" id="{717BE7FB-5F42-4423-AB3F-DB94DCC93A54}"/>
+              </a:ext>
+            </a:extLst>
+          </p:cNvPr>
+          <p:cNvGrpSpPr/>
+          <p:nvPr/>
+        </p:nvGrpSpPr>
+        <p:grpSpPr>
+          <a:xfrm>
+            <a:off x="3213566" y="3015860"/>
+            <a:ext cx="3614756" cy="988712"/>
+            <a:chOff x="6211235" y="1628800"/>
+            <a:chExt cx="2609238" cy="988712"/>
+          </a:xfrm>
+        </p:grpSpPr>
+        <p:sp>
+          <p:nvSpPr>
+            <p:cNvPr id="13" name="TextBox 12">
+              <a:extLst>
+                <a:ext uri="{FF2B5EF4-FFF2-40B4-BE49-F238E27FC236}">
+                  <a16:creationId xmlns:a16="http://schemas.microsoft.com/office/drawing/2014/main" xmlns="" id="{C00501CE-F59B-4B74-8716-64FB0830D4F1}"/>
+                </a:ext>
+              </a:extLst>
+            </p:cNvPr>
+            <p:cNvSpPr txBox="1"/>
+            <p:nvPr/>
+          </p:nvSpPr>
+          <p:spPr>
+            <a:xfrm>
+              <a:off x="6214187" y="1628800"/>
+              <a:ext cx="2606286" cy="307777"/>
+            </a:xfrm>
+            <a:prstGeom prst="rect">
+              <a:avLst/>
+            </a:prstGeom>
+            <a:noFill/>
+          </p:spPr>
+          <p:txBody>
+            <a:bodyPr wrap="square" rtlCol="0">
+              <a:spAutoFit/>
+            </a:bodyPr>
+            <a:lstStyle/>
+            <a:p>
+              <a:r>
+                <a:rPr lang="en-US" altLang="ko-KR" sz="1400" b="1" dirty="0">
+                  <a:solidFill>
+                    <a:schemeClr val="tx1">
+                      <a:lumMod val="75000"/>
+                      <a:lumOff val="25000"/>
+                    </a:schemeClr>
+                  </a:solidFill>
+                  <a:cs typeface="Arial" pitchFamily="34" charset="0"/>
+                </a:rPr>
+                <a:t>Third purpose</a:t>
+              </a:r>
+              <a:endParaRPr lang="ko-KR" altLang="en-US" sz="1400" b="1" dirty="0">
+                <a:solidFill>
+                  <a:schemeClr val="tx1">
+                    <a:lumMod val="75000"/>
+                    <a:lumOff val="25000"/>
+                  </a:schemeClr>
+                </a:solidFill>
+                <a:cs typeface="Arial" pitchFamily="34" charset="0"/>
+              </a:endParaRPr>
+            </a:p>
+          </p:txBody>
+        </p:sp>
+        <p:sp>
+          <p:nvSpPr>
+            <p:cNvPr id="14" name="TextBox 13">
+              <a:extLst>
+                <a:ext uri="{FF2B5EF4-FFF2-40B4-BE49-F238E27FC236}">
+                  <a16:creationId xmlns:a16="http://schemas.microsoft.com/office/drawing/2014/main" xmlns="" id="{24484BC5-1D9B-45D7-8E5B-0B08222B5C8F}"/>
+                </a:ext>
+              </a:extLst>
+            </p:cNvPr>
+            <p:cNvSpPr txBox="1"/>
+            <p:nvPr/>
+          </p:nvSpPr>
+          <p:spPr>
+            <a:xfrm>
+              <a:off x="6211235" y="1971181"/>
+              <a:ext cx="2609237" cy="646331"/>
+            </a:xfrm>
+            <a:prstGeom prst="rect">
+              <a:avLst/>
+            </a:prstGeom>
+            <a:noFill/>
+          </p:spPr>
+          <p:txBody>
+            <a:bodyPr wrap="square" rtlCol="0">
+              <a:spAutoFit/>
+            </a:bodyPr>
+            <a:lstStyle/>
+            <a:p>
+              <a:r>
+                <a:rPr lang="en-US" altLang="ko-KR" sz="1200" dirty="0">
+                  <a:solidFill>
+                    <a:schemeClr val="tx1">
+                      <a:lumMod val="75000"/>
+                      <a:lumOff val="25000"/>
+                    </a:schemeClr>
+                  </a:solidFill>
+                  <a:cs typeface="Arial" pitchFamily="34" charset="0"/>
+                </a:rPr>
+                <a:t>Users can use the anonymous system extremely safe and do not worry about stealing personal information</a:t>
+              </a:r>
+              <a:endParaRPr lang="ko-KR" altLang="en-US" sz="1200" dirty="0">
+                <a:solidFill>
+                  <a:schemeClr val="tx1">
+                    <a:lumMod val="75000"/>
+                    <a:lumOff val="25000"/>
+                  </a:schemeClr>
+                </a:solidFill>
+                <a:cs typeface="Arial" pitchFamily="34" charset="0"/>
+              </a:endParaRPr>
+            </a:p>
+          </p:txBody>
+        </p:sp>
+      </p:grpSp>
+      <p:sp>
+        <p:nvSpPr>
+          <p:cNvPr id="24" name="Rectangle 23">
+            <a:extLst>
+              <a:ext uri="{FF2B5EF4-FFF2-40B4-BE49-F238E27FC236}">
+                <a16:creationId xmlns:a16="http://schemas.microsoft.com/office/drawing/2014/main" xmlns="" id="{698B9A98-F939-4039-91DF-5A469919B51F}"/>
+              </a:ext>
+            </a:extLst>
+          </p:cNvPr>
+          <p:cNvSpPr/>
+          <p:nvPr/>
+        </p:nvSpPr>
+        <p:spPr>
+          <a:xfrm>
+            <a:off x="7006449" y="2848731"/>
+            <a:ext cx="122258" cy="1076437"/>
+          </a:xfrm>
+          <a:prstGeom prst="rect">
+            <a:avLst/>
+          </a:prstGeom>
+          <a:solidFill>
+            <a:schemeClr val="accent4"/>
+          </a:solidFill>
+          <a:ln>
+            <a:noFill/>
+          </a:ln>
+        </p:spPr>
+        <p:style>
+          <a:lnRef idx="2">
+            <a:schemeClr val="accent1">
+              <a:shade val="50000"/>
+            </a:schemeClr>
+          </a:lnRef>
+          <a:fillRef idx="1">
+            <a:schemeClr val="accent1"/>
+          </a:fillRef>
+          <a:effectRef idx="0">
+            <a:schemeClr val="accent1"/>
+          </a:effectRef>
+          <a:fontRef idx="minor">
+            <a:schemeClr val="lt1"/>
+          </a:fontRef>
+        </p:style>
+        <p:txBody>
+          <a:bodyPr rtlCol="0" anchor="ctr"/>
+          <a:lstStyle/>
+          <a:p>
+            <a:pPr algn="ctr"/>
+            <a:endParaRPr lang="ko-KR" altLang="en-US" sz="2700">
+              <a:solidFill>
+                <a:schemeClr val="tx1">
+                  <a:lumMod val="75000"/>
+                  <a:lumOff val="25000"/>
+                </a:schemeClr>
+              </a:solidFill>
+            </a:endParaRPr>
+          </a:p>
+        </p:txBody>
+      </p:sp>
+      <p:sp>
+        <p:nvSpPr>
+          <p:cNvPr id="28" name="Chevron 13">
+            <a:extLst>
+              <a:ext uri="{FF2B5EF4-FFF2-40B4-BE49-F238E27FC236}">
+                <a16:creationId xmlns:a16="http://schemas.microsoft.com/office/drawing/2014/main" xmlns="" id="{FF3CC57E-7A14-4F0D-98C9-96410547EB2D}"/>
+              </a:ext>
+            </a:extLst>
+          </p:cNvPr>
+          <p:cNvSpPr/>
+          <p:nvPr/>
+        </p:nvSpPr>
+        <p:spPr>
+          <a:xfrm rot="10800000">
+            <a:off x="7719891" y="3163184"/>
+            <a:ext cx="292585" cy="390113"/>
+          </a:xfrm>
+          <a:prstGeom prst="chevron">
+            <a:avLst/>
+          </a:prstGeom>
+          <a:solidFill>
+            <a:schemeClr val="accent4"/>
+          </a:solidFill>
+          <a:ln>
+            <a:noFill/>
+          </a:ln>
+        </p:spPr>
+        <p:style>
+          <a:lnRef idx="2">
+            <a:schemeClr val="accent1">
+              <a:shade val="50000"/>
+            </a:schemeClr>
+          </a:lnRef>
+          <a:fillRef idx="1">
+            <a:schemeClr val="accent1"/>
+          </a:fillRef>
+          <a:effectRef idx="0">
+            <a:schemeClr val="accent1"/>
+          </a:effectRef>
+          <a:fontRef idx="minor">
+            <a:schemeClr val="lt1"/>
+          </a:fontRef>
+        </p:style>
+        <p:txBody>
+          <a:bodyPr rtlCol="0" anchor="ctr"/>
+          <a:lstStyle/>
+          <a:p>
+            <a:pPr algn="ctr"/>
+            <a:endParaRPr lang="ko-KR" altLang="en-US" sz="2700">
+              <a:solidFill>
+                <a:schemeClr val="tx1">
+                  <a:lumMod val="75000"/>
+                  <a:lumOff val="25000"/>
+                </a:schemeClr>
+              </a:solidFill>
+            </a:endParaRPr>
+          </a:p>
+        </p:txBody>
+      </p:sp>
+      <p:sp>
+        <p:nvSpPr>
+          <p:cNvPr id="2" name="Rectangle 1">
+            <a:extLst>
+              <a:ext uri="{FF2B5EF4-FFF2-40B4-BE49-F238E27FC236}">
+                <a16:creationId xmlns:a16="http://schemas.microsoft.com/office/drawing/2014/main" xmlns="" id="{93614509-04C9-A13C-F6D5-6E1F1756397B}"/>
+              </a:ext>
+            </a:extLst>
+          </p:cNvPr>
+          <p:cNvSpPr/>
+          <p:nvPr/>
+        </p:nvSpPr>
+        <p:spPr>
+          <a:xfrm>
+            <a:off x="8603661" y="4408986"/>
+            <a:ext cx="1079210" cy="1059814"/>
+          </a:xfrm>
+          <a:prstGeom prst="rect">
+            <a:avLst/>
+          </a:prstGeom>
+          <a:solidFill>
+            <a:schemeClr val="accent4"/>
+          </a:solidFill>
+          <a:ln>
+            <a:noFill/>
+          </a:ln>
+          <a:scene3d>
+            <a:camera prst="perspectiveRight">
+              <a:rot lat="21299999" lon="20699968" rev="0"/>
+            </a:camera>
+            <a:lightRig rig="threePt" dir="t"/>
+          </a:scene3d>
+          <a:sp3d extrusionH="819150" prstMaterial="flat">
+            <a:bevelT w="63500" h="31750"/>
+            <a:extrusionClr>
+              <a:schemeClr val="accent4"/>
+            </a:extrusionClr>
+          </a:sp3d>
+        </p:spPr>
+        <p:style>
+          <a:lnRef idx="2">
+            <a:schemeClr val="accent1">
+              <a:shade val="50000"/>
+            </a:schemeClr>
+          </a:lnRef>
+          <a:fillRef idx="1">
+            <a:schemeClr val="accent1"/>
+          </a:fillRef>
+          <a:effectRef idx="0">
+            <a:schemeClr val="accent1"/>
+          </a:effectRef>
+          <a:fontRef idx="minor">
+            <a:schemeClr val="lt1"/>
+          </a:fontRef>
+        </p:style>
+        <p:txBody>
+          <a:bodyPr rtlCol="0" anchor="ctr"/>
+          <a:lstStyle/>
+          <a:p>
+            <a:pPr algn="ctr"/>
+            <a:r>
+              <a:rPr lang="en-US" altLang="ko-KR" sz="5400" b="1" spc="50" dirty="0">
+                <a:ln w="13500">
+                  <a:solidFill>
+                    <a:schemeClr val="accent1">
+                      <a:shade val="2500"/>
+                      <a:alpha val="6500"/>
+                    </a:schemeClr>
+                  </a:solidFill>
+                  <a:prstDash val="solid"/>
+                </a:ln>
+                <a:solidFill>
+                  <a:schemeClr val="bg1"/>
+                </a:solidFill>
+                <a:effectLst>
+                  <a:innerShdw blurRad="50900" dist="38500" dir="13500000">
+                    <a:srgbClr val="000000">
+                      <a:alpha val="60000"/>
+                    </a:srgbClr>
+                  </a:innerShdw>
+                </a:effectLst>
+                <a:cs typeface="Arial" pitchFamily="34" charset="0"/>
+              </a:rPr>
+              <a:t>4</a:t>
+            </a:r>
+            <a:endParaRPr lang="ko-KR" altLang="en-US" sz="5400" b="1" spc="50" dirty="0">
+              <a:ln w="13500">
+                <a:solidFill>
+                  <a:schemeClr val="accent1">
+                    <a:shade val="2500"/>
+                    <a:alpha val="6500"/>
+                  </a:schemeClr>
+                </a:solidFill>
+                <a:prstDash val="solid"/>
+              </a:ln>
+              <a:solidFill>
+                <a:schemeClr val="bg1"/>
+              </a:solidFill>
+              <a:effectLst>
+                <a:innerShdw blurRad="50900" dist="38500" dir="13500000">
+                  <a:srgbClr val="000000">
+                    <a:alpha val="60000"/>
+                  </a:srgbClr>
+                </a:innerShdw>
+              </a:effectLst>
+              <a:cs typeface="Arial" pitchFamily="34" charset="0"/>
+            </a:endParaRPr>
+          </a:p>
+        </p:txBody>
+      </p:sp>
+      <p:grpSp>
+        <p:nvGrpSpPr>
+          <p:cNvPr id="3" name="Group 2">
+            <a:extLst>
+              <a:ext uri="{FF2B5EF4-FFF2-40B4-BE49-F238E27FC236}">
+                <a16:creationId xmlns:a16="http://schemas.microsoft.com/office/drawing/2014/main" xmlns="" id="{B84DDF0B-B207-BDD6-3DAA-EC64FA17B6BA}"/>
+              </a:ext>
+            </a:extLst>
+          </p:cNvPr>
+          <p:cNvGrpSpPr/>
+          <p:nvPr/>
+        </p:nvGrpSpPr>
+        <p:grpSpPr>
+          <a:xfrm>
+            <a:off x="3213565" y="4596512"/>
+            <a:ext cx="3614756" cy="804046"/>
+            <a:chOff x="6211235" y="1628800"/>
+            <a:chExt cx="2609238" cy="804046"/>
+          </a:xfrm>
+        </p:grpSpPr>
+        <p:sp>
+          <p:nvSpPr>
+            <p:cNvPr id="4" name="TextBox 3">
+              <a:extLst>
+                <a:ext uri="{FF2B5EF4-FFF2-40B4-BE49-F238E27FC236}">
+                  <a16:creationId xmlns:a16="http://schemas.microsoft.com/office/drawing/2014/main" xmlns="" id="{2BA04E23-83A2-267D-1AB6-7FC45D7451E8}"/>
+                </a:ext>
+              </a:extLst>
+            </p:cNvPr>
+            <p:cNvSpPr txBox="1"/>
+            <p:nvPr/>
+          </p:nvSpPr>
+          <p:spPr>
+            <a:xfrm>
+              <a:off x="6214187" y="1628800"/>
+              <a:ext cx="2606286" cy="307777"/>
+            </a:xfrm>
+            <a:prstGeom prst="rect">
+              <a:avLst/>
+            </a:prstGeom>
+            <a:noFill/>
+          </p:spPr>
+          <p:txBody>
+            <a:bodyPr wrap="square" rtlCol="0">
+              <a:spAutoFit/>
+            </a:bodyPr>
+            <a:lstStyle/>
+            <a:p>
+              <a:r>
+                <a:rPr lang="en-US" altLang="ko-KR" sz="1400" b="1" dirty="0">
+                  <a:solidFill>
+                    <a:schemeClr val="tx1">
+                      <a:lumMod val="75000"/>
+                      <a:lumOff val="25000"/>
+                    </a:schemeClr>
+                  </a:solidFill>
+                  <a:cs typeface="Arial" pitchFamily="34" charset="0"/>
+                </a:rPr>
+                <a:t>Forth purpose</a:t>
+              </a:r>
+              <a:endParaRPr lang="ko-KR" altLang="en-US" sz="1400" b="1" dirty="0">
+                <a:solidFill>
+                  <a:schemeClr val="tx1">
+                    <a:lumMod val="75000"/>
+                    <a:lumOff val="25000"/>
+                  </a:schemeClr>
+                </a:solidFill>
+                <a:cs typeface="Arial" pitchFamily="34" charset="0"/>
+              </a:endParaRPr>
+            </a:p>
+          </p:txBody>
+        </p:sp>
+        <p:sp>
+          <p:nvSpPr>
+            <p:cNvPr id="5" name="TextBox 4">
+              <a:extLst>
+                <a:ext uri="{FF2B5EF4-FFF2-40B4-BE49-F238E27FC236}">
+                  <a16:creationId xmlns:a16="http://schemas.microsoft.com/office/drawing/2014/main" xmlns="" id="{D3818B1F-723F-C4EE-656A-74B624AE4C61}"/>
+                </a:ext>
+              </a:extLst>
+            </p:cNvPr>
+            <p:cNvSpPr txBox="1"/>
+            <p:nvPr/>
+          </p:nvSpPr>
+          <p:spPr>
+            <a:xfrm>
+              <a:off x="6211235" y="1971181"/>
+              <a:ext cx="2609237" cy="461665"/>
+            </a:xfrm>
+            <a:prstGeom prst="rect">
+              <a:avLst/>
+            </a:prstGeom>
+            <a:noFill/>
+          </p:spPr>
+          <p:txBody>
+            <a:bodyPr wrap="square" rtlCol="0">
+              <a:spAutoFit/>
+            </a:bodyPr>
+            <a:lstStyle/>
+            <a:p>
+              <a:r>
+                <a:rPr lang="en-US" altLang="ko-KR" sz="1200" dirty="0">
+                  <a:solidFill>
+                    <a:schemeClr val="tx1">
+                      <a:lumMod val="75000"/>
+                      <a:lumOff val="25000"/>
+                    </a:schemeClr>
+                  </a:solidFill>
+                  <a:cs typeface="Arial" pitchFamily="34" charset="0"/>
+                </a:rPr>
+                <a:t>can control their own assets, not subject to the management of any third party.</a:t>
+              </a:r>
+              <a:endParaRPr lang="ko-KR" altLang="en-US" sz="1200" dirty="0">
+                <a:solidFill>
+                  <a:schemeClr val="tx1">
+                    <a:lumMod val="75000"/>
+                    <a:lumOff val="25000"/>
+                  </a:schemeClr>
+                </a:solidFill>
+                <a:cs typeface="Arial" pitchFamily="34" charset="0"/>
+              </a:endParaRPr>
+            </a:p>
+          </p:txBody>
+        </p:sp>
+      </p:grpSp>
+      <p:sp>
+        <p:nvSpPr>
+          <p:cNvPr id="6" name="Rectangle 5">
+            <a:extLst>
+              <a:ext uri="{FF2B5EF4-FFF2-40B4-BE49-F238E27FC236}">
+                <a16:creationId xmlns:a16="http://schemas.microsoft.com/office/drawing/2014/main" xmlns="" id="{F80AE5EE-6083-CFEE-239E-8CA9AE58EE11}"/>
+              </a:ext>
+            </a:extLst>
+          </p:cNvPr>
+          <p:cNvSpPr/>
+          <p:nvPr/>
+        </p:nvSpPr>
+        <p:spPr>
+          <a:xfrm>
+            <a:off x="7006448" y="4429383"/>
+            <a:ext cx="122258" cy="1076437"/>
+          </a:xfrm>
+          <a:prstGeom prst="rect">
+            <a:avLst/>
+          </a:prstGeom>
+          <a:solidFill>
+            <a:schemeClr val="accent4"/>
+          </a:solidFill>
+          <a:ln>
+            <a:noFill/>
+          </a:ln>
+        </p:spPr>
+        <p:style>
+          <a:lnRef idx="2">
+            <a:schemeClr val="accent1">
+              <a:shade val="50000"/>
+            </a:schemeClr>
+          </a:lnRef>
+          <a:fillRef idx="1">
+            <a:schemeClr val="accent1"/>
+          </a:fillRef>
+          <a:effectRef idx="0">
+            <a:schemeClr val="accent1"/>
+          </a:effectRef>
+          <a:fontRef idx="minor">
+            <a:schemeClr val="lt1"/>
+          </a:fontRef>
+        </p:style>
+        <p:txBody>
+          <a:bodyPr rtlCol="0" anchor="ctr"/>
+          <a:lstStyle/>
+          <a:p>
+            <a:pPr algn="ctr"/>
+            <a:endParaRPr lang="ko-KR" altLang="en-US" sz="2700">
+              <a:solidFill>
+                <a:schemeClr val="tx1">
+                  <a:lumMod val="75000"/>
+                  <a:lumOff val="25000"/>
+                </a:schemeClr>
+              </a:solidFill>
+            </a:endParaRPr>
+          </a:p>
+        </p:txBody>
+      </p:sp>
+      <p:sp>
+        <p:nvSpPr>
+          <p:cNvPr id="7" name="Chevron 13">
+            <a:extLst>
+              <a:ext uri="{FF2B5EF4-FFF2-40B4-BE49-F238E27FC236}">
+                <a16:creationId xmlns:a16="http://schemas.microsoft.com/office/drawing/2014/main" xmlns="" id="{2904D6D3-BEA1-6C74-D58F-157365918300}"/>
+              </a:ext>
+            </a:extLst>
+          </p:cNvPr>
+          <p:cNvSpPr/>
+          <p:nvPr/>
+        </p:nvSpPr>
+        <p:spPr>
+          <a:xfrm rot="10800000">
+            <a:off x="7719890" y="4743836"/>
+            <a:ext cx="292585" cy="390113"/>
+          </a:xfrm>
+          <a:prstGeom prst="chevron">
+            <a:avLst/>
+          </a:prstGeom>
+          <a:solidFill>
+            <a:schemeClr val="accent4"/>
+          </a:solidFill>
+          <a:ln>
+            <a:noFill/>
+          </a:ln>
+        </p:spPr>
+        <p:style>
+          <a:lnRef idx="2">
+            <a:schemeClr val="accent1">
+              <a:shade val="50000"/>
+            </a:schemeClr>
+          </a:lnRef>
+          <a:fillRef idx="1">
+            <a:schemeClr val="accent1"/>
+          </a:fillRef>
+          <a:effectRef idx="0">
+            <a:schemeClr val="accent1"/>
+          </a:effectRef>
+          <a:fontRef idx="minor">
+            <a:schemeClr val="lt1"/>
+          </a:fontRef>
+        </p:style>
+        <p:txBody>
+          <a:bodyPr rtlCol="0" anchor="ctr"/>
+          <a:lstStyle/>
+          <a:p>
+            <a:pPr algn="ctr"/>
+            <a:endParaRPr lang="ko-KR" altLang="en-US" sz="2700">
+              <a:solidFill>
+                <a:schemeClr val="tx1">
+                  <a:lumMod val="75000"/>
+                  <a:lumOff val="25000"/>
+                </a:schemeClr>
+              </a:solidFill>
+            </a:endParaRPr>
+          </a:p>
+        </p:txBody>
+      </p:sp>
+      <p:sp>
+        <p:nvSpPr>
+          <p:cNvPr id="10" name="TextBox 9">
+            <a:extLst>
+              <a:ext uri="{FF2B5EF4-FFF2-40B4-BE49-F238E27FC236}">
+                <a16:creationId xmlns:a16="http://schemas.microsoft.com/office/drawing/2014/main" xmlns="" id="{DB8D4DDA-1212-909E-06AC-4B532B3D67B4}"/>
+              </a:ext>
+            </a:extLst>
+          </p:cNvPr>
+          <p:cNvSpPr txBox="1"/>
+          <p:nvPr/>
+        </p:nvSpPr>
+        <p:spPr>
+          <a:xfrm>
+            <a:off x="3048732" y="1147310"/>
+            <a:ext cx="6094535" cy="800219"/>
+          </a:xfrm>
+          <a:prstGeom prst="rect">
+            <a:avLst/>
+          </a:prstGeom>
+          <a:noFill/>
+        </p:spPr>
+        <p:txBody>
+          <a:bodyPr wrap="square">
+            <a:spAutoFit/>
+          </a:bodyPr>
+          <a:lstStyle/>
+          <a:p>
+            <a:r>
+              <a:rPr lang="en-US" altLang="ko-KR" sz="4600" b="1" dirty="0">
+                <a:solidFill>
+                  <a:schemeClr val="accent2"/>
+                </a:solidFill>
+                <a:latin typeface="Bahnschrift" panose="020B0502040204020203" pitchFamily="34" charset="0"/>
+              </a:rPr>
+              <a:t>What is our purpose ?</a:t>
+            </a:r>
+          </a:p>
+        </p:txBody>
+      </p:sp>
+    </p:spTree>
+    <p:extLst>
+      <p:ext uri="{BB962C8B-B14F-4D97-AF65-F5344CB8AC3E}">
+        <p14:creationId xmlns:p14="http://schemas.microsoft.com/office/powerpoint/2010/main" val="3320487701"/>
+      </p:ext>
+    </p:extLst>
+  </p:cSld>
+  <p:clrMapOvr>
+    <a:masterClrMapping/>
+  </p:clrMapOvr>
+  <mc:AlternateContent xmlns:mc="http://schemas.openxmlformats.org/markup-compatibility/2006">
+    <mc:Choice xmlns:p159="http://schemas.microsoft.com/office/powerpoint/2015/09/main" xmlns="" Requires="p159">
       <p:transition xmlns:p14="http://schemas.microsoft.com/office/powerpoint/2010/main" spd="slow" p14:dur="2000">
         <p159:morph option="byObject"/>
       </p:transition>
@@ -6874,7 +8492,7 @@
           <p:cNvPr id="8" name="Rectangle 7">
             <a:extLst>
               <a:ext uri="{FF2B5EF4-FFF2-40B4-BE49-F238E27FC236}">
-                <a16:creationId xmlns:a16="http://schemas.microsoft.com/office/drawing/2014/main" id="{818D9906-A1BC-4EF6-8ED4-26637D9E951F}"/>
+                <a16:creationId xmlns:a16="http://schemas.microsoft.com/office/drawing/2014/main" xmlns="" id="{818D9906-A1BC-4EF6-8ED4-26637D9E951F}"/>
               </a:ext>
             </a:extLst>
           </p:cNvPr>
@@ -6883,7 +8501,7 @@
         </p:nvSpPr>
         <p:spPr>
           <a:xfrm>
-            <a:off x="1104128" y="2887976"/>
+            <a:off x="2568717" y="2825983"/>
             <a:ext cx="1079210" cy="1059814"/>
           </a:xfrm>
           <a:prstGeom prst="rect">
@@ -6952,7 +8570,7 @@
                 </a:effectLst>
                 <a:cs typeface="Arial" pitchFamily="34" charset="0"/>
               </a:rPr>
-              <a:t>3</a:t>
+              <a:t>5</a:t>
             </a:r>
             <a:endParaRPr lang="ko-KR" altLang="en-US" sz="5400" b="1" spc="50" dirty="0">
               <a:ln w="13500">
@@ -6984,7 +8602,7 @@
           <p:cNvPr id="12" name="Group 11">
             <a:extLst>
               <a:ext uri="{FF2B5EF4-FFF2-40B4-BE49-F238E27FC236}">
-                <a16:creationId xmlns:a16="http://schemas.microsoft.com/office/drawing/2014/main" id="{717BE7FB-5F42-4423-AB3F-DB94DCC93A54}"/>
+                <a16:creationId xmlns:a16="http://schemas.microsoft.com/office/drawing/2014/main" xmlns="" id="{717BE7FB-5F42-4423-AB3F-DB94DCC93A54}"/>
               </a:ext>
             </a:extLst>
           </p:cNvPr>
@@ -6993,10 +8611,10 @@
         </p:nvGrpSpPr>
         <p:grpSpPr>
           <a:xfrm>
-            <a:off x="3213566" y="3015860"/>
-            <a:ext cx="3614756" cy="988712"/>
+            <a:off x="4678155" y="2953867"/>
+            <a:ext cx="3614756" cy="804046"/>
             <a:chOff x="6211235" y="1628800"/>
-            <a:chExt cx="2609238" cy="988712"/>
+            <a:chExt cx="2609238" cy="804046"/>
           </a:xfrm>
         </p:grpSpPr>
         <p:sp>
@@ -7004,7 +8622,7 @@
             <p:cNvPr id="13" name="TextBox 12">
               <a:extLst>
                 <a:ext uri="{FF2B5EF4-FFF2-40B4-BE49-F238E27FC236}">
-                  <a16:creationId xmlns:a16="http://schemas.microsoft.com/office/drawing/2014/main" id="{C00501CE-F59B-4B74-8716-64FB0830D4F1}"/>
+                  <a16:creationId xmlns:a16="http://schemas.microsoft.com/office/drawing/2014/main" xmlns="" id="{C00501CE-F59B-4B74-8716-64FB0830D4F1}"/>
                 </a:ext>
               </a:extLst>
             </p:cNvPr>
@@ -7037,7 +8655,7 @@
                   </a:solidFill>
                   <a:cs typeface="Arial" pitchFamily="34" charset="0"/>
                 </a:rPr>
-                <a:t>Third purpose</a:t>
+                <a:t>Fifth purpose</a:t>
               </a:r>
               <a:endParaRPr lang="ko-KR" altLang="en-US" sz="1400" b="1" dirty="0">
                 <a:solidFill>
@@ -7056,7 +8674,7 @@
             <p:cNvPr id="14" name="TextBox 13">
               <a:extLst>
                 <a:ext uri="{FF2B5EF4-FFF2-40B4-BE49-F238E27FC236}">
-                  <a16:creationId xmlns:a16="http://schemas.microsoft.com/office/drawing/2014/main" id="{24484BC5-1D9B-45D7-8E5B-0B08222B5C8F}"/>
+                  <a16:creationId xmlns:a16="http://schemas.microsoft.com/office/drawing/2014/main" xmlns="" id="{24484BC5-1D9B-45D7-8E5B-0B08222B5C8F}"/>
                 </a:ext>
               </a:extLst>
             </p:cNvPr>
@@ -7066,7 +8684,7 @@
           <p:spPr>
             <a:xfrm>
               <a:off x="6211235" y="1971181"/>
-              <a:ext cx="2609237" cy="646331"/>
+              <a:ext cx="2609237" cy="461665"/>
             </a:xfrm>
             <a:prstGeom prst="rect">
               <a:avLst/>
@@ -7089,7 +8707,7 @@
                   </a:solidFill>
                   <a:cs typeface="Arial" pitchFamily="34" charset="0"/>
                 </a:rPr>
-                <a:t>Users can use the anonymous system extremely safe and do not worry about stealing personal information</a:t>
+                <a:t>The system is extremely secure, can prevent attacks</a:t>
               </a:r>
               <a:endParaRPr lang="ko-KR" altLang="en-US" sz="1200" dirty="0">
                 <a:solidFill>
@@ -7109,7 +8727,7 @@
           <p:cNvPr id="24" name="Rectangle 23">
             <a:extLst>
               <a:ext uri="{FF2B5EF4-FFF2-40B4-BE49-F238E27FC236}">
-                <a16:creationId xmlns:a16="http://schemas.microsoft.com/office/drawing/2014/main" id="{698B9A98-F939-4039-91DF-5A469919B51F}"/>
+                <a16:creationId xmlns:a16="http://schemas.microsoft.com/office/drawing/2014/main" xmlns="" id="{698B9A98-F939-4039-91DF-5A469919B51F}"/>
               </a:ext>
             </a:extLst>
           </p:cNvPr>
@@ -7118,7 +8736,7 @@
         </p:nvSpPr>
         <p:spPr>
           <a:xfrm>
-            <a:off x="2973576" y="2890782"/>
+            <a:off x="4438165" y="2828789"/>
             <a:ext cx="122258" cy="1076437"/>
           </a:xfrm>
           <a:prstGeom prst="rect">
@@ -7168,7 +8786,7 @@
           <p:cNvPr id="28" name="Chevron 13">
             <a:extLst>
               <a:ext uri="{FF2B5EF4-FFF2-40B4-BE49-F238E27FC236}">
-                <a16:creationId xmlns:a16="http://schemas.microsoft.com/office/drawing/2014/main" id="{FF3CC57E-7A14-4F0D-98C9-96410547EB2D}"/>
+                <a16:creationId xmlns:a16="http://schemas.microsoft.com/office/drawing/2014/main" xmlns="" id="{FF3CC57E-7A14-4F0D-98C9-96410547EB2D}"/>
               </a:ext>
             </a:extLst>
           </p:cNvPr>
@@ -7177,7 +8795,7 @@
         </p:nvSpPr>
         <p:spPr>
           <a:xfrm>
-            <a:off x="2468681" y="3233944"/>
+            <a:off x="3933270" y="3171951"/>
             <a:ext cx="292585" cy="390113"/>
           </a:xfrm>
           <a:prstGeom prst="chevron">
@@ -7227,7 +8845,7 @@
           <p:cNvPr id="2" name="Rectangle 1">
             <a:extLst>
               <a:ext uri="{FF2B5EF4-FFF2-40B4-BE49-F238E27FC236}">
-                <a16:creationId xmlns:a16="http://schemas.microsoft.com/office/drawing/2014/main" id="{93614509-04C9-A13C-F6D5-6E1F1756397B}"/>
+                <a16:creationId xmlns:a16="http://schemas.microsoft.com/office/drawing/2014/main" xmlns="" id="{93614509-04C9-A13C-F6D5-6E1F1756397B}"/>
               </a:ext>
             </a:extLst>
           </p:cNvPr>
@@ -7236,7 +8854,7 @@
         </p:nvSpPr>
         <p:spPr>
           <a:xfrm>
-            <a:off x="1104127" y="4468628"/>
+            <a:off x="2568716" y="4406635"/>
             <a:ext cx="1079210" cy="1059814"/>
           </a:xfrm>
           <a:prstGeom prst="rect">
@@ -7305,7 +8923,7 @@
                 </a:effectLst>
                 <a:cs typeface="Arial" pitchFamily="34" charset="0"/>
               </a:rPr>
-              <a:t>4</a:t>
+              <a:t>6</a:t>
             </a:r>
             <a:endParaRPr lang="ko-KR" altLang="en-US" sz="5400" b="1" spc="50" dirty="0">
               <a:ln w="13500">
@@ -7337,7 +8955,7 @@
           <p:cNvPr id="3" name="Group 2">
             <a:extLst>
               <a:ext uri="{FF2B5EF4-FFF2-40B4-BE49-F238E27FC236}">
-                <a16:creationId xmlns:a16="http://schemas.microsoft.com/office/drawing/2014/main" id="{B84DDF0B-B207-BDD6-3DAA-EC64FA17B6BA}"/>
+                <a16:creationId xmlns:a16="http://schemas.microsoft.com/office/drawing/2014/main" xmlns="" id="{B84DDF0B-B207-BDD6-3DAA-EC64FA17B6BA}"/>
               </a:ext>
             </a:extLst>
           </p:cNvPr>
@@ -7346,10 +8964,10 @@
         </p:nvGrpSpPr>
         <p:grpSpPr>
           <a:xfrm>
-            <a:off x="3213565" y="4596512"/>
-            <a:ext cx="3614756" cy="804046"/>
+            <a:off x="4678154" y="4534519"/>
+            <a:ext cx="3614756" cy="988712"/>
             <a:chOff x="6211235" y="1628800"/>
-            <a:chExt cx="2609238" cy="804046"/>
+            <a:chExt cx="2609238" cy="988712"/>
           </a:xfrm>
         </p:grpSpPr>
         <p:sp>
@@ -7357,7 +8975,7 @@
             <p:cNvPr id="4" name="TextBox 3">
               <a:extLst>
                 <a:ext uri="{FF2B5EF4-FFF2-40B4-BE49-F238E27FC236}">
-                  <a16:creationId xmlns:a16="http://schemas.microsoft.com/office/drawing/2014/main" id="{2BA04E23-83A2-267D-1AB6-7FC45D7451E8}"/>
+                  <a16:creationId xmlns:a16="http://schemas.microsoft.com/office/drawing/2014/main" xmlns="" id="{2BA04E23-83A2-267D-1AB6-7FC45D7451E8}"/>
                 </a:ext>
               </a:extLst>
             </p:cNvPr>
@@ -7390,7 +9008,7 @@
                   </a:solidFill>
                   <a:cs typeface="Arial" pitchFamily="34" charset="0"/>
                 </a:rPr>
-                <a:t>Forth purpose</a:t>
+                <a:t>Sixth purpose</a:t>
               </a:r>
               <a:endParaRPr lang="ko-KR" altLang="en-US" sz="1400" b="1" dirty="0">
                 <a:solidFill>
@@ -7409,7 +9027,7 @@
             <p:cNvPr id="5" name="TextBox 4">
               <a:extLst>
                 <a:ext uri="{FF2B5EF4-FFF2-40B4-BE49-F238E27FC236}">
-                  <a16:creationId xmlns:a16="http://schemas.microsoft.com/office/drawing/2014/main" id="{D3818B1F-723F-C4EE-656A-74B624AE4C61}"/>
+                  <a16:creationId xmlns:a16="http://schemas.microsoft.com/office/drawing/2014/main" xmlns="" id="{D3818B1F-723F-C4EE-656A-74B624AE4C61}"/>
                 </a:ext>
               </a:extLst>
             </p:cNvPr>
@@ -7419,7 +9037,7 @@
           <p:spPr>
             <a:xfrm>
               <a:off x="6211235" y="1971181"/>
-              <a:ext cx="2609237" cy="461665"/>
+              <a:ext cx="2609237" cy="646331"/>
             </a:xfrm>
             <a:prstGeom prst="rect">
               <a:avLst/>
@@ -7442,7 +9060,7 @@
                   </a:solidFill>
                   <a:cs typeface="Arial" pitchFamily="34" charset="0"/>
                 </a:rPr>
-                <a:t>can control their own assets, not subject to the management of any third party.</a:t>
+                <a:t>Transactions on the system are transparent, all users can see the transaction history of all NFTs created and sold on the system.</a:t>
               </a:r>
               <a:endParaRPr lang="ko-KR" altLang="en-US" sz="1200" dirty="0">
                 <a:solidFill>
@@ -7462,7 +9080,7 @@
           <p:cNvPr id="6" name="Rectangle 5">
             <a:extLst>
               <a:ext uri="{FF2B5EF4-FFF2-40B4-BE49-F238E27FC236}">
-                <a16:creationId xmlns:a16="http://schemas.microsoft.com/office/drawing/2014/main" id="{F80AE5EE-6083-CFEE-239E-8CA9AE58EE11}"/>
+                <a16:creationId xmlns:a16="http://schemas.microsoft.com/office/drawing/2014/main" xmlns="" id="{F80AE5EE-6083-CFEE-239E-8CA9AE58EE11}"/>
               </a:ext>
             </a:extLst>
           </p:cNvPr>
@@ -7471,7 +9089,7 @@
         </p:nvSpPr>
         <p:spPr>
           <a:xfrm>
-            <a:off x="2973575" y="4471434"/>
+            <a:off x="4438164" y="4409441"/>
             <a:ext cx="122258" cy="1076437"/>
           </a:xfrm>
           <a:prstGeom prst="rect">
@@ -7521,7 +9139,7 @@
           <p:cNvPr id="7" name="Chevron 13">
             <a:extLst>
               <a:ext uri="{FF2B5EF4-FFF2-40B4-BE49-F238E27FC236}">
-                <a16:creationId xmlns:a16="http://schemas.microsoft.com/office/drawing/2014/main" id="{2904D6D3-BEA1-6C74-D58F-157365918300}"/>
+                <a16:creationId xmlns:a16="http://schemas.microsoft.com/office/drawing/2014/main" xmlns="" id="{2904D6D3-BEA1-6C74-D58F-157365918300}"/>
               </a:ext>
             </a:extLst>
           </p:cNvPr>
@@ -7530,7 +9148,7 @@
         </p:nvSpPr>
         <p:spPr>
           <a:xfrm>
-            <a:off x="2468680" y="4814596"/>
+            <a:off x="3933269" y="4752603"/>
             <a:ext cx="292585" cy="390113"/>
           </a:xfrm>
           <a:prstGeom prst="chevron">
@@ -7577,10 +9195,10 @@
       </p:sp>
       <p:sp>
         <p:nvSpPr>
-          <p:cNvPr id="10" name="TextBox 9">
+          <p:cNvPr id="9" name="TextBox 8">
             <a:extLst>
               <a:ext uri="{FF2B5EF4-FFF2-40B4-BE49-F238E27FC236}">
-                <a16:creationId xmlns:a16="http://schemas.microsoft.com/office/drawing/2014/main" id="{DB8D4DDA-1212-909E-06AC-4B532B3D67B4}"/>
+                <a16:creationId xmlns:a16="http://schemas.microsoft.com/office/drawing/2014/main" xmlns="" id="{BE8AF8A7-386E-AA9E-8EBC-41F8740F90EE}"/>
               </a:ext>
             </a:extLst>
           </p:cNvPr>
@@ -7618,7 +9236,7 @@
     </p:spTree>
     <p:extLst>
       <p:ext uri="{BB962C8B-B14F-4D97-AF65-F5344CB8AC3E}">
-        <p14:creationId xmlns:p14="http://schemas.microsoft.com/office/powerpoint/2010/main" val="3320487701"/>
+        <p14:creationId xmlns:p14="http://schemas.microsoft.com/office/powerpoint/2010/main" val="1689230532"/>
       </p:ext>
     </p:extLst>
   </p:cSld>
@@ -7626,7 +9244,7 @@
     <a:masterClrMapping/>
   </p:clrMapOvr>
   <mc:AlternateContent xmlns:mc="http://schemas.openxmlformats.org/markup-compatibility/2006">
-    <mc:Choice xmlns:p159="http://schemas.microsoft.com/office/powerpoint/2015/09/main" Requires="p159">
+    <mc:Choice xmlns:p159="http://schemas.microsoft.com/office/powerpoint/2015/09/main" xmlns="" Requires="p159">
       <p:transition xmlns:p14="http://schemas.microsoft.com/office/powerpoint/2010/main" spd="slow" p14:dur="2000">
         <p159:morph option="byObject"/>
       </p:transition>
@@ -8301,1471 +9919,6 @@
 <file path=ppt/slides/slide15.xml><?xml version="1.0" encoding="utf-8"?>
 <p:sld xmlns:a="http://schemas.openxmlformats.org/drawingml/2006/main" xmlns:r="http://schemas.openxmlformats.org/officeDocument/2006/relationships" xmlns:p="http://schemas.openxmlformats.org/presentationml/2006/main">
   <p:cSld>
-    <p:bg>
-      <p:bgPr>
-        <a:gradFill>
-          <a:gsLst>
-            <a:gs pos="0">
-              <a:schemeClr val="accent1">
-                <a:lumMod val="5000"/>
-                <a:lumOff val="95000"/>
-              </a:schemeClr>
-            </a:gs>
-            <a:gs pos="100000">
-              <a:srgbClr val="F8FCFE"/>
-            </a:gs>
-          </a:gsLst>
-          <a:lin ang="10800000" scaled="0"/>
-        </a:gradFill>
-        <a:effectLst/>
-      </p:bgPr>
-    </p:bg>
-    <p:spTree>
-      <p:nvGrpSpPr>
-        <p:cNvPr id="1" name=""/>
-        <p:cNvGrpSpPr/>
-        <p:nvPr/>
-      </p:nvGrpSpPr>
-      <p:grpSpPr>
-        <a:xfrm>
-          <a:off x="0" y="0"/>
-          <a:ext cx="0" cy="0"/>
-          <a:chOff x="0" y="0"/>
-          <a:chExt cx="0" cy="0"/>
-        </a:xfrm>
-      </p:grpSpPr>
-      <p:sp>
-        <p:nvSpPr>
-          <p:cNvPr id="8" name="Rectangle 7">
-            <a:extLst>
-              <a:ext uri="{FF2B5EF4-FFF2-40B4-BE49-F238E27FC236}">
-                <a16:creationId xmlns:a16="http://schemas.microsoft.com/office/drawing/2014/main" id="{818D9906-A1BC-4EF6-8ED4-26637D9E951F}"/>
-              </a:ext>
-            </a:extLst>
-          </p:cNvPr>
-          <p:cNvSpPr/>
-          <p:nvPr/>
-        </p:nvSpPr>
-        <p:spPr>
-          <a:xfrm>
-            <a:off x="1104128" y="2887976"/>
-            <a:ext cx="1079210" cy="1059814"/>
-          </a:xfrm>
-          <a:prstGeom prst="rect">
-            <a:avLst/>
-          </a:prstGeom>
-          <a:solidFill>
-            <a:schemeClr val="accent4"/>
-          </a:solidFill>
-          <a:ln>
-            <a:noFill/>
-          </a:ln>
-          <a:scene3d>
-            <a:camera prst="perspectiveRight">
-              <a:rot lat="21299999" lon="20699968" rev="0"/>
-            </a:camera>
-            <a:lightRig rig="threePt" dir="t"/>
-          </a:scene3d>
-          <a:sp3d extrusionH="819150" prstMaterial="flat">
-            <a:bevelT w="63500" h="31750"/>
-            <a:extrusionClr>
-              <a:schemeClr val="accent4"/>
-            </a:extrusionClr>
-          </a:sp3d>
-        </p:spPr>
-        <p:style>
-          <a:lnRef idx="2">
-            <a:schemeClr val="accent1">
-              <a:shade val="50000"/>
-            </a:schemeClr>
-          </a:lnRef>
-          <a:fillRef idx="1">
-            <a:schemeClr val="accent1"/>
-          </a:fillRef>
-          <a:effectRef idx="0">
-            <a:schemeClr val="accent1"/>
-          </a:effectRef>
-          <a:fontRef idx="minor">
-            <a:schemeClr val="lt1"/>
-          </a:fontRef>
-        </p:style>
-        <p:txBody>
-          <a:bodyPr rtlCol="0" anchor="ctr"/>
-          <a:lstStyle/>
-          <a:p>
-            <a:pPr algn="ctr"/>
-            <a:r>
-              <a:rPr lang="en-US" altLang="ko-KR" sz="5400" b="1" spc="50" dirty="0">
-                <a:ln w="13500">
-                  <a:solidFill>
-                    <a:schemeClr val="accent1">
-                      <a:shade val="2500"/>
-                      <a:alpha val="6500"/>
-                    </a:schemeClr>
-                  </a:solidFill>
-                  <a:prstDash val="solid"/>
-                </a:ln>
-                <a:solidFill>
-                  <a:schemeClr val="bg1"/>
-                </a:solidFill>
-                <a:effectLst>
-                  <a:innerShdw blurRad="50900" dist="38500" dir="13500000">
-                    <a:srgbClr val="000000">
-                      <a:alpha val="60000"/>
-                    </a:srgbClr>
-                  </a:innerShdw>
-                </a:effectLst>
-                <a:cs typeface="Arial" pitchFamily="34" charset="0"/>
-              </a:rPr>
-              <a:t>5</a:t>
-            </a:r>
-            <a:endParaRPr lang="ko-KR" altLang="en-US" sz="5400" b="1" spc="50" dirty="0">
-              <a:ln w="13500">
-                <a:solidFill>
-                  <a:schemeClr val="accent1">
-                    <a:shade val="2500"/>
-                    <a:alpha val="6500"/>
-                  </a:schemeClr>
-                </a:solidFill>
-                <a:prstDash val="solid"/>
-              </a:ln>
-              <a:solidFill>
-                <a:schemeClr val="bg1"/>
-              </a:solidFill>
-              <a:effectLst>
-                <a:innerShdw blurRad="50900" dist="38500" dir="13500000">
-                  <a:srgbClr val="000000">
-                    <a:alpha val="60000"/>
-                  </a:srgbClr>
-                </a:innerShdw>
-              </a:effectLst>
-              <a:cs typeface="Arial" pitchFamily="34" charset="0"/>
-            </a:endParaRPr>
-          </a:p>
-        </p:txBody>
-      </p:sp>
-      <p:grpSp>
-        <p:nvGrpSpPr>
-          <p:cNvPr id="12" name="Group 11">
-            <a:extLst>
-              <a:ext uri="{FF2B5EF4-FFF2-40B4-BE49-F238E27FC236}">
-                <a16:creationId xmlns:a16="http://schemas.microsoft.com/office/drawing/2014/main" id="{717BE7FB-5F42-4423-AB3F-DB94DCC93A54}"/>
-              </a:ext>
-            </a:extLst>
-          </p:cNvPr>
-          <p:cNvGrpSpPr/>
-          <p:nvPr/>
-        </p:nvGrpSpPr>
-        <p:grpSpPr>
-          <a:xfrm>
-            <a:off x="3213566" y="3015860"/>
-            <a:ext cx="3614756" cy="804046"/>
-            <a:chOff x="6211235" y="1628800"/>
-            <a:chExt cx="2609238" cy="804046"/>
-          </a:xfrm>
-        </p:grpSpPr>
-        <p:sp>
-          <p:nvSpPr>
-            <p:cNvPr id="13" name="TextBox 12">
-              <a:extLst>
-                <a:ext uri="{FF2B5EF4-FFF2-40B4-BE49-F238E27FC236}">
-                  <a16:creationId xmlns:a16="http://schemas.microsoft.com/office/drawing/2014/main" id="{C00501CE-F59B-4B74-8716-64FB0830D4F1}"/>
-                </a:ext>
-              </a:extLst>
-            </p:cNvPr>
-            <p:cNvSpPr txBox="1"/>
-            <p:nvPr/>
-          </p:nvSpPr>
-          <p:spPr>
-            <a:xfrm>
-              <a:off x="6214187" y="1628800"/>
-              <a:ext cx="2606286" cy="307777"/>
-            </a:xfrm>
-            <a:prstGeom prst="rect">
-              <a:avLst/>
-            </a:prstGeom>
-            <a:noFill/>
-          </p:spPr>
-          <p:txBody>
-            <a:bodyPr wrap="square" rtlCol="0">
-              <a:spAutoFit/>
-            </a:bodyPr>
-            <a:lstStyle/>
-            <a:p>
-              <a:r>
-                <a:rPr lang="en-US" altLang="ko-KR" sz="1400" b="1" dirty="0">
-                  <a:solidFill>
-                    <a:schemeClr val="tx1">
-                      <a:lumMod val="75000"/>
-                      <a:lumOff val="25000"/>
-                    </a:schemeClr>
-                  </a:solidFill>
-                  <a:cs typeface="Arial" pitchFamily="34" charset="0"/>
-                </a:rPr>
-                <a:t>Fifth purpose</a:t>
-              </a:r>
-              <a:endParaRPr lang="ko-KR" altLang="en-US" sz="1400" b="1" dirty="0">
-                <a:solidFill>
-                  <a:schemeClr val="tx1">
-                    <a:lumMod val="75000"/>
-                    <a:lumOff val="25000"/>
-                  </a:schemeClr>
-                </a:solidFill>
-                <a:cs typeface="Arial" pitchFamily="34" charset="0"/>
-              </a:endParaRPr>
-            </a:p>
-          </p:txBody>
-        </p:sp>
-        <p:sp>
-          <p:nvSpPr>
-            <p:cNvPr id="14" name="TextBox 13">
-              <a:extLst>
-                <a:ext uri="{FF2B5EF4-FFF2-40B4-BE49-F238E27FC236}">
-                  <a16:creationId xmlns:a16="http://schemas.microsoft.com/office/drawing/2014/main" id="{24484BC5-1D9B-45D7-8E5B-0B08222B5C8F}"/>
-                </a:ext>
-              </a:extLst>
-            </p:cNvPr>
-            <p:cNvSpPr txBox="1"/>
-            <p:nvPr/>
-          </p:nvSpPr>
-          <p:spPr>
-            <a:xfrm>
-              <a:off x="6211235" y="1971181"/>
-              <a:ext cx="2609237" cy="461665"/>
-            </a:xfrm>
-            <a:prstGeom prst="rect">
-              <a:avLst/>
-            </a:prstGeom>
-            <a:noFill/>
-          </p:spPr>
-          <p:txBody>
-            <a:bodyPr wrap="square" rtlCol="0">
-              <a:spAutoFit/>
-            </a:bodyPr>
-            <a:lstStyle/>
-            <a:p>
-              <a:r>
-                <a:rPr lang="en-US" altLang="ko-KR" sz="1200" dirty="0">
-                  <a:solidFill>
-                    <a:schemeClr val="tx1">
-                      <a:lumMod val="75000"/>
-                      <a:lumOff val="25000"/>
-                    </a:schemeClr>
-                  </a:solidFill>
-                  <a:cs typeface="Arial" pitchFamily="34" charset="0"/>
-                </a:rPr>
-                <a:t>The system is extremely secure, can prevent attacks</a:t>
-              </a:r>
-              <a:endParaRPr lang="ko-KR" altLang="en-US" sz="1200" dirty="0">
-                <a:solidFill>
-                  <a:schemeClr val="tx1">
-                    <a:lumMod val="75000"/>
-                    <a:lumOff val="25000"/>
-                  </a:schemeClr>
-                </a:solidFill>
-                <a:cs typeface="Arial" pitchFamily="34" charset="0"/>
-              </a:endParaRPr>
-            </a:p>
-          </p:txBody>
-        </p:sp>
-      </p:grpSp>
-      <p:sp>
-        <p:nvSpPr>
-          <p:cNvPr id="24" name="Rectangle 23">
-            <a:extLst>
-              <a:ext uri="{FF2B5EF4-FFF2-40B4-BE49-F238E27FC236}">
-                <a16:creationId xmlns:a16="http://schemas.microsoft.com/office/drawing/2014/main" id="{698B9A98-F939-4039-91DF-5A469919B51F}"/>
-              </a:ext>
-            </a:extLst>
-          </p:cNvPr>
-          <p:cNvSpPr/>
-          <p:nvPr/>
-        </p:nvSpPr>
-        <p:spPr>
-          <a:xfrm>
-            <a:off x="2973576" y="2890782"/>
-            <a:ext cx="122258" cy="1076437"/>
-          </a:xfrm>
-          <a:prstGeom prst="rect">
-            <a:avLst/>
-          </a:prstGeom>
-          <a:solidFill>
-            <a:schemeClr val="accent4"/>
-          </a:solidFill>
-          <a:ln>
-            <a:noFill/>
-          </a:ln>
-        </p:spPr>
-        <p:style>
-          <a:lnRef idx="2">
-            <a:schemeClr val="accent1">
-              <a:shade val="50000"/>
-            </a:schemeClr>
-          </a:lnRef>
-          <a:fillRef idx="1">
-            <a:schemeClr val="accent1"/>
-          </a:fillRef>
-          <a:effectRef idx="0">
-            <a:schemeClr val="accent1"/>
-          </a:effectRef>
-          <a:fontRef idx="minor">
-            <a:schemeClr val="lt1"/>
-          </a:fontRef>
-        </p:style>
-        <p:txBody>
-          <a:bodyPr rtlCol="0" anchor="ctr"/>
-          <a:lstStyle/>
-          <a:p>
-            <a:pPr algn="ctr"/>
-            <a:endParaRPr lang="ko-KR" altLang="en-US" sz="2700">
-              <a:solidFill>
-                <a:schemeClr val="tx1">
-                  <a:lumMod val="75000"/>
-                  <a:lumOff val="25000"/>
-                </a:schemeClr>
-              </a:solidFill>
-            </a:endParaRPr>
-          </a:p>
-        </p:txBody>
-      </p:sp>
-      <p:sp>
-        <p:nvSpPr>
-          <p:cNvPr id="28" name="Chevron 13">
-            <a:extLst>
-              <a:ext uri="{FF2B5EF4-FFF2-40B4-BE49-F238E27FC236}">
-                <a16:creationId xmlns:a16="http://schemas.microsoft.com/office/drawing/2014/main" id="{FF3CC57E-7A14-4F0D-98C9-96410547EB2D}"/>
-              </a:ext>
-            </a:extLst>
-          </p:cNvPr>
-          <p:cNvSpPr/>
-          <p:nvPr/>
-        </p:nvSpPr>
-        <p:spPr>
-          <a:xfrm>
-            <a:off x="2468681" y="3233944"/>
-            <a:ext cx="292585" cy="390113"/>
-          </a:xfrm>
-          <a:prstGeom prst="chevron">
-            <a:avLst/>
-          </a:prstGeom>
-          <a:solidFill>
-            <a:schemeClr val="accent4"/>
-          </a:solidFill>
-          <a:ln>
-            <a:noFill/>
-          </a:ln>
-        </p:spPr>
-        <p:style>
-          <a:lnRef idx="2">
-            <a:schemeClr val="accent1">
-              <a:shade val="50000"/>
-            </a:schemeClr>
-          </a:lnRef>
-          <a:fillRef idx="1">
-            <a:schemeClr val="accent1"/>
-          </a:fillRef>
-          <a:effectRef idx="0">
-            <a:schemeClr val="accent1"/>
-          </a:effectRef>
-          <a:fontRef idx="minor">
-            <a:schemeClr val="lt1"/>
-          </a:fontRef>
-        </p:style>
-        <p:txBody>
-          <a:bodyPr rtlCol="0" anchor="ctr"/>
-          <a:lstStyle/>
-          <a:p>
-            <a:pPr algn="ctr"/>
-            <a:endParaRPr lang="ko-KR" altLang="en-US" sz="2700">
-              <a:solidFill>
-                <a:schemeClr val="tx1">
-                  <a:lumMod val="75000"/>
-                  <a:lumOff val="25000"/>
-                </a:schemeClr>
-              </a:solidFill>
-            </a:endParaRPr>
-          </a:p>
-        </p:txBody>
-      </p:sp>
-      <p:sp>
-        <p:nvSpPr>
-          <p:cNvPr id="2" name="Rectangle 1">
-            <a:extLst>
-              <a:ext uri="{FF2B5EF4-FFF2-40B4-BE49-F238E27FC236}">
-                <a16:creationId xmlns:a16="http://schemas.microsoft.com/office/drawing/2014/main" id="{93614509-04C9-A13C-F6D5-6E1F1756397B}"/>
-              </a:ext>
-            </a:extLst>
-          </p:cNvPr>
-          <p:cNvSpPr/>
-          <p:nvPr/>
-        </p:nvSpPr>
-        <p:spPr>
-          <a:xfrm>
-            <a:off x="1104127" y="4468628"/>
-            <a:ext cx="1079210" cy="1059814"/>
-          </a:xfrm>
-          <a:prstGeom prst="rect">
-            <a:avLst/>
-          </a:prstGeom>
-          <a:solidFill>
-            <a:schemeClr val="accent4"/>
-          </a:solidFill>
-          <a:ln>
-            <a:noFill/>
-          </a:ln>
-          <a:scene3d>
-            <a:camera prst="perspectiveRight">
-              <a:rot lat="21299999" lon="20699968" rev="0"/>
-            </a:camera>
-            <a:lightRig rig="threePt" dir="t"/>
-          </a:scene3d>
-          <a:sp3d extrusionH="819150" prstMaterial="flat">
-            <a:bevelT w="63500" h="31750"/>
-            <a:extrusionClr>
-              <a:schemeClr val="accent4"/>
-            </a:extrusionClr>
-          </a:sp3d>
-        </p:spPr>
-        <p:style>
-          <a:lnRef idx="2">
-            <a:schemeClr val="accent1">
-              <a:shade val="50000"/>
-            </a:schemeClr>
-          </a:lnRef>
-          <a:fillRef idx="1">
-            <a:schemeClr val="accent1"/>
-          </a:fillRef>
-          <a:effectRef idx="0">
-            <a:schemeClr val="accent1"/>
-          </a:effectRef>
-          <a:fontRef idx="minor">
-            <a:schemeClr val="lt1"/>
-          </a:fontRef>
-        </p:style>
-        <p:txBody>
-          <a:bodyPr rtlCol="0" anchor="ctr"/>
-          <a:lstStyle/>
-          <a:p>
-            <a:pPr algn="ctr"/>
-            <a:r>
-              <a:rPr lang="en-US" altLang="ko-KR" sz="5400" b="1" spc="50" dirty="0">
-                <a:ln w="13500">
-                  <a:solidFill>
-                    <a:schemeClr val="accent1">
-                      <a:shade val="2500"/>
-                      <a:alpha val="6500"/>
-                    </a:schemeClr>
-                  </a:solidFill>
-                  <a:prstDash val="solid"/>
-                </a:ln>
-                <a:solidFill>
-                  <a:schemeClr val="bg1"/>
-                </a:solidFill>
-                <a:effectLst>
-                  <a:innerShdw blurRad="50900" dist="38500" dir="13500000">
-                    <a:srgbClr val="000000">
-                      <a:alpha val="60000"/>
-                    </a:srgbClr>
-                  </a:innerShdw>
-                </a:effectLst>
-                <a:cs typeface="Arial" pitchFamily="34" charset="0"/>
-              </a:rPr>
-              <a:t>6</a:t>
-            </a:r>
-            <a:endParaRPr lang="ko-KR" altLang="en-US" sz="5400" b="1" spc="50" dirty="0">
-              <a:ln w="13500">
-                <a:solidFill>
-                  <a:schemeClr val="accent1">
-                    <a:shade val="2500"/>
-                    <a:alpha val="6500"/>
-                  </a:schemeClr>
-                </a:solidFill>
-                <a:prstDash val="solid"/>
-              </a:ln>
-              <a:solidFill>
-                <a:schemeClr val="bg1"/>
-              </a:solidFill>
-              <a:effectLst>
-                <a:innerShdw blurRad="50900" dist="38500" dir="13500000">
-                  <a:srgbClr val="000000">
-                    <a:alpha val="60000"/>
-                  </a:srgbClr>
-                </a:innerShdw>
-              </a:effectLst>
-              <a:cs typeface="Arial" pitchFamily="34" charset="0"/>
-            </a:endParaRPr>
-          </a:p>
-        </p:txBody>
-      </p:sp>
-      <p:grpSp>
-        <p:nvGrpSpPr>
-          <p:cNvPr id="3" name="Group 2">
-            <a:extLst>
-              <a:ext uri="{FF2B5EF4-FFF2-40B4-BE49-F238E27FC236}">
-                <a16:creationId xmlns:a16="http://schemas.microsoft.com/office/drawing/2014/main" id="{B84DDF0B-B207-BDD6-3DAA-EC64FA17B6BA}"/>
-              </a:ext>
-            </a:extLst>
-          </p:cNvPr>
-          <p:cNvGrpSpPr/>
-          <p:nvPr/>
-        </p:nvGrpSpPr>
-        <p:grpSpPr>
-          <a:xfrm>
-            <a:off x="3213565" y="4596512"/>
-            <a:ext cx="3614756" cy="988712"/>
-            <a:chOff x="6211235" y="1628800"/>
-            <a:chExt cx="2609238" cy="988712"/>
-          </a:xfrm>
-        </p:grpSpPr>
-        <p:sp>
-          <p:nvSpPr>
-            <p:cNvPr id="4" name="TextBox 3">
-              <a:extLst>
-                <a:ext uri="{FF2B5EF4-FFF2-40B4-BE49-F238E27FC236}">
-                  <a16:creationId xmlns:a16="http://schemas.microsoft.com/office/drawing/2014/main" id="{2BA04E23-83A2-267D-1AB6-7FC45D7451E8}"/>
-                </a:ext>
-              </a:extLst>
-            </p:cNvPr>
-            <p:cNvSpPr txBox="1"/>
-            <p:nvPr/>
-          </p:nvSpPr>
-          <p:spPr>
-            <a:xfrm>
-              <a:off x="6214187" y="1628800"/>
-              <a:ext cx="2606286" cy="307777"/>
-            </a:xfrm>
-            <a:prstGeom prst="rect">
-              <a:avLst/>
-            </a:prstGeom>
-            <a:noFill/>
-          </p:spPr>
-          <p:txBody>
-            <a:bodyPr wrap="square" rtlCol="0">
-              <a:spAutoFit/>
-            </a:bodyPr>
-            <a:lstStyle/>
-            <a:p>
-              <a:r>
-                <a:rPr lang="en-US" altLang="ko-KR" sz="1400" b="1" dirty="0">
-                  <a:solidFill>
-                    <a:schemeClr val="tx1">
-                      <a:lumMod val="75000"/>
-                      <a:lumOff val="25000"/>
-                    </a:schemeClr>
-                  </a:solidFill>
-                  <a:cs typeface="Arial" pitchFamily="34" charset="0"/>
-                </a:rPr>
-                <a:t>Sixth purpose</a:t>
-              </a:r>
-              <a:endParaRPr lang="ko-KR" altLang="en-US" sz="1400" b="1" dirty="0">
-                <a:solidFill>
-                  <a:schemeClr val="tx1">
-                    <a:lumMod val="75000"/>
-                    <a:lumOff val="25000"/>
-                  </a:schemeClr>
-                </a:solidFill>
-                <a:cs typeface="Arial" pitchFamily="34" charset="0"/>
-              </a:endParaRPr>
-            </a:p>
-          </p:txBody>
-        </p:sp>
-        <p:sp>
-          <p:nvSpPr>
-            <p:cNvPr id="5" name="TextBox 4">
-              <a:extLst>
-                <a:ext uri="{FF2B5EF4-FFF2-40B4-BE49-F238E27FC236}">
-                  <a16:creationId xmlns:a16="http://schemas.microsoft.com/office/drawing/2014/main" id="{D3818B1F-723F-C4EE-656A-74B624AE4C61}"/>
-                </a:ext>
-              </a:extLst>
-            </p:cNvPr>
-            <p:cNvSpPr txBox="1"/>
-            <p:nvPr/>
-          </p:nvSpPr>
-          <p:spPr>
-            <a:xfrm>
-              <a:off x="6211235" y="1971181"/>
-              <a:ext cx="2609237" cy="646331"/>
-            </a:xfrm>
-            <a:prstGeom prst="rect">
-              <a:avLst/>
-            </a:prstGeom>
-            <a:noFill/>
-          </p:spPr>
-          <p:txBody>
-            <a:bodyPr wrap="square" rtlCol="0">
-              <a:spAutoFit/>
-            </a:bodyPr>
-            <a:lstStyle/>
-            <a:p>
-              <a:r>
-                <a:rPr lang="en-US" altLang="ko-KR" sz="1200" dirty="0">
-                  <a:solidFill>
-                    <a:schemeClr val="tx1">
-                      <a:lumMod val="75000"/>
-                      <a:lumOff val="25000"/>
-                    </a:schemeClr>
-                  </a:solidFill>
-                  <a:cs typeface="Arial" pitchFamily="34" charset="0"/>
-                </a:rPr>
-                <a:t>Transactions on the system are transparent, all users can see the transaction history of all NFTs created and sold on the system.</a:t>
-              </a:r>
-              <a:endParaRPr lang="ko-KR" altLang="en-US" sz="1200" dirty="0">
-                <a:solidFill>
-                  <a:schemeClr val="tx1">
-                    <a:lumMod val="75000"/>
-                    <a:lumOff val="25000"/>
-                  </a:schemeClr>
-                </a:solidFill>
-                <a:cs typeface="Arial" pitchFamily="34" charset="0"/>
-              </a:endParaRPr>
-            </a:p>
-          </p:txBody>
-        </p:sp>
-      </p:grpSp>
-      <p:sp>
-        <p:nvSpPr>
-          <p:cNvPr id="6" name="Rectangle 5">
-            <a:extLst>
-              <a:ext uri="{FF2B5EF4-FFF2-40B4-BE49-F238E27FC236}">
-                <a16:creationId xmlns:a16="http://schemas.microsoft.com/office/drawing/2014/main" id="{F80AE5EE-6083-CFEE-239E-8CA9AE58EE11}"/>
-              </a:ext>
-            </a:extLst>
-          </p:cNvPr>
-          <p:cNvSpPr/>
-          <p:nvPr/>
-        </p:nvSpPr>
-        <p:spPr>
-          <a:xfrm>
-            <a:off x="2973575" y="4471434"/>
-            <a:ext cx="122258" cy="1076437"/>
-          </a:xfrm>
-          <a:prstGeom prst="rect">
-            <a:avLst/>
-          </a:prstGeom>
-          <a:solidFill>
-            <a:schemeClr val="accent4"/>
-          </a:solidFill>
-          <a:ln>
-            <a:noFill/>
-          </a:ln>
-        </p:spPr>
-        <p:style>
-          <a:lnRef idx="2">
-            <a:schemeClr val="accent1">
-              <a:shade val="50000"/>
-            </a:schemeClr>
-          </a:lnRef>
-          <a:fillRef idx="1">
-            <a:schemeClr val="accent1"/>
-          </a:fillRef>
-          <a:effectRef idx="0">
-            <a:schemeClr val="accent1"/>
-          </a:effectRef>
-          <a:fontRef idx="minor">
-            <a:schemeClr val="lt1"/>
-          </a:fontRef>
-        </p:style>
-        <p:txBody>
-          <a:bodyPr rtlCol="0" anchor="ctr"/>
-          <a:lstStyle/>
-          <a:p>
-            <a:pPr algn="ctr"/>
-            <a:endParaRPr lang="ko-KR" altLang="en-US" sz="2700">
-              <a:solidFill>
-                <a:schemeClr val="tx1">
-                  <a:lumMod val="75000"/>
-                  <a:lumOff val="25000"/>
-                </a:schemeClr>
-              </a:solidFill>
-            </a:endParaRPr>
-          </a:p>
-        </p:txBody>
-      </p:sp>
-      <p:sp>
-        <p:nvSpPr>
-          <p:cNvPr id="7" name="Chevron 13">
-            <a:extLst>
-              <a:ext uri="{FF2B5EF4-FFF2-40B4-BE49-F238E27FC236}">
-                <a16:creationId xmlns:a16="http://schemas.microsoft.com/office/drawing/2014/main" id="{2904D6D3-BEA1-6C74-D58F-157365918300}"/>
-              </a:ext>
-            </a:extLst>
-          </p:cNvPr>
-          <p:cNvSpPr/>
-          <p:nvPr/>
-        </p:nvSpPr>
-        <p:spPr>
-          <a:xfrm>
-            <a:off x="2468680" y="4814596"/>
-            <a:ext cx="292585" cy="390113"/>
-          </a:xfrm>
-          <a:prstGeom prst="chevron">
-            <a:avLst/>
-          </a:prstGeom>
-          <a:solidFill>
-            <a:schemeClr val="accent4"/>
-          </a:solidFill>
-          <a:ln>
-            <a:noFill/>
-          </a:ln>
-        </p:spPr>
-        <p:style>
-          <a:lnRef idx="2">
-            <a:schemeClr val="accent1">
-              <a:shade val="50000"/>
-            </a:schemeClr>
-          </a:lnRef>
-          <a:fillRef idx="1">
-            <a:schemeClr val="accent1"/>
-          </a:fillRef>
-          <a:effectRef idx="0">
-            <a:schemeClr val="accent1"/>
-          </a:effectRef>
-          <a:fontRef idx="minor">
-            <a:schemeClr val="lt1"/>
-          </a:fontRef>
-        </p:style>
-        <p:txBody>
-          <a:bodyPr rtlCol="0" anchor="ctr"/>
-          <a:lstStyle/>
-          <a:p>
-            <a:pPr algn="ctr"/>
-            <a:endParaRPr lang="ko-KR" altLang="en-US" sz="2700">
-              <a:solidFill>
-                <a:schemeClr val="tx1">
-                  <a:lumMod val="75000"/>
-                  <a:lumOff val="25000"/>
-                </a:schemeClr>
-              </a:solidFill>
-            </a:endParaRPr>
-          </a:p>
-        </p:txBody>
-      </p:sp>
-      <p:sp>
-        <p:nvSpPr>
-          <p:cNvPr id="9" name="TextBox 8">
-            <a:extLst>
-              <a:ext uri="{FF2B5EF4-FFF2-40B4-BE49-F238E27FC236}">
-                <a16:creationId xmlns:a16="http://schemas.microsoft.com/office/drawing/2014/main" id="{BE8AF8A7-386E-AA9E-8EBC-41F8740F90EE}"/>
-              </a:ext>
-            </a:extLst>
-          </p:cNvPr>
-          <p:cNvSpPr txBox="1"/>
-          <p:nvPr/>
-        </p:nvSpPr>
-        <p:spPr>
-          <a:xfrm>
-            <a:off x="3048732" y="1147310"/>
-            <a:ext cx="6094535" cy="800219"/>
-          </a:xfrm>
-          <a:prstGeom prst="rect">
-            <a:avLst/>
-          </a:prstGeom>
-          <a:noFill/>
-        </p:spPr>
-        <p:txBody>
-          <a:bodyPr wrap="square">
-            <a:spAutoFit/>
-          </a:bodyPr>
-          <a:lstStyle/>
-          <a:p>
-            <a:r>
-              <a:rPr lang="en-US" altLang="ko-KR" sz="4600" b="1" dirty="0">
-                <a:solidFill>
-                  <a:schemeClr val="accent2"/>
-                </a:solidFill>
-                <a:latin typeface="Bahnschrift" panose="020B0502040204020203" pitchFamily="34" charset="0"/>
-              </a:rPr>
-              <a:t>What is our purpose ?</a:t>
-            </a:r>
-          </a:p>
-        </p:txBody>
-      </p:sp>
-    </p:spTree>
-    <p:extLst>
-      <p:ext uri="{BB962C8B-B14F-4D97-AF65-F5344CB8AC3E}">
-        <p14:creationId xmlns:p14="http://schemas.microsoft.com/office/powerpoint/2010/main" val="1689230532"/>
-      </p:ext>
-    </p:extLst>
-  </p:cSld>
-  <p:clrMapOvr>
-    <a:masterClrMapping/>
-  </p:clrMapOvr>
-  <mc:AlternateContent xmlns:mc="http://schemas.openxmlformats.org/markup-compatibility/2006">
-    <mc:Choice xmlns:p159="http://schemas.microsoft.com/office/powerpoint/2015/09/main" Requires="p159">
-      <p:transition xmlns:p14="http://schemas.microsoft.com/office/powerpoint/2010/main" spd="slow" p14:dur="2000">
-        <p159:morph option="byObject"/>
-      </p:transition>
-    </mc:Choice>
-    <mc:Fallback>
-      <p:transition spd="slow">
-        <p:fade/>
-      </p:transition>
-    </mc:Fallback>
-  </mc:AlternateContent>
-  <p:timing>
-    <p:tnLst>
-      <p:par>
-        <p:cTn id="1" dur="indefinite" restart="never" nodeType="tmRoot">
-          <p:childTnLst>
-            <p:seq concurrent="1" nextAc="seek">
-              <p:cTn id="2" dur="indefinite" nodeType="mainSeq">
-                <p:childTnLst>
-                  <p:par>
-                    <p:cTn id="3" fill="hold">
-                      <p:stCondLst>
-                        <p:cond delay="indefinite"/>
-                      </p:stCondLst>
-                      <p:childTnLst>
-                        <p:par>
-                          <p:cTn id="4" fill="hold">
-                            <p:stCondLst>
-                              <p:cond delay="0"/>
-                            </p:stCondLst>
-                            <p:childTnLst>
-                              <p:par>
-                                <p:cTn id="5" presetID="2" presetClass="entr" presetSubtype="4" fill="hold" grpId="0" nodeType="clickEffect">
-                                  <p:stCondLst>
-                                    <p:cond delay="0"/>
-                                  </p:stCondLst>
-                                  <p:childTnLst>
-                                    <p:set>
-                                      <p:cBhvr>
-                                        <p:cTn id="6" dur="1" fill="hold">
-                                          <p:stCondLst>
-                                            <p:cond delay="0"/>
-                                          </p:stCondLst>
-                                        </p:cTn>
-                                        <p:tgtEl>
-                                          <p:spTgt spid="8"/>
-                                        </p:tgtEl>
-                                        <p:attrNameLst>
-                                          <p:attrName>style.visibility</p:attrName>
-                                        </p:attrNameLst>
-                                      </p:cBhvr>
-                                      <p:to>
-                                        <p:strVal val="visible"/>
-                                      </p:to>
-                                    </p:set>
-                                    <p:anim calcmode="lin" valueType="num">
-                                      <p:cBhvr additive="base">
-                                        <p:cTn id="7" dur="500" fill="hold"/>
-                                        <p:tgtEl>
-                                          <p:spTgt spid="8"/>
-                                        </p:tgtEl>
-                                        <p:attrNameLst>
-                                          <p:attrName>ppt_x</p:attrName>
-                                        </p:attrNameLst>
-                                      </p:cBhvr>
-                                      <p:tavLst>
-                                        <p:tav tm="0">
-                                          <p:val>
-                                            <p:strVal val="#ppt_x"/>
-                                          </p:val>
-                                        </p:tav>
-                                        <p:tav tm="100000">
-                                          <p:val>
-                                            <p:strVal val="#ppt_x"/>
-                                          </p:val>
-                                        </p:tav>
-                                      </p:tavLst>
-                                    </p:anim>
-                                    <p:anim calcmode="lin" valueType="num">
-                                      <p:cBhvr additive="base">
-                                        <p:cTn id="8" dur="500" fill="hold"/>
-                                        <p:tgtEl>
-                                          <p:spTgt spid="8"/>
-                                        </p:tgtEl>
-                                        <p:attrNameLst>
-                                          <p:attrName>ppt_y</p:attrName>
-                                        </p:attrNameLst>
-                                      </p:cBhvr>
-                                      <p:tavLst>
-                                        <p:tav tm="0">
-                                          <p:val>
-                                            <p:strVal val="1+#ppt_h/2"/>
-                                          </p:val>
-                                        </p:tav>
-                                        <p:tav tm="100000">
-                                          <p:val>
-                                            <p:strVal val="#ppt_y"/>
-                                          </p:val>
-                                        </p:tav>
-                                      </p:tavLst>
-                                    </p:anim>
-                                  </p:childTnLst>
-                                </p:cTn>
-                              </p:par>
-                              <p:par>
-                                <p:cTn id="9" presetID="2" presetClass="entr" presetSubtype="4" fill="hold" nodeType="withEffect">
-                                  <p:stCondLst>
-                                    <p:cond delay="0"/>
-                                  </p:stCondLst>
-                                  <p:childTnLst>
-                                    <p:set>
-                                      <p:cBhvr>
-                                        <p:cTn id="10" dur="1" fill="hold">
-                                          <p:stCondLst>
-                                            <p:cond delay="0"/>
-                                          </p:stCondLst>
-                                        </p:cTn>
-                                        <p:tgtEl>
-                                          <p:spTgt spid="12"/>
-                                        </p:tgtEl>
-                                        <p:attrNameLst>
-                                          <p:attrName>style.visibility</p:attrName>
-                                        </p:attrNameLst>
-                                      </p:cBhvr>
-                                      <p:to>
-                                        <p:strVal val="visible"/>
-                                      </p:to>
-                                    </p:set>
-                                    <p:anim calcmode="lin" valueType="num">
-                                      <p:cBhvr additive="base">
-                                        <p:cTn id="11" dur="500" fill="hold"/>
-                                        <p:tgtEl>
-                                          <p:spTgt spid="12"/>
-                                        </p:tgtEl>
-                                        <p:attrNameLst>
-                                          <p:attrName>ppt_x</p:attrName>
-                                        </p:attrNameLst>
-                                      </p:cBhvr>
-                                      <p:tavLst>
-                                        <p:tav tm="0">
-                                          <p:val>
-                                            <p:strVal val="#ppt_x"/>
-                                          </p:val>
-                                        </p:tav>
-                                        <p:tav tm="100000">
-                                          <p:val>
-                                            <p:strVal val="#ppt_x"/>
-                                          </p:val>
-                                        </p:tav>
-                                      </p:tavLst>
-                                    </p:anim>
-                                    <p:anim calcmode="lin" valueType="num">
-                                      <p:cBhvr additive="base">
-                                        <p:cTn id="12" dur="500" fill="hold"/>
-                                        <p:tgtEl>
-                                          <p:spTgt spid="12"/>
-                                        </p:tgtEl>
-                                        <p:attrNameLst>
-                                          <p:attrName>ppt_y</p:attrName>
-                                        </p:attrNameLst>
-                                      </p:cBhvr>
-                                      <p:tavLst>
-                                        <p:tav tm="0">
-                                          <p:val>
-                                            <p:strVal val="1+#ppt_h/2"/>
-                                          </p:val>
-                                        </p:tav>
-                                        <p:tav tm="100000">
-                                          <p:val>
-                                            <p:strVal val="#ppt_y"/>
-                                          </p:val>
-                                        </p:tav>
-                                      </p:tavLst>
-                                    </p:anim>
-                                  </p:childTnLst>
-                                </p:cTn>
-                              </p:par>
-                              <p:par>
-                                <p:cTn id="13" presetID="2" presetClass="entr" presetSubtype="4" fill="hold" grpId="0" nodeType="withEffect">
-                                  <p:stCondLst>
-                                    <p:cond delay="0"/>
-                                  </p:stCondLst>
-                                  <p:childTnLst>
-                                    <p:set>
-                                      <p:cBhvr>
-                                        <p:cTn id="14" dur="1" fill="hold">
-                                          <p:stCondLst>
-                                            <p:cond delay="0"/>
-                                          </p:stCondLst>
-                                        </p:cTn>
-                                        <p:tgtEl>
-                                          <p:spTgt spid="24"/>
-                                        </p:tgtEl>
-                                        <p:attrNameLst>
-                                          <p:attrName>style.visibility</p:attrName>
-                                        </p:attrNameLst>
-                                      </p:cBhvr>
-                                      <p:to>
-                                        <p:strVal val="visible"/>
-                                      </p:to>
-                                    </p:set>
-                                    <p:anim calcmode="lin" valueType="num">
-                                      <p:cBhvr additive="base">
-                                        <p:cTn id="15" dur="500" fill="hold"/>
-                                        <p:tgtEl>
-                                          <p:spTgt spid="24"/>
-                                        </p:tgtEl>
-                                        <p:attrNameLst>
-                                          <p:attrName>ppt_x</p:attrName>
-                                        </p:attrNameLst>
-                                      </p:cBhvr>
-                                      <p:tavLst>
-                                        <p:tav tm="0">
-                                          <p:val>
-                                            <p:strVal val="#ppt_x"/>
-                                          </p:val>
-                                        </p:tav>
-                                        <p:tav tm="100000">
-                                          <p:val>
-                                            <p:strVal val="#ppt_x"/>
-                                          </p:val>
-                                        </p:tav>
-                                      </p:tavLst>
-                                    </p:anim>
-                                    <p:anim calcmode="lin" valueType="num">
-                                      <p:cBhvr additive="base">
-                                        <p:cTn id="16" dur="500" fill="hold"/>
-                                        <p:tgtEl>
-                                          <p:spTgt spid="24"/>
-                                        </p:tgtEl>
-                                        <p:attrNameLst>
-                                          <p:attrName>ppt_y</p:attrName>
-                                        </p:attrNameLst>
-                                      </p:cBhvr>
-                                      <p:tavLst>
-                                        <p:tav tm="0">
-                                          <p:val>
-                                            <p:strVal val="1+#ppt_h/2"/>
-                                          </p:val>
-                                        </p:tav>
-                                        <p:tav tm="100000">
-                                          <p:val>
-                                            <p:strVal val="#ppt_y"/>
-                                          </p:val>
-                                        </p:tav>
-                                      </p:tavLst>
-                                    </p:anim>
-                                  </p:childTnLst>
-                                </p:cTn>
-                              </p:par>
-                              <p:par>
-                                <p:cTn id="17" presetID="2" presetClass="entr" presetSubtype="4" fill="hold" grpId="0" nodeType="withEffect">
-                                  <p:stCondLst>
-                                    <p:cond delay="0"/>
-                                  </p:stCondLst>
-                                  <p:childTnLst>
-                                    <p:set>
-                                      <p:cBhvr>
-                                        <p:cTn id="18" dur="1" fill="hold">
-                                          <p:stCondLst>
-                                            <p:cond delay="0"/>
-                                          </p:stCondLst>
-                                        </p:cTn>
-                                        <p:tgtEl>
-                                          <p:spTgt spid="28"/>
-                                        </p:tgtEl>
-                                        <p:attrNameLst>
-                                          <p:attrName>style.visibility</p:attrName>
-                                        </p:attrNameLst>
-                                      </p:cBhvr>
-                                      <p:to>
-                                        <p:strVal val="visible"/>
-                                      </p:to>
-                                    </p:set>
-                                    <p:anim calcmode="lin" valueType="num">
-                                      <p:cBhvr additive="base">
-                                        <p:cTn id="19" dur="500" fill="hold"/>
-                                        <p:tgtEl>
-                                          <p:spTgt spid="28"/>
-                                        </p:tgtEl>
-                                        <p:attrNameLst>
-                                          <p:attrName>ppt_x</p:attrName>
-                                        </p:attrNameLst>
-                                      </p:cBhvr>
-                                      <p:tavLst>
-                                        <p:tav tm="0">
-                                          <p:val>
-                                            <p:strVal val="#ppt_x"/>
-                                          </p:val>
-                                        </p:tav>
-                                        <p:tav tm="100000">
-                                          <p:val>
-                                            <p:strVal val="#ppt_x"/>
-                                          </p:val>
-                                        </p:tav>
-                                      </p:tavLst>
-                                    </p:anim>
-                                    <p:anim calcmode="lin" valueType="num">
-                                      <p:cBhvr additive="base">
-                                        <p:cTn id="20" dur="500" fill="hold"/>
-                                        <p:tgtEl>
-                                          <p:spTgt spid="28"/>
-                                        </p:tgtEl>
-                                        <p:attrNameLst>
-                                          <p:attrName>ppt_y</p:attrName>
-                                        </p:attrNameLst>
-                                      </p:cBhvr>
-                                      <p:tavLst>
-                                        <p:tav tm="0">
-                                          <p:val>
-                                            <p:strVal val="1+#ppt_h/2"/>
-                                          </p:val>
-                                        </p:tav>
-                                        <p:tav tm="100000">
-                                          <p:val>
-                                            <p:strVal val="#ppt_y"/>
-                                          </p:val>
-                                        </p:tav>
-                                      </p:tavLst>
-                                    </p:anim>
-                                  </p:childTnLst>
-                                </p:cTn>
-                              </p:par>
-                            </p:childTnLst>
-                          </p:cTn>
-                        </p:par>
-                      </p:childTnLst>
-                    </p:cTn>
-                  </p:par>
-                  <p:par>
-                    <p:cTn id="21" fill="hold">
-                      <p:stCondLst>
-                        <p:cond delay="indefinite"/>
-                      </p:stCondLst>
-                      <p:childTnLst>
-                        <p:par>
-                          <p:cTn id="22" fill="hold">
-                            <p:stCondLst>
-                              <p:cond delay="0"/>
-                            </p:stCondLst>
-                            <p:childTnLst>
-                              <p:par>
-                                <p:cTn id="23" presetID="2" presetClass="entr" presetSubtype="4" fill="hold" grpId="0" nodeType="clickEffect">
-                                  <p:stCondLst>
-                                    <p:cond delay="0"/>
-                                  </p:stCondLst>
-                                  <p:childTnLst>
-                                    <p:set>
-                                      <p:cBhvr>
-                                        <p:cTn id="24" dur="1" fill="hold">
-                                          <p:stCondLst>
-                                            <p:cond delay="0"/>
-                                          </p:stCondLst>
-                                        </p:cTn>
-                                        <p:tgtEl>
-                                          <p:spTgt spid="2"/>
-                                        </p:tgtEl>
-                                        <p:attrNameLst>
-                                          <p:attrName>style.visibility</p:attrName>
-                                        </p:attrNameLst>
-                                      </p:cBhvr>
-                                      <p:to>
-                                        <p:strVal val="visible"/>
-                                      </p:to>
-                                    </p:set>
-                                    <p:anim calcmode="lin" valueType="num">
-                                      <p:cBhvr additive="base">
-                                        <p:cTn id="25" dur="500" fill="hold"/>
-                                        <p:tgtEl>
-                                          <p:spTgt spid="2"/>
-                                        </p:tgtEl>
-                                        <p:attrNameLst>
-                                          <p:attrName>ppt_x</p:attrName>
-                                        </p:attrNameLst>
-                                      </p:cBhvr>
-                                      <p:tavLst>
-                                        <p:tav tm="0">
-                                          <p:val>
-                                            <p:strVal val="#ppt_x"/>
-                                          </p:val>
-                                        </p:tav>
-                                        <p:tav tm="100000">
-                                          <p:val>
-                                            <p:strVal val="#ppt_x"/>
-                                          </p:val>
-                                        </p:tav>
-                                      </p:tavLst>
-                                    </p:anim>
-                                    <p:anim calcmode="lin" valueType="num">
-                                      <p:cBhvr additive="base">
-                                        <p:cTn id="26" dur="500" fill="hold"/>
-                                        <p:tgtEl>
-                                          <p:spTgt spid="2"/>
-                                        </p:tgtEl>
-                                        <p:attrNameLst>
-                                          <p:attrName>ppt_y</p:attrName>
-                                        </p:attrNameLst>
-                                      </p:cBhvr>
-                                      <p:tavLst>
-                                        <p:tav tm="0">
-                                          <p:val>
-                                            <p:strVal val="1+#ppt_h/2"/>
-                                          </p:val>
-                                        </p:tav>
-                                        <p:tav tm="100000">
-                                          <p:val>
-                                            <p:strVal val="#ppt_y"/>
-                                          </p:val>
-                                        </p:tav>
-                                      </p:tavLst>
-                                    </p:anim>
-                                  </p:childTnLst>
-                                </p:cTn>
-                              </p:par>
-                              <p:par>
-                                <p:cTn id="27" presetID="2" presetClass="entr" presetSubtype="4" fill="hold" nodeType="withEffect">
-                                  <p:stCondLst>
-                                    <p:cond delay="0"/>
-                                  </p:stCondLst>
-                                  <p:childTnLst>
-                                    <p:set>
-                                      <p:cBhvr>
-                                        <p:cTn id="28" dur="1" fill="hold">
-                                          <p:stCondLst>
-                                            <p:cond delay="0"/>
-                                          </p:stCondLst>
-                                        </p:cTn>
-                                        <p:tgtEl>
-                                          <p:spTgt spid="3"/>
-                                        </p:tgtEl>
-                                        <p:attrNameLst>
-                                          <p:attrName>style.visibility</p:attrName>
-                                        </p:attrNameLst>
-                                      </p:cBhvr>
-                                      <p:to>
-                                        <p:strVal val="visible"/>
-                                      </p:to>
-                                    </p:set>
-                                    <p:anim calcmode="lin" valueType="num">
-                                      <p:cBhvr additive="base">
-                                        <p:cTn id="29" dur="500" fill="hold"/>
-                                        <p:tgtEl>
-                                          <p:spTgt spid="3"/>
-                                        </p:tgtEl>
-                                        <p:attrNameLst>
-                                          <p:attrName>ppt_x</p:attrName>
-                                        </p:attrNameLst>
-                                      </p:cBhvr>
-                                      <p:tavLst>
-                                        <p:tav tm="0">
-                                          <p:val>
-                                            <p:strVal val="#ppt_x"/>
-                                          </p:val>
-                                        </p:tav>
-                                        <p:tav tm="100000">
-                                          <p:val>
-                                            <p:strVal val="#ppt_x"/>
-                                          </p:val>
-                                        </p:tav>
-                                      </p:tavLst>
-                                    </p:anim>
-                                    <p:anim calcmode="lin" valueType="num">
-                                      <p:cBhvr additive="base">
-                                        <p:cTn id="30" dur="500" fill="hold"/>
-                                        <p:tgtEl>
-                                          <p:spTgt spid="3"/>
-                                        </p:tgtEl>
-                                        <p:attrNameLst>
-                                          <p:attrName>ppt_y</p:attrName>
-                                        </p:attrNameLst>
-                                      </p:cBhvr>
-                                      <p:tavLst>
-                                        <p:tav tm="0">
-                                          <p:val>
-                                            <p:strVal val="1+#ppt_h/2"/>
-                                          </p:val>
-                                        </p:tav>
-                                        <p:tav tm="100000">
-                                          <p:val>
-                                            <p:strVal val="#ppt_y"/>
-                                          </p:val>
-                                        </p:tav>
-                                      </p:tavLst>
-                                    </p:anim>
-                                  </p:childTnLst>
-                                </p:cTn>
-                              </p:par>
-                              <p:par>
-                                <p:cTn id="31" presetID="2" presetClass="entr" presetSubtype="4" fill="hold" grpId="0" nodeType="withEffect">
-                                  <p:stCondLst>
-                                    <p:cond delay="0"/>
-                                  </p:stCondLst>
-                                  <p:childTnLst>
-                                    <p:set>
-                                      <p:cBhvr>
-                                        <p:cTn id="32" dur="1" fill="hold">
-                                          <p:stCondLst>
-                                            <p:cond delay="0"/>
-                                          </p:stCondLst>
-                                        </p:cTn>
-                                        <p:tgtEl>
-                                          <p:spTgt spid="6"/>
-                                        </p:tgtEl>
-                                        <p:attrNameLst>
-                                          <p:attrName>style.visibility</p:attrName>
-                                        </p:attrNameLst>
-                                      </p:cBhvr>
-                                      <p:to>
-                                        <p:strVal val="visible"/>
-                                      </p:to>
-                                    </p:set>
-                                    <p:anim calcmode="lin" valueType="num">
-                                      <p:cBhvr additive="base">
-                                        <p:cTn id="33" dur="500" fill="hold"/>
-                                        <p:tgtEl>
-                                          <p:spTgt spid="6"/>
-                                        </p:tgtEl>
-                                        <p:attrNameLst>
-                                          <p:attrName>ppt_x</p:attrName>
-                                        </p:attrNameLst>
-                                      </p:cBhvr>
-                                      <p:tavLst>
-                                        <p:tav tm="0">
-                                          <p:val>
-                                            <p:strVal val="#ppt_x"/>
-                                          </p:val>
-                                        </p:tav>
-                                        <p:tav tm="100000">
-                                          <p:val>
-                                            <p:strVal val="#ppt_x"/>
-                                          </p:val>
-                                        </p:tav>
-                                      </p:tavLst>
-                                    </p:anim>
-                                    <p:anim calcmode="lin" valueType="num">
-                                      <p:cBhvr additive="base">
-                                        <p:cTn id="34" dur="500" fill="hold"/>
-                                        <p:tgtEl>
-                                          <p:spTgt spid="6"/>
-                                        </p:tgtEl>
-                                        <p:attrNameLst>
-                                          <p:attrName>ppt_y</p:attrName>
-                                        </p:attrNameLst>
-                                      </p:cBhvr>
-                                      <p:tavLst>
-                                        <p:tav tm="0">
-                                          <p:val>
-                                            <p:strVal val="1+#ppt_h/2"/>
-                                          </p:val>
-                                        </p:tav>
-                                        <p:tav tm="100000">
-                                          <p:val>
-                                            <p:strVal val="#ppt_y"/>
-                                          </p:val>
-                                        </p:tav>
-                                      </p:tavLst>
-                                    </p:anim>
-                                  </p:childTnLst>
-                                </p:cTn>
-                              </p:par>
-                              <p:par>
-                                <p:cTn id="35" presetID="2" presetClass="entr" presetSubtype="4" fill="hold" grpId="0" nodeType="withEffect">
-                                  <p:stCondLst>
-                                    <p:cond delay="0"/>
-                                  </p:stCondLst>
-                                  <p:childTnLst>
-                                    <p:set>
-                                      <p:cBhvr>
-                                        <p:cTn id="36" dur="1" fill="hold">
-                                          <p:stCondLst>
-                                            <p:cond delay="0"/>
-                                          </p:stCondLst>
-                                        </p:cTn>
-                                        <p:tgtEl>
-                                          <p:spTgt spid="7"/>
-                                        </p:tgtEl>
-                                        <p:attrNameLst>
-                                          <p:attrName>style.visibility</p:attrName>
-                                        </p:attrNameLst>
-                                      </p:cBhvr>
-                                      <p:to>
-                                        <p:strVal val="visible"/>
-                                      </p:to>
-                                    </p:set>
-                                    <p:anim calcmode="lin" valueType="num">
-                                      <p:cBhvr additive="base">
-                                        <p:cTn id="37" dur="500" fill="hold"/>
-                                        <p:tgtEl>
-                                          <p:spTgt spid="7"/>
-                                        </p:tgtEl>
-                                        <p:attrNameLst>
-                                          <p:attrName>ppt_x</p:attrName>
-                                        </p:attrNameLst>
-                                      </p:cBhvr>
-                                      <p:tavLst>
-                                        <p:tav tm="0">
-                                          <p:val>
-                                            <p:strVal val="#ppt_x"/>
-                                          </p:val>
-                                        </p:tav>
-                                        <p:tav tm="100000">
-                                          <p:val>
-                                            <p:strVal val="#ppt_x"/>
-                                          </p:val>
-                                        </p:tav>
-                                      </p:tavLst>
-                                    </p:anim>
-                                    <p:anim calcmode="lin" valueType="num">
-                                      <p:cBhvr additive="base">
-                                        <p:cTn id="38" dur="500" fill="hold"/>
-                                        <p:tgtEl>
-                                          <p:spTgt spid="7"/>
-                                        </p:tgtEl>
-                                        <p:attrNameLst>
-                                          <p:attrName>ppt_y</p:attrName>
-                                        </p:attrNameLst>
-                                      </p:cBhvr>
-                                      <p:tavLst>
-                                        <p:tav tm="0">
-                                          <p:val>
-                                            <p:strVal val="1+#ppt_h/2"/>
-                                          </p:val>
-                                        </p:tav>
-                                        <p:tav tm="100000">
-                                          <p:val>
-                                            <p:strVal val="#ppt_y"/>
-                                          </p:val>
-                                        </p:tav>
-                                      </p:tavLst>
-                                    </p:anim>
-                                  </p:childTnLst>
-                                </p:cTn>
-                              </p:par>
-                            </p:childTnLst>
-                          </p:cTn>
-                        </p:par>
-                      </p:childTnLst>
-                    </p:cTn>
-                  </p:par>
-                </p:childTnLst>
-              </p:cTn>
-              <p:prevCondLst>
-                <p:cond evt="onPrev" delay="0">
-                  <p:tgtEl>
-                    <p:sldTgt/>
-                  </p:tgtEl>
-                </p:cond>
-              </p:prevCondLst>
-              <p:nextCondLst>
-                <p:cond evt="onNext" delay="0">
-                  <p:tgtEl>
-                    <p:sldTgt/>
-                  </p:tgtEl>
-                </p:cond>
-              </p:nextCondLst>
-            </p:seq>
-          </p:childTnLst>
-        </p:cTn>
-      </p:par>
-    </p:tnLst>
-    <p:bldLst>
-      <p:bldP spid="8" grpId="0" animBg="1"/>
-      <p:bldP spid="24" grpId="0" animBg="1"/>
-      <p:bldP spid="28" grpId="0" animBg="1"/>
-      <p:bldP spid="2" grpId="0" animBg="1"/>
-      <p:bldP spid="6" grpId="0" animBg="1"/>
-      <p:bldP spid="7" grpId="0" animBg="1"/>
-    </p:bldLst>
-  </p:timing>
-</p:sld>
-</file>
-
-<file path=ppt/slides/slide16.xml><?xml version="1.0" encoding="utf-8"?>
-<p:sld xmlns:a="http://schemas.openxmlformats.org/drawingml/2006/main" xmlns:r="http://schemas.openxmlformats.org/officeDocument/2006/relationships" xmlns:p="http://schemas.openxmlformats.org/presentationml/2006/main">
-  <p:cSld>
     <p:spTree>
       <p:nvGrpSpPr>
         <p:cNvPr id="1" name=""/>
@@ -9785,7 +9938,7 @@
           <p:cNvPr id="51" name="Group 50">
             <a:extLst>
               <a:ext uri="{FF2B5EF4-FFF2-40B4-BE49-F238E27FC236}">
-                <a16:creationId xmlns:a16="http://schemas.microsoft.com/office/drawing/2014/main" id="{47A2DC79-7183-202C-ED11-A0CA0DDCA87D}"/>
+                <a16:creationId xmlns:a16="http://schemas.microsoft.com/office/drawing/2014/main" xmlns="" id="{47A2DC79-7183-202C-ED11-A0CA0DDCA87D}"/>
               </a:ext>
             </a:extLst>
           </p:cNvPr>
@@ -9805,7 +9958,7 @@
             <p:cNvPr id="21" name="Group 20">
               <a:extLst>
                 <a:ext uri="{FF2B5EF4-FFF2-40B4-BE49-F238E27FC236}">
-                  <a16:creationId xmlns:a16="http://schemas.microsoft.com/office/drawing/2014/main" id="{122B07C3-4C43-432A-AE1B-63E83F740B56}"/>
+                  <a16:creationId xmlns:a16="http://schemas.microsoft.com/office/drawing/2014/main" xmlns="" id="{122B07C3-4C43-432A-AE1B-63E83F740B56}"/>
                 </a:ext>
               </a:extLst>
             </p:cNvPr>
@@ -9825,7 +9978,7 @@
               <p:cNvPr id="22" name="Rounded Rectangle 19">
                 <a:extLst>
                   <a:ext uri="{FF2B5EF4-FFF2-40B4-BE49-F238E27FC236}">
-                    <a16:creationId xmlns:a16="http://schemas.microsoft.com/office/drawing/2014/main" id="{66E71AB3-5D74-4814-8DAF-D3A5BCEA56C6}"/>
+                    <a16:creationId xmlns:a16="http://schemas.microsoft.com/office/drawing/2014/main" xmlns="" id="{66E71AB3-5D74-4814-8DAF-D3A5BCEA56C6}"/>
                   </a:ext>
                 </a:extLst>
               </p:cNvPr>
@@ -9896,7 +10049,7 @@
               <p:cNvPr id="23" name="Oval 22">
                 <a:extLst>
                   <a:ext uri="{FF2B5EF4-FFF2-40B4-BE49-F238E27FC236}">
-                    <a16:creationId xmlns:a16="http://schemas.microsoft.com/office/drawing/2014/main" id="{026810D4-3796-448F-9C05-3A42DEB89438}"/>
+                    <a16:creationId xmlns:a16="http://schemas.microsoft.com/office/drawing/2014/main" xmlns="" id="{026810D4-3796-448F-9C05-3A42DEB89438}"/>
                   </a:ext>
                 </a:extLst>
               </p:cNvPr>
@@ -9966,7 +10119,7 @@
             <p:cNvPr id="24" name="Rounded Rectangle 4">
               <a:extLst>
                 <a:ext uri="{FF2B5EF4-FFF2-40B4-BE49-F238E27FC236}">
-                  <a16:creationId xmlns:a16="http://schemas.microsoft.com/office/drawing/2014/main" id="{E7A9C9CC-9A04-4806-A599-E825A52136B3}"/>
+                  <a16:creationId xmlns:a16="http://schemas.microsoft.com/office/drawing/2014/main" xmlns="" id="{E7A9C9CC-9A04-4806-A599-E825A52136B3}"/>
                 </a:ext>
               </a:extLst>
             </p:cNvPr>
@@ -10037,7 +10190,7 @@
             <p:cNvPr id="25" name="Oval 24">
               <a:extLst>
                 <a:ext uri="{FF2B5EF4-FFF2-40B4-BE49-F238E27FC236}">
-                  <a16:creationId xmlns:a16="http://schemas.microsoft.com/office/drawing/2014/main" id="{270ED947-7F8F-4B08-BE18-5FD8C20CB0AE}"/>
+                  <a16:creationId xmlns:a16="http://schemas.microsoft.com/office/drawing/2014/main" xmlns="" id="{270ED947-7F8F-4B08-BE18-5FD8C20CB0AE}"/>
                 </a:ext>
               </a:extLst>
             </p:cNvPr>
@@ -10106,7 +10259,7 @@
             <p:cNvPr id="26" name="Group 25">
               <a:extLst>
                 <a:ext uri="{FF2B5EF4-FFF2-40B4-BE49-F238E27FC236}">
-                  <a16:creationId xmlns:a16="http://schemas.microsoft.com/office/drawing/2014/main" id="{5FDF2F5B-938D-4BCD-AAEC-92C99BF08EE1}"/>
+                  <a16:creationId xmlns:a16="http://schemas.microsoft.com/office/drawing/2014/main" xmlns="" id="{5FDF2F5B-938D-4BCD-AAEC-92C99BF08EE1}"/>
                 </a:ext>
               </a:extLst>
             </p:cNvPr>
@@ -10126,7 +10279,7 @@
               <p:cNvPr id="27" name="Rounded Rectangle 9">
                 <a:extLst>
                   <a:ext uri="{FF2B5EF4-FFF2-40B4-BE49-F238E27FC236}">
-                    <a16:creationId xmlns:a16="http://schemas.microsoft.com/office/drawing/2014/main" id="{6DE812A9-CB69-49D4-8BC0-D851E50205FF}"/>
+                    <a16:creationId xmlns:a16="http://schemas.microsoft.com/office/drawing/2014/main" xmlns="" id="{6DE812A9-CB69-49D4-8BC0-D851E50205FF}"/>
                   </a:ext>
                 </a:extLst>
               </p:cNvPr>
@@ -10197,7 +10350,7 @@
               <p:cNvPr id="28" name="Oval 27">
                 <a:extLst>
                   <a:ext uri="{FF2B5EF4-FFF2-40B4-BE49-F238E27FC236}">
-                    <a16:creationId xmlns:a16="http://schemas.microsoft.com/office/drawing/2014/main" id="{56EECC62-A568-4F0B-8CD4-EAB3126CDBE9}"/>
+                    <a16:creationId xmlns:a16="http://schemas.microsoft.com/office/drawing/2014/main" xmlns="" id="{56EECC62-A568-4F0B-8CD4-EAB3126CDBE9}"/>
                   </a:ext>
                 </a:extLst>
               </p:cNvPr>
@@ -10267,7 +10420,7 @@
             <p:cNvPr id="29" name="Rounded Rectangle 11">
               <a:extLst>
                 <a:ext uri="{FF2B5EF4-FFF2-40B4-BE49-F238E27FC236}">
-                  <a16:creationId xmlns:a16="http://schemas.microsoft.com/office/drawing/2014/main" id="{B0E78FD3-2E5A-4EE9-BC8A-46CEBC4AD023}"/>
+                  <a16:creationId xmlns:a16="http://schemas.microsoft.com/office/drawing/2014/main" xmlns="" id="{B0E78FD3-2E5A-4EE9-BC8A-46CEBC4AD023}"/>
                 </a:ext>
               </a:extLst>
             </p:cNvPr>
@@ -10333,7 +10486,7 @@
             <p:cNvPr id="30" name="Oval 29">
               <a:extLst>
                 <a:ext uri="{FF2B5EF4-FFF2-40B4-BE49-F238E27FC236}">
-                  <a16:creationId xmlns:a16="http://schemas.microsoft.com/office/drawing/2014/main" id="{A8FC2DA8-0A91-4B72-9785-3F3AAEC5D47D}"/>
+                  <a16:creationId xmlns:a16="http://schemas.microsoft.com/office/drawing/2014/main" xmlns="" id="{A8FC2DA8-0A91-4B72-9785-3F3AAEC5D47D}"/>
                 </a:ext>
               </a:extLst>
             </p:cNvPr>
@@ -10402,7 +10555,7 @@
             <p:cNvPr id="31" name="Group 30">
               <a:extLst>
                 <a:ext uri="{FF2B5EF4-FFF2-40B4-BE49-F238E27FC236}">
-                  <a16:creationId xmlns:a16="http://schemas.microsoft.com/office/drawing/2014/main" id="{6047C8DA-8402-4753-A7BE-9C046C9F8183}"/>
+                  <a16:creationId xmlns:a16="http://schemas.microsoft.com/office/drawing/2014/main" xmlns="" id="{6047C8DA-8402-4753-A7BE-9C046C9F8183}"/>
                 </a:ext>
               </a:extLst>
             </p:cNvPr>
@@ -10422,7 +10575,7 @@
               <p:cNvPr id="32" name="Rounded Rectangle 15">
                 <a:extLst>
                   <a:ext uri="{FF2B5EF4-FFF2-40B4-BE49-F238E27FC236}">
-                    <a16:creationId xmlns:a16="http://schemas.microsoft.com/office/drawing/2014/main" id="{2358D446-E8A6-4030-B614-6EE3BC5D7B5D}"/>
+                    <a16:creationId xmlns:a16="http://schemas.microsoft.com/office/drawing/2014/main" xmlns="" id="{2358D446-E8A6-4030-B614-6EE3BC5D7B5D}"/>
                   </a:ext>
                 </a:extLst>
               </p:cNvPr>
@@ -10488,7 +10641,7 @@
               <p:cNvPr id="33" name="Oval 32">
                 <a:extLst>
                   <a:ext uri="{FF2B5EF4-FFF2-40B4-BE49-F238E27FC236}">
-                    <a16:creationId xmlns:a16="http://schemas.microsoft.com/office/drawing/2014/main" id="{2349657F-7272-4D5C-86AE-6577C01A8197}"/>
+                    <a16:creationId xmlns:a16="http://schemas.microsoft.com/office/drawing/2014/main" xmlns="" id="{2349657F-7272-4D5C-86AE-6577C01A8197}"/>
                   </a:ext>
                 </a:extLst>
               </p:cNvPr>
@@ -10558,7 +10711,7 @@
             <p:cNvPr id="36" name="Rounded Rectangle 4">
               <a:extLst>
                 <a:ext uri="{FF2B5EF4-FFF2-40B4-BE49-F238E27FC236}">
-                  <a16:creationId xmlns:a16="http://schemas.microsoft.com/office/drawing/2014/main" id="{4E3071B4-1619-47B8-89CD-472474F2300C}"/>
+                  <a16:creationId xmlns:a16="http://schemas.microsoft.com/office/drawing/2014/main" xmlns="" id="{4E3071B4-1619-47B8-89CD-472474F2300C}"/>
                 </a:ext>
               </a:extLst>
             </p:cNvPr>
@@ -10629,7 +10782,7 @@
             <p:cNvPr id="37" name="Rounded Rectangle 11">
               <a:extLst>
                 <a:ext uri="{FF2B5EF4-FFF2-40B4-BE49-F238E27FC236}">
-                  <a16:creationId xmlns:a16="http://schemas.microsoft.com/office/drawing/2014/main" id="{F161E37E-FE2C-457D-872C-94DE86C1C337}"/>
+                  <a16:creationId xmlns:a16="http://schemas.microsoft.com/office/drawing/2014/main" xmlns="" id="{F161E37E-FE2C-457D-872C-94DE86C1C337}"/>
                 </a:ext>
               </a:extLst>
             </p:cNvPr>
@@ -10695,7 +10848,7 @@
             <p:cNvPr id="38" name="Oval 12">
               <a:extLst>
                 <a:ext uri="{FF2B5EF4-FFF2-40B4-BE49-F238E27FC236}">
-                  <a16:creationId xmlns:a16="http://schemas.microsoft.com/office/drawing/2014/main" id="{E91CF9FA-0B2D-4495-A236-38605D15F579}"/>
+                  <a16:creationId xmlns:a16="http://schemas.microsoft.com/office/drawing/2014/main" xmlns="" id="{E91CF9FA-0B2D-4495-A236-38605D15F579}"/>
                 </a:ext>
               </a:extLst>
             </p:cNvPr>
@@ -10764,7 +10917,7 @@
             <p:cNvPr id="39" name="Oval 5">
               <a:extLst>
                 <a:ext uri="{FF2B5EF4-FFF2-40B4-BE49-F238E27FC236}">
-                  <a16:creationId xmlns:a16="http://schemas.microsoft.com/office/drawing/2014/main" id="{A987B5CA-56FF-4B12-8F59-77450273495E}"/>
+                  <a16:creationId xmlns:a16="http://schemas.microsoft.com/office/drawing/2014/main" xmlns="" id="{A987B5CA-56FF-4B12-8F59-77450273495E}"/>
                 </a:ext>
               </a:extLst>
             </p:cNvPr>
@@ -10834,7 +10987,7 @@
           <p:cNvPr id="43" name="TextBox 42">
             <a:extLst>
               <a:ext uri="{FF2B5EF4-FFF2-40B4-BE49-F238E27FC236}">
-                <a16:creationId xmlns:a16="http://schemas.microsoft.com/office/drawing/2014/main" id="{A5B07F42-D5E7-4B74-AB2F-4079B3BBC614}"/>
+                <a16:creationId xmlns:a16="http://schemas.microsoft.com/office/drawing/2014/main" xmlns="" id="{A5B07F42-D5E7-4B74-AB2F-4079B3BBC614}"/>
               </a:ext>
             </a:extLst>
           </p:cNvPr>
@@ -10886,7 +11039,7 @@
           <p:cNvPr id="50" name="TextBox 49">
             <a:extLst>
               <a:ext uri="{FF2B5EF4-FFF2-40B4-BE49-F238E27FC236}">
-                <a16:creationId xmlns:a16="http://schemas.microsoft.com/office/drawing/2014/main" id="{D8E7F54A-1231-700E-3EF8-D28DBEBA44B6}"/>
+                <a16:creationId xmlns:a16="http://schemas.microsoft.com/office/drawing/2014/main" xmlns="" id="{D8E7F54A-1231-700E-3EF8-D28DBEBA44B6}"/>
               </a:ext>
             </a:extLst>
           </p:cNvPr>
@@ -10927,7 +11080,7 @@
           <p:cNvPr id="2" name="TextBox 1">
             <a:extLst>
               <a:ext uri="{FF2B5EF4-FFF2-40B4-BE49-F238E27FC236}">
-                <a16:creationId xmlns:a16="http://schemas.microsoft.com/office/drawing/2014/main" id="{66F640D3-DD5A-E68D-C121-8E371B861ACB}"/>
+                <a16:creationId xmlns:a16="http://schemas.microsoft.com/office/drawing/2014/main" xmlns="" id="{66F640D3-DD5A-E68D-C121-8E371B861ACB}"/>
               </a:ext>
             </a:extLst>
           </p:cNvPr>
@@ -10985,7 +11138,7 @@
     <a:masterClrMapping/>
   </p:clrMapOvr>
   <mc:AlternateContent xmlns:mc="http://schemas.openxmlformats.org/markup-compatibility/2006">
-    <mc:Choice xmlns:p159="http://schemas.microsoft.com/office/powerpoint/2015/09/main" Requires="p159">
+    <mc:Choice xmlns:p159="http://schemas.microsoft.com/office/powerpoint/2015/09/main" xmlns="" Requires="p159">
       <p:transition xmlns:p14="http://schemas.microsoft.com/office/powerpoint/2010/main" spd="slow" p14:dur="2000">
         <p159:morph option="byObject"/>
       </p:transition>
@@ -11215,7 +11368,7 @@
 </p:sld>
 </file>
 
-<file path=ppt/slides/slide17.xml><?xml version="1.0" encoding="utf-8"?>
+<file path=ppt/slides/slide16.xml><?xml version="1.0" encoding="utf-8"?>
 <p:sld xmlns:a="http://schemas.openxmlformats.org/drawingml/2006/main" xmlns:r="http://schemas.openxmlformats.org/officeDocument/2006/relationships" xmlns:p="http://schemas.openxmlformats.org/presentationml/2006/main">
   <p:cSld>
     <p:spTree>
@@ -11237,7 +11390,7 @@
           <p:cNvPr id="25" name="Group 24">
             <a:extLst>
               <a:ext uri="{FF2B5EF4-FFF2-40B4-BE49-F238E27FC236}">
-                <a16:creationId xmlns:a16="http://schemas.microsoft.com/office/drawing/2014/main" id="{835B784E-C559-4584-A087-AE1C72CCD11B}"/>
+                <a16:creationId xmlns:a16="http://schemas.microsoft.com/office/drawing/2014/main" xmlns="" id="{835B784E-C559-4584-A087-AE1C72CCD11B}"/>
               </a:ext>
             </a:extLst>
           </p:cNvPr>
@@ -11257,7 +11410,7 @@
             <p:cNvPr id="3" name="Isosceles Triangle 2">
               <a:extLst>
                 <a:ext uri="{FF2B5EF4-FFF2-40B4-BE49-F238E27FC236}">
-                  <a16:creationId xmlns:a16="http://schemas.microsoft.com/office/drawing/2014/main" id="{CAEBA7EE-DA1D-4681-9035-43FC09F365E7}"/>
+                  <a16:creationId xmlns:a16="http://schemas.microsoft.com/office/drawing/2014/main" xmlns="" id="{CAEBA7EE-DA1D-4681-9035-43FC09F365E7}"/>
                 </a:ext>
               </a:extLst>
             </p:cNvPr>
@@ -11309,7 +11462,7 @@
             <p:cNvPr id="4" name="Isosceles Triangle 3">
               <a:extLst>
                 <a:ext uri="{FF2B5EF4-FFF2-40B4-BE49-F238E27FC236}">
-                  <a16:creationId xmlns:a16="http://schemas.microsoft.com/office/drawing/2014/main" id="{807A729A-D78A-41AE-86AB-1822A8DD6F33}"/>
+                  <a16:creationId xmlns:a16="http://schemas.microsoft.com/office/drawing/2014/main" xmlns="" id="{807A729A-D78A-41AE-86AB-1822A8DD6F33}"/>
                 </a:ext>
               </a:extLst>
             </p:cNvPr>
@@ -11358,7 +11511,7 @@
             <p:cNvPr id="7" name="Isosceles Triangle 6">
               <a:extLst>
                 <a:ext uri="{FF2B5EF4-FFF2-40B4-BE49-F238E27FC236}">
-                  <a16:creationId xmlns:a16="http://schemas.microsoft.com/office/drawing/2014/main" id="{E8195801-0FDE-48FC-B8A1-21A6D10C808A}"/>
+                  <a16:creationId xmlns:a16="http://schemas.microsoft.com/office/drawing/2014/main" xmlns="" id="{E8195801-0FDE-48FC-B8A1-21A6D10C808A}"/>
                 </a:ext>
               </a:extLst>
             </p:cNvPr>
@@ -11410,7 +11563,7 @@
             <p:cNvPr id="8" name="Isosceles Triangle 7">
               <a:extLst>
                 <a:ext uri="{FF2B5EF4-FFF2-40B4-BE49-F238E27FC236}">
-                  <a16:creationId xmlns:a16="http://schemas.microsoft.com/office/drawing/2014/main" id="{476FDA6F-8FDA-4EAC-B9EB-BE3BE9D81DA9}"/>
+                  <a16:creationId xmlns:a16="http://schemas.microsoft.com/office/drawing/2014/main" xmlns="" id="{476FDA6F-8FDA-4EAC-B9EB-BE3BE9D81DA9}"/>
                 </a:ext>
               </a:extLst>
             </p:cNvPr>
@@ -11462,7 +11615,7 @@
             <p:cNvPr id="10" name="Isosceles Triangle 9">
               <a:extLst>
                 <a:ext uri="{FF2B5EF4-FFF2-40B4-BE49-F238E27FC236}">
-                  <a16:creationId xmlns:a16="http://schemas.microsoft.com/office/drawing/2014/main" id="{DCA2FF84-7D68-4708-97FF-4BAEE7949856}"/>
+                  <a16:creationId xmlns:a16="http://schemas.microsoft.com/office/drawing/2014/main" xmlns="" id="{DCA2FF84-7D68-4708-97FF-4BAEE7949856}"/>
                 </a:ext>
               </a:extLst>
             </p:cNvPr>
@@ -11514,7 +11667,7 @@
             <p:cNvPr id="11" name="Isosceles Triangle 10">
               <a:extLst>
                 <a:ext uri="{FF2B5EF4-FFF2-40B4-BE49-F238E27FC236}">
-                  <a16:creationId xmlns:a16="http://schemas.microsoft.com/office/drawing/2014/main" id="{987325C2-9582-46BA-9E6B-47E0209A0532}"/>
+                  <a16:creationId xmlns:a16="http://schemas.microsoft.com/office/drawing/2014/main" xmlns="" id="{987325C2-9582-46BA-9E6B-47E0209A0532}"/>
                 </a:ext>
               </a:extLst>
             </p:cNvPr>
@@ -11567,7 +11720,7 @@
           <p:cNvPr id="22" name="Group 21">
             <a:extLst>
               <a:ext uri="{FF2B5EF4-FFF2-40B4-BE49-F238E27FC236}">
-                <a16:creationId xmlns:a16="http://schemas.microsoft.com/office/drawing/2014/main" id="{8EB288E0-D686-4CE3-A33F-1D9E33DC33BA}"/>
+                <a16:creationId xmlns:a16="http://schemas.microsoft.com/office/drawing/2014/main" xmlns="" id="{8EB288E0-D686-4CE3-A33F-1D9E33DC33BA}"/>
               </a:ext>
             </a:extLst>
           </p:cNvPr>
@@ -11587,7 +11740,7 @@
             <p:cNvPr id="23" name="TextBox 22">
               <a:extLst>
                 <a:ext uri="{FF2B5EF4-FFF2-40B4-BE49-F238E27FC236}">
-                  <a16:creationId xmlns:a16="http://schemas.microsoft.com/office/drawing/2014/main" id="{7F1D331E-C7EF-4B93-AEA2-E927CBFE7EFA}"/>
+                  <a16:creationId xmlns:a16="http://schemas.microsoft.com/office/drawing/2014/main" xmlns="" id="{7F1D331E-C7EF-4B93-AEA2-E927CBFE7EFA}"/>
                 </a:ext>
               </a:extLst>
             </p:cNvPr>
@@ -11639,7 +11792,7 @@
             <p:cNvPr id="24" name="TextBox 23">
               <a:extLst>
                 <a:ext uri="{FF2B5EF4-FFF2-40B4-BE49-F238E27FC236}">
-                  <a16:creationId xmlns:a16="http://schemas.microsoft.com/office/drawing/2014/main" id="{DD0A236C-DE59-4F82-B484-3E2F563C2E83}"/>
+                  <a16:creationId xmlns:a16="http://schemas.microsoft.com/office/drawing/2014/main" xmlns="" id="{DD0A236C-DE59-4F82-B484-3E2F563C2E83}"/>
                 </a:ext>
               </a:extLst>
             </p:cNvPr>
@@ -11692,7 +11845,7 @@
           <p:cNvPr id="32" name="Group 31">
             <a:extLst>
               <a:ext uri="{FF2B5EF4-FFF2-40B4-BE49-F238E27FC236}">
-                <a16:creationId xmlns:a16="http://schemas.microsoft.com/office/drawing/2014/main" id="{D157E936-AE8C-4C3F-AB0C-7FD559BB77FD}"/>
+                <a16:creationId xmlns:a16="http://schemas.microsoft.com/office/drawing/2014/main" xmlns="" id="{D157E936-AE8C-4C3F-AB0C-7FD559BB77FD}"/>
               </a:ext>
             </a:extLst>
           </p:cNvPr>
@@ -11712,7 +11865,7 @@
             <p:cNvPr id="33" name="TextBox 32">
               <a:extLst>
                 <a:ext uri="{FF2B5EF4-FFF2-40B4-BE49-F238E27FC236}">
-                  <a16:creationId xmlns:a16="http://schemas.microsoft.com/office/drawing/2014/main" id="{59674E5A-EEF6-496F-BA61-195C9714AC4F}"/>
+                  <a16:creationId xmlns:a16="http://schemas.microsoft.com/office/drawing/2014/main" xmlns="" id="{59674E5A-EEF6-496F-BA61-195C9714AC4F}"/>
                 </a:ext>
               </a:extLst>
             </p:cNvPr>
@@ -11765,7 +11918,7 @@
             <p:cNvPr id="34" name="TextBox 33">
               <a:extLst>
                 <a:ext uri="{FF2B5EF4-FFF2-40B4-BE49-F238E27FC236}">
-                  <a16:creationId xmlns:a16="http://schemas.microsoft.com/office/drawing/2014/main" id="{D7327225-5182-4D18-950E-6F98B7674E9F}"/>
+                  <a16:creationId xmlns:a16="http://schemas.microsoft.com/office/drawing/2014/main" xmlns="" id="{D7327225-5182-4D18-950E-6F98B7674E9F}"/>
                 </a:ext>
               </a:extLst>
             </p:cNvPr>
@@ -11819,7 +11972,7 @@
           <p:cNvPr id="19" name="Group 18">
             <a:extLst>
               <a:ext uri="{FF2B5EF4-FFF2-40B4-BE49-F238E27FC236}">
-                <a16:creationId xmlns:a16="http://schemas.microsoft.com/office/drawing/2014/main" id="{A0E63F0C-2600-4570-9ACA-763EBDD6E71A}"/>
+                <a16:creationId xmlns:a16="http://schemas.microsoft.com/office/drawing/2014/main" xmlns="" id="{A0E63F0C-2600-4570-9ACA-763EBDD6E71A}"/>
               </a:ext>
             </a:extLst>
           </p:cNvPr>
@@ -11839,7 +11992,7 @@
             <p:cNvPr id="20" name="TextBox 19">
               <a:extLst>
                 <a:ext uri="{FF2B5EF4-FFF2-40B4-BE49-F238E27FC236}">
-                  <a16:creationId xmlns:a16="http://schemas.microsoft.com/office/drawing/2014/main" id="{EF94B195-76EB-4D35-93B2-FC88B9517F9D}"/>
+                  <a16:creationId xmlns:a16="http://schemas.microsoft.com/office/drawing/2014/main" xmlns="" id="{EF94B195-76EB-4D35-93B2-FC88B9517F9D}"/>
                 </a:ext>
               </a:extLst>
             </p:cNvPr>
@@ -11891,7 +12044,7 @@
             <p:cNvPr id="21" name="TextBox 20">
               <a:extLst>
                 <a:ext uri="{FF2B5EF4-FFF2-40B4-BE49-F238E27FC236}">
-                  <a16:creationId xmlns:a16="http://schemas.microsoft.com/office/drawing/2014/main" id="{5DB18B18-0CB4-4611-BB2B-D7CA6E1983D8}"/>
+                  <a16:creationId xmlns:a16="http://schemas.microsoft.com/office/drawing/2014/main" xmlns="" id="{5DB18B18-0CB4-4611-BB2B-D7CA6E1983D8}"/>
                 </a:ext>
               </a:extLst>
             </p:cNvPr>
@@ -11944,7 +12097,7 @@
           <p:cNvPr id="26" name="Group 25">
             <a:extLst>
               <a:ext uri="{FF2B5EF4-FFF2-40B4-BE49-F238E27FC236}">
-                <a16:creationId xmlns:a16="http://schemas.microsoft.com/office/drawing/2014/main" id="{53E9848F-FAEF-467F-9107-EFD3A9D89744}"/>
+                <a16:creationId xmlns:a16="http://schemas.microsoft.com/office/drawing/2014/main" xmlns="" id="{53E9848F-FAEF-467F-9107-EFD3A9D89744}"/>
               </a:ext>
             </a:extLst>
           </p:cNvPr>
@@ -11964,7 +12117,7 @@
             <p:cNvPr id="27" name="TextBox 26">
               <a:extLst>
                 <a:ext uri="{FF2B5EF4-FFF2-40B4-BE49-F238E27FC236}">
-                  <a16:creationId xmlns:a16="http://schemas.microsoft.com/office/drawing/2014/main" id="{EA6D34D3-86DB-4805-B446-4FE4C4AAE36E}"/>
+                  <a16:creationId xmlns:a16="http://schemas.microsoft.com/office/drawing/2014/main" xmlns="" id="{EA6D34D3-86DB-4805-B446-4FE4C4AAE36E}"/>
                 </a:ext>
               </a:extLst>
             </p:cNvPr>
@@ -12016,7 +12169,7 @@
             <p:cNvPr id="28" name="TextBox 27">
               <a:extLst>
                 <a:ext uri="{FF2B5EF4-FFF2-40B4-BE49-F238E27FC236}">
-                  <a16:creationId xmlns:a16="http://schemas.microsoft.com/office/drawing/2014/main" id="{A9B9BF34-42B9-46E7-9FDF-328CC25C6E75}"/>
+                  <a16:creationId xmlns:a16="http://schemas.microsoft.com/office/drawing/2014/main" xmlns="" id="{A9B9BF34-42B9-46E7-9FDF-328CC25C6E75}"/>
                 </a:ext>
               </a:extLst>
             </p:cNvPr>
@@ -12069,7 +12222,7 @@
           <p:cNvPr id="29" name="Group 28">
             <a:extLst>
               <a:ext uri="{FF2B5EF4-FFF2-40B4-BE49-F238E27FC236}">
-                <a16:creationId xmlns:a16="http://schemas.microsoft.com/office/drawing/2014/main" id="{36A644A0-E44A-4833-8C04-7CF21735EA04}"/>
+                <a16:creationId xmlns:a16="http://schemas.microsoft.com/office/drawing/2014/main" xmlns="" id="{36A644A0-E44A-4833-8C04-7CF21735EA04}"/>
               </a:ext>
             </a:extLst>
           </p:cNvPr>
@@ -12089,7 +12242,7 @@
             <p:cNvPr id="30" name="TextBox 29">
               <a:extLst>
                 <a:ext uri="{FF2B5EF4-FFF2-40B4-BE49-F238E27FC236}">
-                  <a16:creationId xmlns:a16="http://schemas.microsoft.com/office/drawing/2014/main" id="{6939702C-3365-4B65-B5FC-F96B2A05DD5E}"/>
+                  <a16:creationId xmlns:a16="http://schemas.microsoft.com/office/drawing/2014/main" xmlns="" id="{6939702C-3365-4B65-B5FC-F96B2A05DD5E}"/>
                 </a:ext>
               </a:extLst>
             </p:cNvPr>
@@ -12142,7 +12295,7 @@
             <p:cNvPr id="31" name="TextBox 30">
               <a:extLst>
                 <a:ext uri="{FF2B5EF4-FFF2-40B4-BE49-F238E27FC236}">
-                  <a16:creationId xmlns:a16="http://schemas.microsoft.com/office/drawing/2014/main" id="{65C2BE5A-DAF3-4255-8FF0-3927FF6601CC}"/>
+                  <a16:creationId xmlns:a16="http://schemas.microsoft.com/office/drawing/2014/main" xmlns="" id="{65C2BE5A-DAF3-4255-8FF0-3927FF6601CC}"/>
                 </a:ext>
               </a:extLst>
             </p:cNvPr>
@@ -12196,7 +12349,7 @@
           <p:cNvPr id="35" name="Group 34">
             <a:extLst>
               <a:ext uri="{FF2B5EF4-FFF2-40B4-BE49-F238E27FC236}">
-                <a16:creationId xmlns:a16="http://schemas.microsoft.com/office/drawing/2014/main" id="{93722C8D-EC5D-4E17-BA32-AC6BD18C1ACF}"/>
+                <a16:creationId xmlns:a16="http://schemas.microsoft.com/office/drawing/2014/main" xmlns="" id="{93722C8D-EC5D-4E17-BA32-AC6BD18C1ACF}"/>
               </a:ext>
             </a:extLst>
           </p:cNvPr>
@@ -12216,7 +12369,7 @@
             <p:cNvPr id="36" name="TextBox 35">
               <a:extLst>
                 <a:ext uri="{FF2B5EF4-FFF2-40B4-BE49-F238E27FC236}">
-                  <a16:creationId xmlns:a16="http://schemas.microsoft.com/office/drawing/2014/main" id="{7798A40A-A623-40A6-9A80-352225AC4F89}"/>
+                  <a16:creationId xmlns:a16="http://schemas.microsoft.com/office/drawing/2014/main" xmlns="" id="{7798A40A-A623-40A6-9A80-352225AC4F89}"/>
                 </a:ext>
               </a:extLst>
             </p:cNvPr>
@@ -12269,7 +12422,7 @@
             <p:cNvPr id="37" name="TextBox 36">
               <a:extLst>
                 <a:ext uri="{FF2B5EF4-FFF2-40B4-BE49-F238E27FC236}">
-                  <a16:creationId xmlns:a16="http://schemas.microsoft.com/office/drawing/2014/main" id="{0B7804EB-A0E5-4DFF-926D-274A96DE69D9}"/>
+                  <a16:creationId xmlns:a16="http://schemas.microsoft.com/office/drawing/2014/main" xmlns="" id="{0B7804EB-A0E5-4DFF-926D-274A96DE69D9}"/>
                 </a:ext>
               </a:extLst>
             </p:cNvPr>
@@ -12323,7 +12476,7 @@
           <p:cNvPr id="40" name="Hexagon 39">
             <a:extLst>
               <a:ext uri="{FF2B5EF4-FFF2-40B4-BE49-F238E27FC236}">
-                <a16:creationId xmlns:a16="http://schemas.microsoft.com/office/drawing/2014/main" id="{AFC8638A-720C-4C76-BE4F-EF230D866107}"/>
+                <a16:creationId xmlns:a16="http://schemas.microsoft.com/office/drawing/2014/main" xmlns="" id="{AFC8638A-720C-4C76-BE4F-EF230D866107}"/>
               </a:ext>
             </a:extLst>
           </p:cNvPr>
@@ -12385,7 +12538,7 @@
           <p:cNvPr id="41" name="Hexagon 40">
             <a:extLst>
               <a:ext uri="{FF2B5EF4-FFF2-40B4-BE49-F238E27FC236}">
-                <a16:creationId xmlns:a16="http://schemas.microsoft.com/office/drawing/2014/main" id="{39092F61-2620-48D7-8894-5C6F16A22409}"/>
+                <a16:creationId xmlns:a16="http://schemas.microsoft.com/office/drawing/2014/main" xmlns="" id="{39092F61-2620-48D7-8894-5C6F16A22409}"/>
               </a:ext>
             </a:extLst>
           </p:cNvPr>
@@ -12447,7 +12600,7 @@
           <p:cNvPr id="42" name="Hexagon 41">
             <a:extLst>
               <a:ext uri="{FF2B5EF4-FFF2-40B4-BE49-F238E27FC236}">
-                <a16:creationId xmlns:a16="http://schemas.microsoft.com/office/drawing/2014/main" id="{9DA61520-9746-44B3-ABE3-9C7E69A4F08E}"/>
+                <a16:creationId xmlns:a16="http://schemas.microsoft.com/office/drawing/2014/main" xmlns="" id="{9DA61520-9746-44B3-ABE3-9C7E69A4F08E}"/>
               </a:ext>
             </a:extLst>
           </p:cNvPr>
@@ -12509,7 +12662,7 @@
           <p:cNvPr id="43" name="Hexagon 42">
             <a:extLst>
               <a:ext uri="{FF2B5EF4-FFF2-40B4-BE49-F238E27FC236}">
-                <a16:creationId xmlns:a16="http://schemas.microsoft.com/office/drawing/2014/main" id="{6F7AC350-4E2C-435F-83A7-13EDC11787A0}"/>
+                <a16:creationId xmlns:a16="http://schemas.microsoft.com/office/drawing/2014/main" xmlns="" id="{6F7AC350-4E2C-435F-83A7-13EDC11787A0}"/>
               </a:ext>
             </a:extLst>
           </p:cNvPr>
@@ -12571,7 +12724,7 @@
           <p:cNvPr id="44" name="Hexagon 43">
             <a:extLst>
               <a:ext uri="{FF2B5EF4-FFF2-40B4-BE49-F238E27FC236}">
-                <a16:creationId xmlns:a16="http://schemas.microsoft.com/office/drawing/2014/main" id="{8A35E88A-02E9-48A2-AD81-E357EB419EB9}"/>
+                <a16:creationId xmlns:a16="http://schemas.microsoft.com/office/drawing/2014/main" xmlns="" id="{8A35E88A-02E9-48A2-AD81-E357EB419EB9}"/>
               </a:ext>
             </a:extLst>
           </p:cNvPr>
@@ -12633,7 +12786,7 @@
           <p:cNvPr id="45" name="Hexagon 44">
             <a:extLst>
               <a:ext uri="{FF2B5EF4-FFF2-40B4-BE49-F238E27FC236}">
-                <a16:creationId xmlns:a16="http://schemas.microsoft.com/office/drawing/2014/main" id="{D19EACC3-6D3C-4FA7-9ACF-72C5408EBCC7}"/>
+                <a16:creationId xmlns:a16="http://schemas.microsoft.com/office/drawing/2014/main" xmlns="" id="{D19EACC3-6D3C-4FA7-9ACF-72C5408EBCC7}"/>
               </a:ext>
             </a:extLst>
           </p:cNvPr>
@@ -12695,7 +12848,7 @@
           <p:cNvPr id="39" name="TextBox 38">
             <a:extLst>
               <a:ext uri="{FF2B5EF4-FFF2-40B4-BE49-F238E27FC236}">
-                <a16:creationId xmlns:a16="http://schemas.microsoft.com/office/drawing/2014/main" id="{3187DC0D-6E8E-6E7D-4A8C-49875938A57D}"/>
+                <a16:creationId xmlns:a16="http://schemas.microsoft.com/office/drawing/2014/main" xmlns="" id="{3187DC0D-6E8E-6E7D-4A8C-49875938A57D}"/>
               </a:ext>
             </a:extLst>
           </p:cNvPr>
@@ -12735,7 +12888,7 @@
           <p:cNvPr id="46" name="Donut 24">
             <a:extLst>
               <a:ext uri="{FF2B5EF4-FFF2-40B4-BE49-F238E27FC236}">
-                <a16:creationId xmlns:a16="http://schemas.microsoft.com/office/drawing/2014/main" id="{DF9BF943-3E3F-71ED-115F-4C448F22350A}"/>
+                <a16:creationId xmlns:a16="http://schemas.microsoft.com/office/drawing/2014/main" xmlns="" id="{DF9BF943-3E3F-71ED-115F-4C448F22350A}"/>
               </a:ext>
             </a:extLst>
           </p:cNvPr>
@@ -13127,7 +13280,7 @@
           <p:cNvPr id="12" name="Rectangle 11">
             <a:extLst>
               <a:ext uri="{FF2B5EF4-FFF2-40B4-BE49-F238E27FC236}">
-                <a16:creationId xmlns:a16="http://schemas.microsoft.com/office/drawing/2014/main" id="{308ADF0C-F1BC-4735-9964-19C7BA523A83}"/>
+                <a16:creationId xmlns:a16="http://schemas.microsoft.com/office/drawing/2014/main" xmlns="" id="{308ADF0C-F1BC-4735-9964-19C7BA523A83}"/>
               </a:ext>
             </a:extLst>
           </p:cNvPr>
@@ -13203,7 +13356,7 @@
     <a:masterClrMapping/>
   </p:clrMapOvr>
   <mc:AlternateContent xmlns:mc="http://schemas.openxmlformats.org/markup-compatibility/2006">
-    <mc:Choice xmlns:p159="http://schemas.microsoft.com/office/powerpoint/2015/09/main" Requires="p159">
+    <mc:Choice xmlns:p159="http://schemas.microsoft.com/office/powerpoint/2015/09/main" xmlns="" Requires="p159">
       <p:transition xmlns:p14="http://schemas.microsoft.com/office/powerpoint/2010/main" spd="slow" p14:dur="2000">
         <p159:morph option="byObject"/>
       </p:transition>
@@ -13217,7 +13370,7 @@
 </p:sld>
 </file>
 
-<file path=ppt/slides/slide18.xml><?xml version="1.0" encoding="utf-8"?>
+<file path=ppt/slides/slide17.xml><?xml version="1.0" encoding="utf-8"?>
 <p:sld xmlns:a="http://schemas.openxmlformats.org/drawingml/2006/main" xmlns:r="http://schemas.openxmlformats.org/officeDocument/2006/relationships" xmlns:p="http://schemas.openxmlformats.org/presentationml/2006/main">
   <p:cSld>
     <p:spTree>
@@ -13239,7 +13392,7 @@
           <p:cNvPr id="2" name="TextBox 1">
             <a:extLst>
               <a:ext uri="{FF2B5EF4-FFF2-40B4-BE49-F238E27FC236}">
-                <a16:creationId xmlns:a16="http://schemas.microsoft.com/office/drawing/2014/main" id="{34526A16-5901-6908-3562-2008D1109406}"/>
+                <a16:creationId xmlns:a16="http://schemas.microsoft.com/office/drawing/2014/main" xmlns="" id="{34526A16-5901-6908-3562-2008D1109406}"/>
               </a:ext>
             </a:extLst>
           </p:cNvPr>
@@ -13317,7 +13470,7 @@
           <p:cNvPr id="8" name="TextBox 7">
             <a:extLst>
               <a:ext uri="{FF2B5EF4-FFF2-40B4-BE49-F238E27FC236}">
-                <a16:creationId xmlns:a16="http://schemas.microsoft.com/office/drawing/2014/main" id="{5CF5BDA4-10C7-46A6-AC30-523A3FC438AC}"/>
+                <a16:creationId xmlns:a16="http://schemas.microsoft.com/office/drawing/2014/main" xmlns="" id="{5CF5BDA4-10C7-46A6-AC30-523A3FC438AC}"/>
               </a:ext>
             </a:extLst>
           </p:cNvPr>
@@ -13371,7 +13524,7 @@
     <a:masterClrMapping/>
   </p:clrMapOvr>
   <mc:AlternateContent xmlns:mc="http://schemas.openxmlformats.org/markup-compatibility/2006">
-    <mc:Choice xmlns:p159="http://schemas.microsoft.com/office/powerpoint/2015/09/main" Requires="p159">
+    <mc:Choice xmlns:p159="http://schemas.microsoft.com/office/powerpoint/2015/09/main" xmlns="" Requires="p159">
       <p:transition xmlns:p14="http://schemas.microsoft.com/office/powerpoint/2010/main" spd="slow" p14:dur="2000">
         <p159:morph option="byObject"/>
       </p:transition>
@@ -13407,7 +13560,7 @@
           <p:cNvPr id="11" name="Group 10">
             <a:extLst>
               <a:ext uri="{FF2B5EF4-FFF2-40B4-BE49-F238E27FC236}">
-                <a16:creationId xmlns:a16="http://schemas.microsoft.com/office/drawing/2014/main" id="{6F556014-99F2-413F-BA74-B604762B66FA}"/>
+                <a16:creationId xmlns:a16="http://schemas.microsoft.com/office/drawing/2014/main" xmlns="" id="{6F556014-99F2-413F-BA74-B604762B66FA}"/>
               </a:ext>
             </a:extLst>
           </p:cNvPr>
@@ -13427,7 +13580,7 @@
             <p:cNvPr id="12" name="Straight Connector 11">
               <a:extLst>
                 <a:ext uri="{FF2B5EF4-FFF2-40B4-BE49-F238E27FC236}">
-                  <a16:creationId xmlns:a16="http://schemas.microsoft.com/office/drawing/2014/main" id="{BD014B18-BA7E-475C-B97A-1C458E8F3644}"/>
+                  <a16:creationId xmlns:a16="http://schemas.microsoft.com/office/drawing/2014/main" xmlns="" id="{BD014B18-BA7E-475C-B97A-1C458E8F3644}"/>
                 </a:ext>
               </a:extLst>
             </p:cNvPr>
@@ -13470,7 +13623,7 @@
             <p:cNvPr id="13" name="Straight Connector 12">
               <a:extLst>
                 <a:ext uri="{FF2B5EF4-FFF2-40B4-BE49-F238E27FC236}">
-                  <a16:creationId xmlns:a16="http://schemas.microsoft.com/office/drawing/2014/main" id="{659A2D06-9F89-464F-98C2-9BABA2CE2E15}"/>
+                  <a16:creationId xmlns:a16="http://schemas.microsoft.com/office/drawing/2014/main" xmlns="" id="{659A2D06-9F89-464F-98C2-9BABA2CE2E15}"/>
                 </a:ext>
               </a:extLst>
             </p:cNvPr>
@@ -13513,7 +13666,7 @@
             <p:cNvPr id="14" name="Straight Connector 13">
               <a:extLst>
                 <a:ext uri="{FF2B5EF4-FFF2-40B4-BE49-F238E27FC236}">
-                  <a16:creationId xmlns:a16="http://schemas.microsoft.com/office/drawing/2014/main" id="{7256552C-DCF3-4A68-B9A4-645E85E698BF}"/>
+                  <a16:creationId xmlns:a16="http://schemas.microsoft.com/office/drawing/2014/main" xmlns="" id="{7256552C-DCF3-4A68-B9A4-645E85E698BF}"/>
                 </a:ext>
               </a:extLst>
             </p:cNvPr>
@@ -13556,7 +13709,7 @@
             <p:cNvPr id="15" name="Straight Connector 14">
               <a:extLst>
                 <a:ext uri="{FF2B5EF4-FFF2-40B4-BE49-F238E27FC236}">
-                  <a16:creationId xmlns:a16="http://schemas.microsoft.com/office/drawing/2014/main" id="{19EDD73A-0B0E-4B3D-BB0A-254E6E118D5A}"/>
+                  <a16:creationId xmlns:a16="http://schemas.microsoft.com/office/drawing/2014/main" xmlns="" id="{19EDD73A-0B0E-4B3D-BB0A-254E6E118D5A}"/>
                 </a:ext>
               </a:extLst>
             </p:cNvPr>
@@ -13600,7 +13753,7 @@
           <p:cNvPr id="3" name="Group 2">
             <a:extLst>
               <a:ext uri="{FF2B5EF4-FFF2-40B4-BE49-F238E27FC236}">
-                <a16:creationId xmlns:a16="http://schemas.microsoft.com/office/drawing/2014/main" id="{29C73C1F-1E69-0D3E-C8BE-7D4527C6DC03}"/>
+                <a16:creationId xmlns:a16="http://schemas.microsoft.com/office/drawing/2014/main" xmlns="" id="{29C73C1F-1E69-0D3E-C8BE-7D4527C6DC03}"/>
               </a:ext>
             </a:extLst>
           </p:cNvPr>
@@ -13620,7 +13773,7 @@
             <p:cNvPr id="17" name="Rectangle 16">
               <a:extLst>
                 <a:ext uri="{FF2B5EF4-FFF2-40B4-BE49-F238E27FC236}">
-                  <a16:creationId xmlns:a16="http://schemas.microsoft.com/office/drawing/2014/main" id="{EC13879F-D3DB-463F-BF1F-003E841B15E9}"/>
+                  <a16:creationId xmlns:a16="http://schemas.microsoft.com/office/drawing/2014/main" xmlns="" id="{EC13879F-D3DB-463F-BF1F-003E841B15E9}"/>
                 </a:ext>
               </a:extLst>
             </p:cNvPr>
@@ -13676,7 +13829,7 @@
             <p:cNvPr id="21" name="TextBox 20">
               <a:extLst>
                 <a:ext uri="{FF2B5EF4-FFF2-40B4-BE49-F238E27FC236}">
-                  <a16:creationId xmlns:a16="http://schemas.microsoft.com/office/drawing/2014/main" id="{7D323EF9-0205-4F9F-B8A5-5E090FAAA34A}"/>
+                  <a16:creationId xmlns:a16="http://schemas.microsoft.com/office/drawing/2014/main" xmlns="" id="{7D323EF9-0205-4F9F-B8A5-5E090FAAA34A}"/>
                 </a:ext>
               </a:extLst>
             </p:cNvPr>
@@ -13726,7 +13879,7 @@
           <p:cNvPr id="5" name="Group 4">
             <a:extLst>
               <a:ext uri="{FF2B5EF4-FFF2-40B4-BE49-F238E27FC236}">
-                <a16:creationId xmlns:a16="http://schemas.microsoft.com/office/drawing/2014/main" id="{FC090BF4-BFD0-58B2-C628-B80CABD4421C}"/>
+                <a16:creationId xmlns:a16="http://schemas.microsoft.com/office/drawing/2014/main" xmlns="" id="{FC090BF4-BFD0-58B2-C628-B80CABD4421C}"/>
               </a:ext>
             </a:extLst>
           </p:cNvPr>
@@ -13746,7 +13899,7 @@
             <p:cNvPr id="18" name="Rectangle 17">
               <a:extLst>
                 <a:ext uri="{FF2B5EF4-FFF2-40B4-BE49-F238E27FC236}">
-                  <a16:creationId xmlns:a16="http://schemas.microsoft.com/office/drawing/2014/main" id="{7536AA1E-6C24-4A66-AAB7-35782BD9DEDB}"/>
+                  <a16:creationId xmlns:a16="http://schemas.microsoft.com/office/drawing/2014/main" xmlns="" id="{7536AA1E-6C24-4A66-AAB7-35782BD9DEDB}"/>
                 </a:ext>
               </a:extLst>
             </p:cNvPr>
@@ -13802,7 +13955,7 @@
             <p:cNvPr id="22" name="TextBox 21">
               <a:extLst>
                 <a:ext uri="{FF2B5EF4-FFF2-40B4-BE49-F238E27FC236}">
-                  <a16:creationId xmlns:a16="http://schemas.microsoft.com/office/drawing/2014/main" id="{16ACC078-23C6-4647-8F57-42B1FBF321FC}"/>
+                  <a16:creationId xmlns:a16="http://schemas.microsoft.com/office/drawing/2014/main" xmlns="" id="{16ACC078-23C6-4647-8F57-42B1FBF321FC}"/>
                 </a:ext>
               </a:extLst>
             </p:cNvPr>
@@ -13852,7 +14005,7 @@
           <p:cNvPr id="6" name="Group 5">
             <a:extLst>
               <a:ext uri="{FF2B5EF4-FFF2-40B4-BE49-F238E27FC236}">
-                <a16:creationId xmlns:a16="http://schemas.microsoft.com/office/drawing/2014/main" id="{ABEC1700-D6CC-AC5B-DA3E-0C872DEE29FC}"/>
+                <a16:creationId xmlns:a16="http://schemas.microsoft.com/office/drawing/2014/main" xmlns="" id="{ABEC1700-D6CC-AC5B-DA3E-0C872DEE29FC}"/>
               </a:ext>
             </a:extLst>
           </p:cNvPr>
@@ -13872,7 +14025,7 @@
             <p:cNvPr id="19" name="Rectangle 18">
               <a:extLst>
                 <a:ext uri="{FF2B5EF4-FFF2-40B4-BE49-F238E27FC236}">
-                  <a16:creationId xmlns:a16="http://schemas.microsoft.com/office/drawing/2014/main" id="{222BD605-3547-4DD5-A740-98710E11C632}"/>
+                  <a16:creationId xmlns:a16="http://schemas.microsoft.com/office/drawing/2014/main" xmlns="" id="{222BD605-3547-4DD5-A740-98710E11C632}"/>
                 </a:ext>
               </a:extLst>
             </p:cNvPr>
@@ -13928,7 +14081,7 @@
             <p:cNvPr id="23" name="TextBox 22">
               <a:extLst>
                 <a:ext uri="{FF2B5EF4-FFF2-40B4-BE49-F238E27FC236}">
-                  <a16:creationId xmlns:a16="http://schemas.microsoft.com/office/drawing/2014/main" id="{D72A56DB-EE39-4CB4-B347-86EF0DCB3AF7}"/>
+                  <a16:creationId xmlns:a16="http://schemas.microsoft.com/office/drawing/2014/main" xmlns="" id="{D72A56DB-EE39-4CB4-B347-86EF0DCB3AF7}"/>
                 </a:ext>
               </a:extLst>
             </p:cNvPr>
@@ -13978,7 +14131,7 @@
           <p:cNvPr id="7" name="Group 6">
             <a:extLst>
               <a:ext uri="{FF2B5EF4-FFF2-40B4-BE49-F238E27FC236}">
-                <a16:creationId xmlns:a16="http://schemas.microsoft.com/office/drawing/2014/main" id="{B63B65FC-8265-2B61-0F6A-782892449420}"/>
+                <a16:creationId xmlns:a16="http://schemas.microsoft.com/office/drawing/2014/main" xmlns="" id="{B63B65FC-8265-2B61-0F6A-782892449420}"/>
               </a:ext>
             </a:extLst>
           </p:cNvPr>
@@ -13998,7 +14151,7 @@
             <p:cNvPr id="20" name="Rectangle 19">
               <a:extLst>
                 <a:ext uri="{FF2B5EF4-FFF2-40B4-BE49-F238E27FC236}">
-                  <a16:creationId xmlns:a16="http://schemas.microsoft.com/office/drawing/2014/main" id="{E3ED01D0-912E-4294-B392-81E77C41E575}"/>
+                  <a16:creationId xmlns:a16="http://schemas.microsoft.com/office/drawing/2014/main" xmlns="" id="{E3ED01D0-912E-4294-B392-81E77C41E575}"/>
                 </a:ext>
               </a:extLst>
             </p:cNvPr>
@@ -14054,7 +14207,7 @@
             <p:cNvPr id="24" name="TextBox 23">
               <a:extLst>
                 <a:ext uri="{FF2B5EF4-FFF2-40B4-BE49-F238E27FC236}">
-                  <a16:creationId xmlns:a16="http://schemas.microsoft.com/office/drawing/2014/main" id="{8FBED384-120E-4CE6-9BEB-99332F464629}"/>
+                  <a16:creationId xmlns:a16="http://schemas.microsoft.com/office/drawing/2014/main" xmlns="" id="{8FBED384-120E-4CE6-9BEB-99332F464629}"/>
                 </a:ext>
               </a:extLst>
             </p:cNvPr>
@@ -14104,7 +14257,7 @@
           <p:cNvPr id="26" name="TextBox 25">
             <a:extLst>
               <a:ext uri="{FF2B5EF4-FFF2-40B4-BE49-F238E27FC236}">
-                <a16:creationId xmlns:a16="http://schemas.microsoft.com/office/drawing/2014/main" id="{84237A53-2FA2-41CA-A145-17EF09ABAB64}"/>
+                <a16:creationId xmlns:a16="http://schemas.microsoft.com/office/drawing/2014/main" xmlns="" id="{84237A53-2FA2-41CA-A145-17EF09ABAB64}"/>
               </a:ext>
             </a:extLst>
           </p:cNvPr>
@@ -14152,7 +14305,7 @@
           <p:cNvPr id="8" name="Group 7">
             <a:extLst>
               <a:ext uri="{FF2B5EF4-FFF2-40B4-BE49-F238E27FC236}">
-                <a16:creationId xmlns:a16="http://schemas.microsoft.com/office/drawing/2014/main" id="{59FFC483-A05F-971A-B090-915D8F95B0F2}"/>
+                <a16:creationId xmlns:a16="http://schemas.microsoft.com/office/drawing/2014/main" xmlns="" id="{59FFC483-A05F-971A-B090-915D8F95B0F2}"/>
               </a:ext>
             </a:extLst>
           </p:cNvPr>
@@ -14172,7 +14325,7 @@
             <p:cNvPr id="9" name="Rectangle 8">
               <a:extLst>
                 <a:ext uri="{FF2B5EF4-FFF2-40B4-BE49-F238E27FC236}">
-                  <a16:creationId xmlns:a16="http://schemas.microsoft.com/office/drawing/2014/main" id="{93A01038-F3AF-03F2-6510-CECE55D7CCC2}"/>
+                  <a16:creationId xmlns:a16="http://schemas.microsoft.com/office/drawing/2014/main" xmlns="" id="{93A01038-F3AF-03F2-6510-CECE55D7CCC2}"/>
                 </a:ext>
               </a:extLst>
             </p:cNvPr>
@@ -14228,7 +14381,7 @@
             <p:cNvPr id="10" name="TextBox 9">
               <a:extLst>
                 <a:ext uri="{FF2B5EF4-FFF2-40B4-BE49-F238E27FC236}">
-                  <a16:creationId xmlns:a16="http://schemas.microsoft.com/office/drawing/2014/main" id="{C601C375-72D3-A4B7-8766-05193E8E6DCA}"/>
+                  <a16:creationId xmlns:a16="http://schemas.microsoft.com/office/drawing/2014/main" xmlns="" id="{C601C375-72D3-A4B7-8766-05193E8E6DCA}"/>
                 </a:ext>
               </a:extLst>
             </p:cNvPr>
@@ -14278,7 +14431,7 @@
           <p:cNvPr id="38" name="TextBox 37">
             <a:extLst>
               <a:ext uri="{FF2B5EF4-FFF2-40B4-BE49-F238E27FC236}">
-                <a16:creationId xmlns:a16="http://schemas.microsoft.com/office/drawing/2014/main" id="{15EE8CDA-4018-9333-46F9-5E8779442ACF}"/>
+                <a16:creationId xmlns:a16="http://schemas.microsoft.com/office/drawing/2014/main" xmlns="" id="{15EE8CDA-4018-9333-46F9-5E8779442ACF}"/>
               </a:ext>
             </a:extLst>
           </p:cNvPr>
@@ -14326,7 +14479,7 @@
           <p:cNvPr id="41" name="TextBox 40">
             <a:extLst>
               <a:ext uri="{FF2B5EF4-FFF2-40B4-BE49-F238E27FC236}">
-                <a16:creationId xmlns:a16="http://schemas.microsoft.com/office/drawing/2014/main" id="{388B49DC-BA61-F934-1E91-4FEF998E00B7}"/>
+                <a16:creationId xmlns:a16="http://schemas.microsoft.com/office/drawing/2014/main" xmlns="" id="{388B49DC-BA61-F934-1E91-4FEF998E00B7}"/>
               </a:ext>
             </a:extLst>
           </p:cNvPr>
@@ -14374,7 +14527,7 @@
           <p:cNvPr id="42" name="TextBox 41">
             <a:extLst>
               <a:ext uri="{FF2B5EF4-FFF2-40B4-BE49-F238E27FC236}">
-                <a16:creationId xmlns:a16="http://schemas.microsoft.com/office/drawing/2014/main" id="{B742E3D7-7765-9385-040B-428E2BCEC30D}"/>
+                <a16:creationId xmlns:a16="http://schemas.microsoft.com/office/drawing/2014/main" xmlns="" id="{B742E3D7-7765-9385-040B-428E2BCEC30D}"/>
               </a:ext>
             </a:extLst>
           </p:cNvPr>
@@ -14422,7 +14575,7 @@
           <p:cNvPr id="43" name="TextBox 42">
             <a:extLst>
               <a:ext uri="{FF2B5EF4-FFF2-40B4-BE49-F238E27FC236}">
-                <a16:creationId xmlns:a16="http://schemas.microsoft.com/office/drawing/2014/main" id="{C5FD95E1-8C5B-5010-133D-B826F234EEE4}"/>
+                <a16:creationId xmlns:a16="http://schemas.microsoft.com/office/drawing/2014/main" xmlns="" id="{C5FD95E1-8C5B-5010-133D-B826F234EEE4}"/>
               </a:ext>
             </a:extLst>
           </p:cNvPr>
@@ -14476,7 +14629,7 @@
     <a:masterClrMapping/>
   </p:clrMapOvr>
   <mc:AlternateContent xmlns:mc="http://schemas.openxmlformats.org/markup-compatibility/2006">
-    <mc:Choice xmlns:p159="http://schemas.microsoft.com/office/powerpoint/2015/09/main" Requires="p159">
+    <mc:Choice xmlns:p159="http://schemas.microsoft.com/office/powerpoint/2015/09/main" xmlns="" Requires="p159">
       <p:transition xmlns:p14="http://schemas.microsoft.com/office/powerpoint/2010/main" spd="slow" p14:dur="2000">
         <p159:morph option="byObject"/>
       </p:transition>
@@ -14512,7 +14665,7 @@
           <p:cNvPr id="99" name="Group 98">
             <a:extLst>
               <a:ext uri="{FF2B5EF4-FFF2-40B4-BE49-F238E27FC236}">
-                <a16:creationId xmlns:a16="http://schemas.microsoft.com/office/drawing/2014/main" id="{FA90F668-D6B6-4F9E-A4B0-740416B43B77}"/>
+                <a16:creationId xmlns:a16="http://schemas.microsoft.com/office/drawing/2014/main" xmlns="" id="{FA90F668-D6B6-4F9E-A4B0-740416B43B77}"/>
               </a:ext>
             </a:extLst>
           </p:cNvPr>
@@ -14535,7 +14688,7 @@
             <p:cNvPr id="73" name="Group 72">
               <a:extLst>
                 <a:ext uri="{FF2B5EF4-FFF2-40B4-BE49-F238E27FC236}">
-                  <a16:creationId xmlns:a16="http://schemas.microsoft.com/office/drawing/2014/main" id="{6A2D93C7-C82F-429B-B615-4204F91F2A0D}"/>
+                  <a16:creationId xmlns:a16="http://schemas.microsoft.com/office/drawing/2014/main" xmlns="" id="{6A2D93C7-C82F-429B-B615-4204F91F2A0D}"/>
                 </a:ext>
               </a:extLst>
             </p:cNvPr>
@@ -14556,7 +14709,7 @@
               <p:cNvPr id="11" name="Freeform: Shape 10">
                 <a:extLst>
                   <a:ext uri="{FF2B5EF4-FFF2-40B4-BE49-F238E27FC236}">
-                    <a16:creationId xmlns:a16="http://schemas.microsoft.com/office/drawing/2014/main" id="{21C9C7EF-033C-4328-942C-AF1E00EE863D}"/>
+                    <a16:creationId xmlns:a16="http://schemas.microsoft.com/office/drawing/2014/main" xmlns="" id="{21C9C7EF-033C-4328-942C-AF1E00EE863D}"/>
                   </a:ext>
                 </a:extLst>
               </p:cNvPr>
@@ -14634,7 +14787,7 @@
               <p:cNvPr id="65" name="Freeform: Shape 64">
                 <a:extLst>
                   <a:ext uri="{FF2B5EF4-FFF2-40B4-BE49-F238E27FC236}">
-                    <a16:creationId xmlns:a16="http://schemas.microsoft.com/office/drawing/2014/main" id="{E697FAD1-C34D-4049-BB09-997BD345E7F1}"/>
+                    <a16:creationId xmlns:a16="http://schemas.microsoft.com/office/drawing/2014/main" xmlns="" id="{E697FAD1-C34D-4049-BB09-997BD345E7F1}"/>
                   </a:ext>
                 </a:extLst>
               </p:cNvPr>
@@ -14728,7 +14881,7 @@
               <p:cNvPr id="66" name="Freeform: Shape 65">
                 <a:extLst>
                   <a:ext uri="{FF2B5EF4-FFF2-40B4-BE49-F238E27FC236}">
-                    <a16:creationId xmlns:a16="http://schemas.microsoft.com/office/drawing/2014/main" id="{6EB8BAA5-63E6-426A-B6A0-1F4FB3756BBA}"/>
+                    <a16:creationId xmlns:a16="http://schemas.microsoft.com/office/drawing/2014/main" xmlns="" id="{6EB8BAA5-63E6-426A-B6A0-1F4FB3756BBA}"/>
                   </a:ext>
                 </a:extLst>
               </p:cNvPr>
@@ -14822,7 +14975,7 @@
               <p:cNvPr id="16" name="Freeform: Shape 15">
                 <a:extLst>
                   <a:ext uri="{FF2B5EF4-FFF2-40B4-BE49-F238E27FC236}">
-                    <a16:creationId xmlns:a16="http://schemas.microsoft.com/office/drawing/2014/main" id="{D9DE53B0-F7C6-4BFE-B8C8-A7783525E3C6}"/>
+                    <a16:creationId xmlns:a16="http://schemas.microsoft.com/office/drawing/2014/main" xmlns="" id="{D9DE53B0-F7C6-4BFE-B8C8-A7783525E3C6}"/>
                   </a:ext>
                 </a:extLst>
               </p:cNvPr>
@@ -14916,7 +15069,7 @@
               <p:cNvPr id="17" name="Freeform: Shape 16">
                 <a:extLst>
                   <a:ext uri="{FF2B5EF4-FFF2-40B4-BE49-F238E27FC236}">
-                    <a16:creationId xmlns:a16="http://schemas.microsoft.com/office/drawing/2014/main" id="{D332AD04-F9F2-4E62-9CA9-F1827B4B4BE7}"/>
+                    <a16:creationId xmlns:a16="http://schemas.microsoft.com/office/drawing/2014/main" xmlns="" id="{D332AD04-F9F2-4E62-9CA9-F1827B4B4BE7}"/>
                   </a:ext>
                 </a:extLst>
               </p:cNvPr>
@@ -15011,7 +15164,7 @@
             <p:cNvPr id="74" name="Group 73">
               <a:extLst>
                 <a:ext uri="{FF2B5EF4-FFF2-40B4-BE49-F238E27FC236}">
-                  <a16:creationId xmlns:a16="http://schemas.microsoft.com/office/drawing/2014/main" id="{E083F7D3-9832-4D8F-9F46-A90A561E0FA9}"/>
+                  <a16:creationId xmlns:a16="http://schemas.microsoft.com/office/drawing/2014/main" xmlns="" id="{E083F7D3-9832-4D8F-9F46-A90A561E0FA9}"/>
                 </a:ext>
               </a:extLst>
             </p:cNvPr>
@@ -15032,7 +15185,7 @@
               <p:cNvPr id="75" name="Freeform: Shape 74">
                 <a:extLst>
                   <a:ext uri="{FF2B5EF4-FFF2-40B4-BE49-F238E27FC236}">
-                    <a16:creationId xmlns:a16="http://schemas.microsoft.com/office/drawing/2014/main" id="{2E1E282F-203E-43E8-99AB-48E14AC968FA}"/>
+                    <a16:creationId xmlns:a16="http://schemas.microsoft.com/office/drawing/2014/main" xmlns="" id="{2E1E282F-203E-43E8-99AB-48E14AC968FA}"/>
                   </a:ext>
                 </a:extLst>
               </p:cNvPr>
@@ -15110,7 +15263,7 @@
               <p:cNvPr id="76" name="Freeform: Shape 75">
                 <a:extLst>
                   <a:ext uri="{FF2B5EF4-FFF2-40B4-BE49-F238E27FC236}">
-                    <a16:creationId xmlns:a16="http://schemas.microsoft.com/office/drawing/2014/main" id="{A6D7DD2E-89AC-4907-9490-FC5F291B28D1}"/>
+                    <a16:creationId xmlns:a16="http://schemas.microsoft.com/office/drawing/2014/main" xmlns="" id="{A6D7DD2E-89AC-4907-9490-FC5F291B28D1}"/>
                   </a:ext>
                 </a:extLst>
               </p:cNvPr>
@@ -15204,7 +15357,7 @@
               <p:cNvPr id="77" name="Freeform: Shape 76">
                 <a:extLst>
                   <a:ext uri="{FF2B5EF4-FFF2-40B4-BE49-F238E27FC236}">
-                    <a16:creationId xmlns:a16="http://schemas.microsoft.com/office/drawing/2014/main" id="{CB28707F-7CD6-4556-9A50-1F90EC510445}"/>
+                    <a16:creationId xmlns:a16="http://schemas.microsoft.com/office/drawing/2014/main" xmlns="" id="{CB28707F-7CD6-4556-9A50-1F90EC510445}"/>
                   </a:ext>
                 </a:extLst>
               </p:cNvPr>
@@ -15298,7 +15451,7 @@
               <p:cNvPr id="78" name="Freeform: Shape 77">
                 <a:extLst>
                   <a:ext uri="{FF2B5EF4-FFF2-40B4-BE49-F238E27FC236}">
-                    <a16:creationId xmlns:a16="http://schemas.microsoft.com/office/drawing/2014/main" id="{0BDCE553-0D51-4843-B5A2-0C2F7738062B}"/>
+                    <a16:creationId xmlns:a16="http://schemas.microsoft.com/office/drawing/2014/main" xmlns="" id="{0BDCE553-0D51-4843-B5A2-0C2F7738062B}"/>
                   </a:ext>
                 </a:extLst>
               </p:cNvPr>
@@ -15392,7 +15545,7 @@
               <p:cNvPr id="79" name="Freeform: Shape 78">
                 <a:extLst>
                   <a:ext uri="{FF2B5EF4-FFF2-40B4-BE49-F238E27FC236}">
-                    <a16:creationId xmlns:a16="http://schemas.microsoft.com/office/drawing/2014/main" id="{AA56D348-F211-4724-9DB1-735CF3FC075D}"/>
+                    <a16:creationId xmlns:a16="http://schemas.microsoft.com/office/drawing/2014/main" xmlns="" id="{AA56D348-F211-4724-9DB1-735CF3FC075D}"/>
                   </a:ext>
                 </a:extLst>
               </p:cNvPr>
@@ -15487,7 +15640,7 @@
             <p:cNvPr id="86" name="Group 85">
               <a:extLst>
                 <a:ext uri="{FF2B5EF4-FFF2-40B4-BE49-F238E27FC236}">
-                  <a16:creationId xmlns:a16="http://schemas.microsoft.com/office/drawing/2014/main" id="{B7DA8821-5975-4570-BB5B-A78A61E2C907}"/>
+                  <a16:creationId xmlns:a16="http://schemas.microsoft.com/office/drawing/2014/main" xmlns="" id="{B7DA8821-5975-4570-BB5B-A78A61E2C907}"/>
                 </a:ext>
               </a:extLst>
             </p:cNvPr>
@@ -15508,7 +15661,7 @@
               <p:cNvPr id="87" name="Freeform: Shape 86">
                 <a:extLst>
                   <a:ext uri="{FF2B5EF4-FFF2-40B4-BE49-F238E27FC236}">
-                    <a16:creationId xmlns:a16="http://schemas.microsoft.com/office/drawing/2014/main" id="{BA09A7DA-F88F-405A-BBE9-ED5452BBE6B7}"/>
+                    <a16:creationId xmlns:a16="http://schemas.microsoft.com/office/drawing/2014/main" xmlns="" id="{BA09A7DA-F88F-405A-BBE9-ED5452BBE6B7}"/>
                   </a:ext>
                 </a:extLst>
               </p:cNvPr>
@@ -15586,7 +15739,7 @@
               <p:cNvPr id="88" name="Freeform: Shape 87">
                 <a:extLst>
                   <a:ext uri="{FF2B5EF4-FFF2-40B4-BE49-F238E27FC236}">
-                    <a16:creationId xmlns:a16="http://schemas.microsoft.com/office/drawing/2014/main" id="{79B867CD-AA48-4FD5-9BA7-C4B208C018D8}"/>
+                    <a16:creationId xmlns:a16="http://schemas.microsoft.com/office/drawing/2014/main" xmlns="" id="{79B867CD-AA48-4FD5-9BA7-C4B208C018D8}"/>
                   </a:ext>
                 </a:extLst>
               </p:cNvPr>
@@ -15680,7 +15833,7 @@
               <p:cNvPr id="89" name="Freeform: Shape 88">
                 <a:extLst>
                   <a:ext uri="{FF2B5EF4-FFF2-40B4-BE49-F238E27FC236}">
-                    <a16:creationId xmlns:a16="http://schemas.microsoft.com/office/drawing/2014/main" id="{48C5366A-3E7F-4F0A-AA78-C8F10380561B}"/>
+                    <a16:creationId xmlns:a16="http://schemas.microsoft.com/office/drawing/2014/main" xmlns="" id="{48C5366A-3E7F-4F0A-AA78-C8F10380561B}"/>
                   </a:ext>
                 </a:extLst>
               </p:cNvPr>
@@ -15774,7 +15927,7 @@
               <p:cNvPr id="90" name="Freeform: Shape 89">
                 <a:extLst>
                   <a:ext uri="{FF2B5EF4-FFF2-40B4-BE49-F238E27FC236}">
-                    <a16:creationId xmlns:a16="http://schemas.microsoft.com/office/drawing/2014/main" id="{D22187B5-5F63-4BA1-8D4C-5416D08E9424}"/>
+                    <a16:creationId xmlns:a16="http://schemas.microsoft.com/office/drawing/2014/main" xmlns="" id="{D22187B5-5F63-4BA1-8D4C-5416D08E9424}"/>
                   </a:ext>
                 </a:extLst>
               </p:cNvPr>
@@ -15868,7 +16021,7 @@
               <p:cNvPr id="91" name="Freeform: Shape 90">
                 <a:extLst>
                   <a:ext uri="{FF2B5EF4-FFF2-40B4-BE49-F238E27FC236}">
-                    <a16:creationId xmlns:a16="http://schemas.microsoft.com/office/drawing/2014/main" id="{37D19E51-4383-476E-B0E8-4ACE66806B7A}"/>
+                    <a16:creationId xmlns:a16="http://schemas.microsoft.com/office/drawing/2014/main" xmlns="" id="{37D19E51-4383-476E-B0E8-4ACE66806B7A}"/>
                   </a:ext>
                 </a:extLst>
               </p:cNvPr>
@@ -15964,7 +16117,7 @@
           <p:cNvPr id="111" name="Group 110">
             <a:extLst>
               <a:ext uri="{FF2B5EF4-FFF2-40B4-BE49-F238E27FC236}">
-                <a16:creationId xmlns:a16="http://schemas.microsoft.com/office/drawing/2014/main" id="{EDDD5C8C-70CE-4383-B6A2-AAEEC03A74E7}"/>
+                <a16:creationId xmlns:a16="http://schemas.microsoft.com/office/drawing/2014/main" xmlns="" id="{EDDD5C8C-70CE-4383-B6A2-AAEEC03A74E7}"/>
               </a:ext>
             </a:extLst>
           </p:cNvPr>
@@ -15984,7 +16137,7 @@
             <p:cNvPr id="107" name="Freeform: Shape 106">
               <a:extLst>
                 <a:ext uri="{FF2B5EF4-FFF2-40B4-BE49-F238E27FC236}">
-                  <a16:creationId xmlns:a16="http://schemas.microsoft.com/office/drawing/2014/main" id="{679A32DE-6340-4E39-A4A7-0DAF785D22F9}"/>
+                  <a16:creationId xmlns:a16="http://schemas.microsoft.com/office/drawing/2014/main" xmlns="" id="{679A32DE-6340-4E39-A4A7-0DAF785D22F9}"/>
                 </a:ext>
               </a:extLst>
             </p:cNvPr>
@@ -16551,7 +16704,7 @@
             <p:cNvPr id="103" name="Freeform: Shape 102">
               <a:extLst>
                 <a:ext uri="{FF2B5EF4-FFF2-40B4-BE49-F238E27FC236}">
-                  <a16:creationId xmlns:a16="http://schemas.microsoft.com/office/drawing/2014/main" id="{271E0E27-515F-4EC3-B760-9F31664EDC73}"/>
+                  <a16:creationId xmlns:a16="http://schemas.microsoft.com/office/drawing/2014/main" xmlns="" id="{271E0E27-515F-4EC3-B760-9F31664EDC73}"/>
                 </a:ext>
               </a:extLst>
             </p:cNvPr>
@@ -17128,7 +17281,7 @@
             <p:cNvPr id="101" name="Freeform: Shape 100">
               <a:extLst>
                 <a:ext uri="{FF2B5EF4-FFF2-40B4-BE49-F238E27FC236}">
-                  <a16:creationId xmlns:a16="http://schemas.microsoft.com/office/drawing/2014/main" id="{4103230F-8477-4E4A-B1AA-8C6909E3DAF1}"/>
+                  <a16:creationId xmlns:a16="http://schemas.microsoft.com/office/drawing/2014/main" xmlns="" id="{4103230F-8477-4E4A-B1AA-8C6909E3DAF1}"/>
                 </a:ext>
               </a:extLst>
             </p:cNvPr>
@@ -17715,7 +17868,7 @@
             <p:cNvPr id="104" name="Freeform: Shape 103">
               <a:extLst>
                 <a:ext uri="{FF2B5EF4-FFF2-40B4-BE49-F238E27FC236}">
-                  <a16:creationId xmlns:a16="http://schemas.microsoft.com/office/drawing/2014/main" id="{3C9A7798-2576-4186-B293-8B1C16337D99}"/>
+                  <a16:creationId xmlns:a16="http://schemas.microsoft.com/office/drawing/2014/main" xmlns="" id="{3C9A7798-2576-4186-B293-8B1C16337D99}"/>
                 </a:ext>
               </a:extLst>
             </p:cNvPr>
@@ -18292,7 +18445,7 @@
             <p:cNvPr id="106" name="Freeform: Shape 105">
               <a:extLst>
                 <a:ext uri="{FF2B5EF4-FFF2-40B4-BE49-F238E27FC236}">
-                  <a16:creationId xmlns:a16="http://schemas.microsoft.com/office/drawing/2014/main" id="{465D88A4-6BC0-4490-B454-7379F72A59A3}"/>
+                  <a16:creationId xmlns:a16="http://schemas.microsoft.com/office/drawing/2014/main" xmlns="" id="{465D88A4-6BC0-4490-B454-7379F72A59A3}"/>
                 </a:ext>
               </a:extLst>
             </p:cNvPr>
@@ -18853,7 +19006,7 @@
             <p:cNvPr id="105" name="Freeform: Shape 104">
               <a:extLst>
                 <a:ext uri="{FF2B5EF4-FFF2-40B4-BE49-F238E27FC236}">
-                  <a16:creationId xmlns:a16="http://schemas.microsoft.com/office/drawing/2014/main" id="{94D1A01C-0B65-4F96-B418-397BFFA49841}"/>
+                  <a16:creationId xmlns:a16="http://schemas.microsoft.com/office/drawing/2014/main" xmlns="" id="{94D1A01C-0B65-4F96-B418-397BFFA49841}"/>
                 </a:ext>
               </a:extLst>
             </p:cNvPr>
@@ -19441,7 +19594,7 @@
           <p:cNvPr id="67" name="Freeform: Shape 66">
             <a:extLst>
               <a:ext uri="{FF2B5EF4-FFF2-40B4-BE49-F238E27FC236}">
-                <a16:creationId xmlns:a16="http://schemas.microsoft.com/office/drawing/2014/main" id="{852690DD-A464-4A27-806A-C34EAD6B09D3}"/>
+                <a16:creationId xmlns:a16="http://schemas.microsoft.com/office/drawing/2014/main" xmlns="" id="{852690DD-A464-4A27-806A-C34EAD6B09D3}"/>
               </a:ext>
             </a:extLst>
           </p:cNvPr>
@@ -19839,7 +19992,7 @@
           <p:cNvPr id="68" name="Freeform: Shape 67">
             <a:extLst>
               <a:ext uri="{FF2B5EF4-FFF2-40B4-BE49-F238E27FC236}">
-                <a16:creationId xmlns:a16="http://schemas.microsoft.com/office/drawing/2014/main" id="{E50E58B8-8744-499E-8B43-8A243C330344}"/>
+                <a16:creationId xmlns:a16="http://schemas.microsoft.com/office/drawing/2014/main" xmlns="" id="{E50E58B8-8744-499E-8B43-8A243C330344}"/>
               </a:ext>
             </a:extLst>
           </p:cNvPr>
@@ -20097,7 +20250,7 @@
           <p:cNvPr id="6" name="TextBox 5">
             <a:extLst>
               <a:ext uri="{FF2B5EF4-FFF2-40B4-BE49-F238E27FC236}">
-                <a16:creationId xmlns:a16="http://schemas.microsoft.com/office/drawing/2014/main" id="{95432821-70CD-342B-C22F-423D65670F69}"/>
+                <a16:creationId xmlns:a16="http://schemas.microsoft.com/office/drawing/2014/main" xmlns="" id="{95432821-70CD-342B-C22F-423D65670F69}"/>
               </a:ext>
             </a:extLst>
           </p:cNvPr>
@@ -20143,7 +20296,7 @@
     <a:masterClrMapping/>
   </p:clrMapOvr>
   <mc:AlternateContent xmlns:mc="http://schemas.openxmlformats.org/markup-compatibility/2006">
-    <mc:Choice xmlns:p159="http://schemas.microsoft.com/office/powerpoint/2015/09/main" Requires="p159">
+    <mc:Choice xmlns:p159="http://schemas.microsoft.com/office/powerpoint/2015/09/main" xmlns="" Requires="p159">
       <p:transition xmlns:p14="http://schemas.microsoft.com/office/powerpoint/2010/main" spd="slow" p14:dur="2000">
         <p159:morph option="byObject"/>
       </p:transition>
@@ -20176,49 +20329,10 @@
       </p:grpSpPr>
       <p:sp>
         <p:nvSpPr>
-          <p:cNvPr id="5" name="TextBox 4">
-            <a:extLst>
-              <a:ext uri="{FF2B5EF4-FFF2-40B4-BE49-F238E27FC236}">
-                <a16:creationId xmlns:a16="http://schemas.microsoft.com/office/drawing/2014/main" id="{A80AD8F3-F182-82FC-9CA1-DDEF87FE29A2}"/>
-              </a:ext>
-            </a:extLst>
-          </p:cNvPr>
-          <p:cNvSpPr txBox="1"/>
-          <p:nvPr/>
-        </p:nvSpPr>
-        <p:spPr>
-          <a:xfrm>
-            <a:off x="1816929" y="2153208"/>
-            <a:ext cx="8614053" cy="2031325"/>
-          </a:xfrm>
-          <a:prstGeom prst="rect">
-            <a:avLst/>
-          </a:prstGeom>
-          <a:noFill/>
-        </p:spPr>
-        <p:txBody>
-          <a:bodyPr wrap="square" rtlCol="0">
-            <a:spAutoFit/>
-          </a:bodyPr>
-          <a:lstStyle/>
-          <a:p>
-            <a:r>
-              <a:rPr lang="en-US" dirty="0">
-                <a:solidFill>
-                  <a:schemeClr val="bg1"/>
-                </a:solidFill>
-              </a:rPr>
-              <a:t>A blockchain is a distributed database or ledger that is shared among the nodes of a computer network. As a database, a blockchain stores information electronically in digital format. Blockchains are best known for their crucial role in cryptocurrency systems, such as Bitcoin, for maintaining a secure and decentralized record of transactions. The innovation with a blockchain is that it guarantees the fidelity and security of a record of data and generates trust without the need for a trusted third party.</a:t>
-            </a:r>
-          </a:p>
-        </p:txBody>
-      </p:sp>
-      <p:sp>
-        <p:nvSpPr>
           <p:cNvPr id="7" name="Freeform: Shape 6">
             <a:extLst>
               <a:ext uri="{FF2B5EF4-FFF2-40B4-BE49-F238E27FC236}">
-                <a16:creationId xmlns:a16="http://schemas.microsoft.com/office/drawing/2014/main" id="{563CC86B-CBFF-1B5F-5AA8-2449ADB749F2}"/>
+                <a16:creationId xmlns:a16="http://schemas.microsoft.com/office/drawing/2014/main" xmlns="" id="{563CC86B-CBFF-1B5F-5AA8-2449ADB749F2}"/>
               </a:ext>
             </a:extLst>
           </p:cNvPr>
@@ -20616,7 +20730,7 @@
           <p:cNvPr id="8" name="Freeform: Shape 7">
             <a:extLst>
               <a:ext uri="{FF2B5EF4-FFF2-40B4-BE49-F238E27FC236}">
-                <a16:creationId xmlns:a16="http://schemas.microsoft.com/office/drawing/2014/main" id="{101DC912-4B08-C77E-A755-331763274C5D}"/>
+                <a16:creationId xmlns:a16="http://schemas.microsoft.com/office/drawing/2014/main" xmlns="" id="{101DC912-4B08-C77E-A755-331763274C5D}"/>
               </a:ext>
             </a:extLst>
           </p:cNvPr>
@@ -20869,6 +20983,424 @@
           </a:p>
         </p:txBody>
       </p:sp>
+      <p:sp>
+        <p:nvSpPr>
+          <p:cNvPr id="2" name="Rectangle 1"/>
+          <p:cNvSpPr/>
+          <p:nvPr/>
+        </p:nvSpPr>
+        <p:spPr>
+          <a:xfrm>
+            <a:off x="8025835" y="2785740"/>
+            <a:ext cx="3788076" cy="523220"/>
+          </a:xfrm>
+          <a:prstGeom prst="rect">
+            <a:avLst/>
+          </a:prstGeom>
+          <a:noFill/>
+        </p:spPr>
+        <p:txBody>
+          <a:bodyPr wrap="square" lIns="91440" tIns="45720" rIns="91440" bIns="45720">
+            <a:spAutoFit/>
+          </a:bodyPr>
+          <a:lstStyle/>
+          <a:p>
+            <a:pPr algn="ctr"/>
+            <a:r>
+              <a:rPr lang="en-US" sz="2800" b="0" cap="none" spc="0" dirty="0" smtClean="0">
+                <a:ln w="0"/>
+                <a:solidFill>
+                  <a:schemeClr val="accent3">
+                    <a:lumMod val="60000"/>
+                    <a:lumOff val="40000"/>
+                  </a:schemeClr>
+                </a:solidFill>
+                <a:effectLst>
+                  <a:outerShdw blurRad="38100" dist="19050" dir="2700000" algn="tl" rotWithShape="0">
+                    <a:schemeClr val="dk1">
+                      <a:alpha val="40000"/>
+                    </a:schemeClr>
+                  </a:outerShdw>
+                </a:effectLst>
+              </a:rPr>
+              <a:t>Database or ledger</a:t>
+            </a:r>
+            <a:endParaRPr lang="en-US" sz="2800" b="0" cap="none" spc="0" dirty="0">
+              <a:ln w="0"/>
+              <a:solidFill>
+                <a:schemeClr val="accent3">
+                  <a:lumMod val="60000"/>
+                  <a:lumOff val="40000"/>
+                </a:schemeClr>
+              </a:solidFill>
+              <a:effectLst>
+                <a:outerShdw blurRad="38100" dist="19050" dir="2700000" algn="tl" rotWithShape="0">
+                  <a:schemeClr val="dk1">
+                    <a:alpha val="40000"/>
+                  </a:schemeClr>
+                </a:outerShdw>
+              </a:effectLst>
+            </a:endParaRPr>
+          </a:p>
+        </p:txBody>
+      </p:sp>
+      <p:sp>
+        <p:nvSpPr>
+          <p:cNvPr id="6" name="Rectangle 5"/>
+          <p:cNvSpPr/>
+          <p:nvPr/>
+        </p:nvSpPr>
+        <p:spPr>
+          <a:xfrm>
+            <a:off x="2062040" y="4853733"/>
+            <a:ext cx="3788076" cy="954107"/>
+          </a:xfrm>
+          <a:prstGeom prst="rect">
+            <a:avLst/>
+          </a:prstGeom>
+          <a:noFill/>
+        </p:spPr>
+        <p:txBody>
+          <a:bodyPr wrap="square" lIns="91440" tIns="45720" rIns="91440" bIns="45720">
+            <a:spAutoFit/>
+          </a:bodyPr>
+          <a:lstStyle/>
+          <a:p>
+            <a:pPr algn="ctr"/>
+            <a:r>
+              <a:rPr lang="en-US" sz="2800" b="0" cap="none" spc="0" dirty="0" smtClean="0">
+                <a:ln w="0"/>
+                <a:solidFill>
+                  <a:schemeClr val="accent3">
+                    <a:lumMod val="60000"/>
+                    <a:lumOff val="40000"/>
+                  </a:schemeClr>
+                </a:solidFill>
+                <a:effectLst>
+                  <a:outerShdw blurRad="38100" dist="19050" dir="2700000" algn="tl" rotWithShape="0">
+                    <a:schemeClr val="dk1">
+                      <a:alpha val="40000"/>
+                    </a:schemeClr>
+                  </a:outerShdw>
+                </a:effectLst>
+              </a:rPr>
+              <a:t>Storing information in digital format</a:t>
+            </a:r>
+            <a:endParaRPr lang="en-US" sz="2800" b="0" cap="none" spc="0" dirty="0">
+              <a:ln w="0"/>
+              <a:solidFill>
+                <a:schemeClr val="accent3">
+                  <a:lumMod val="60000"/>
+                  <a:lumOff val="40000"/>
+                </a:schemeClr>
+              </a:solidFill>
+              <a:effectLst>
+                <a:outerShdw blurRad="38100" dist="19050" dir="2700000" algn="tl" rotWithShape="0">
+                  <a:schemeClr val="dk1">
+                    <a:alpha val="40000"/>
+                  </a:schemeClr>
+                </a:outerShdw>
+              </a:effectLst>
+            </a:endParaRPr>
+          </a:p>
+        </p:txBody>
+      </p:sp>
+      <p:sp>
+        <p:nvSpPr>
+          <p:cNvPr id="9" name="Rectangle 8"/>
+          <p:cNvSpPr/>
+          <p:nvPr/>
+        </p:nvSpPr>
+        <p:spPr>
+          <a:xfrm>
+            <a:off x="6105839" y="4861598"/>
+            <a:ext cx="4590574" cy="954107"/>
+          </a:xfrm>
+          <a:prstGeom prst="rect">
+            <a:avLst/>
+          </a:prstGeom>
+          <a:noFill/>
+        </p:spPr>
+        <p:txBody>
+          <a:bodyPr wrap="square" lIns="91440" tIns="45720" rIns="91440" bIns="45720">
+            <a:spAutoFit/>
+          </a:bodyPr>
+          <a:lstStyle/>
+          <a:p>
+            <a:pPr algn="ctr"/>
+            <a:r>
+              <a:rPr lang="en-US" sz="2800" dirty="0" smtClean="0">
+                <a:ln w="0"/>
+                <a:solidFill>
+                  <a:schemeClr val="accent3">
+                    <a:lumMod val="60000"/>
+                    <a:lumOff val="40000"/>
+                  </a:schemeClr>
+                </a:solidFill>
+                <a:effectLst>
+                  <a:outerShdw blurRad="38100" dist="19050" dir="2700000" algn="tl" rotWithShape="0">
+                    <a:schemeClr val="dk1">
+                      <a:alpha val="40000"/>
+                    </a:schemeClr>
+                  </a:outerShdw>
+                </a:effectLst>
+              </a:rPr>
+              <a:t>Secure </a:t>
+            </a:r>
+            <a:r>
+              <a:rPr lang="en-US" sz="2800" dirty="0">
+                <a:ln w="0"/>
+                <a:solidFill>
+                  <a:schemeClr val="accent3">
+                    <a:lumMod val="60000"/>
+                    <a:lumOff val="40000"/>
+                  </a:schemeClr>
+                </a:solidFill>
+                <a:effectLst>
+                  <a:outerShdw blurRad="38100" dist="19050" dir="2700000" algn="tl" rotWithShape="0">
+                    <a:schemeClr val="dk1">
+                      <a:alpha val="40000"/>
+                    </a:schemeClr>
+                  </a:outerShdw>
+                </a:effectLst>
+              </a:rPr>
+              <a:t>and decentralized record of transactions</a:t>
+            </a:r>
+            <a:endParaRPr lang="en-US" sz="2800" b="0" cap="none" spc="0" dirty="0">
+              <a:ln w="0"/>
+              <a:solidFill>
+                <a:schemeClr val="accent3">
+                  <a:lumMod val="60000"/>
+                  <a:lumOff val="40000"/>
+                </a:schemeClr>
+              </a:solidFill>
+              <a:effectLst>
+                <a:outerShdw blurRad="38100" dist="19050" dir="2700000" algn="tl" rotWithShape="0">
+                  <a:schemeClr val="dk1">
+                    <a:alpha val="40000"/>
+                  </a:schemeClr>
+                </a:outerShdw>
+              </a:effectLst>
+            </a:endParaRPr>
+          </a:p>
+        </p:txBody>
+      </p:sp>
+      <p:sp>
+        <p:nvSpPr>
+          <p:cNvPr id="10" name="Rectangle 9"/>
+          <p:cNvSpPr/>
+          <p:nvPr/>
+        </p:nvSpPr>
+        <p:spPr>
+          <a:xfrm>
+            <a:off x="0" y="2785740"/>
+            <a:ext cx="4586542" cy="523220"/>
+          </a:xfrm>
+          <a:prstGeom prst="rect">
+            <a:avLst/>
+          </a:prstGeom>
+          <a:noFill/>
+        </p:spPr>
+        <p:txBody>
+          <a:bodyPr wrap="square" lIns="91440" tIns="45720" rIns="91440" bIns="45720">
+            <a:spAutoFit/>
+          </a:bodyPr>
+          <a:lstStyle/>
+          <a:p>
+            <a:pPr algn="ctr"/>
+            <a:r>
+              <a:rPr lang="en-US" sz="2800" dirty="0" smtClean="0">
+                <a:solidFill>
+                  <a:schemeClr val="accent3">
+                    <a:lumMod val="60000"/>
+                    <a:lumOff val="40000"/>
+                  </a:schemeClr>
+                </a:solidFill>
+              </a:rPr>
+              <a:t>The </a:t>
+            </a:r>
+            <a:r>
+              <a:rPr lang="en-US" sz="2800" dirty="0">
+                <a:solidFill>
+                  <a:schemeClr val="accent3">
+                    <a:lumMod val="60000"/>
+                    <a:lumOff val="40000"/>
+                  </a:schemeClr>
+                </a:solidFill>
+              </a:rPr>
+              <a:t>fidelity and security</a:t>
+            </a:r>
+            <a:endParaRPr lang="en-US" sz="2800" b="0" cap="none" spc="0" dirty="0">
+              <a:ln w="0"/>
+              <a:solidFill>
+                <a:schemeClr val="accent3">
+                  <a:lumMod val="60000"/>
+                  <a:lumOff val="40000"/>
+                </a:schemeClr>
+              </a:solidFill>
+              <a:effectLst>
+                <a:outerShdw blurRad="38100" dist="19050" dir="2700000" algn="tl" rotWithShape="0">
+                  <a:schemeClr val="dk1">
+                    <a:alpha val="40000"/>
+                  </a:schemeClr>
+                </a:outerShdw>
+              </a:effectLst>
+            </a:endParaRPr>
+          </a:p>
+        </p:txBody>
+      </p:sp>
+      <p:cxnSp>
+        <p:nvCxnSpPr>
+          <p:cNvPr id="4" name="Straight Connector 3"/>
+          <p:cNvCxnSpPr/>
+          <p:nvPr/>
+        </p:nvCxnSpPr>
+        <p:spPr>
+          <a:xfrm flipH="1">
+            <a:off x="1882088" y="1494160"/>
+            <a:ext cx="2534929" cy="1132803"/>
+          </a:xfrm>
+          <a:prstGeom prst="line">
+            <a:avLst/>
+          </a:prstGeom>
+          <a:ln>
+            <a:solidFill>
+              <a:schemeClr val="accent6">
+                <a:lumMod val="20000"/>
+                <a:lumOff val="80000"/>
+              </a:schemeClr>
+            </a:solidFill>
+          </a:ln>
+        </p:spPr>
+        <p:style>
+          <a:lnRef idx="1">
+            <a:schemeClr val="accent1"/>
+          </a:lnRef>
+          <a:fillRef idx="0">
+            <a:schemeClr val="accent1"/>
+          </a:fillRef>
+          <a:effectRef idx="0">
+            <a:schemeClr val="accent1"/>
+          </a:effectRef>
+          <a:fontRef idx="minor">
+            <a:schemeClr val="tx1"/>
+          </a:fontRef>
+        </p:style>
+      </p:cxnSp>
+      <p:cxnSp>
+        <p:nvCxnSpPr>
+          <p:cNvPr id="12" name="Straight Connector 11"/>
+          <p:cNvCxnSpPr/>
+          <p:nvPr/>
+        </p:nvCxnSpPr>
+        <p:spPr>
+          <a:xfrm flipH="1">
+            <a:off x="4200041" y="1828800"/>
+            <a:ext cx="669234" cy="2882685"/>
+          </a:xfrm>
+          <a:prstGeom prst="line">
+            <a:avLst/>
+          </a:prstGeom>
+          <a:ln>
+            <a:solidFill>
+              <a:schemeClr val="accent6">
+                <a:lumMod val="20000"/>
+                <a:lumOff val="80000"/>
+              </a:schemeClr>
+            </a:solidFill>
+          </a:ln>
+        </p:spPr>
+        <p:style>
+          <a:lnRef idx="1">
+            <a:schemeClr val="accent1"/>
+          </a:lnRef>
+          <a:fillRef idx="0">
+            <a:schemeClr val="accent1"/>
+          </a:fillRef>
+          <a:effectRef idx="0">
+            <a:schemeClr val="accent1"/>
+          </a:effectRef>
+          <a:fontRef idx="minor">
+            <a:schemeClr val="tx1"/>
+          </a:fontRef>
+        </p:style>
+      </p:cxnSp>
+      <p:cxnSp>
+        <p:nvCxnSpPr>
+          <p:cNvPr id="15" name="Straight Connector 14"/>
+          <p:cNvCxnSpPr/>
+          <p:nvPr/>
+        </p:nvCxnSpPr>
+        <p:spPr>
+          <a:xfrm>
+            <a:off x="7067227" y="1774556"/>
+            <a:ext cx="759417" cy="2991173"/>
+          </a:xfrm>
+          <a:prstGeom prst="line">
+            <a:avLst/>
+          </a:prstGeom>
+          <a:ln>
+            <a:solidFill>
+              <a:schemeClr val="accent6">
+                <a:lumMod val="20000"/>
+                <a:lumOff val="80000"/>
+              </a:schemeClr>
+            </a:solidFill>
+          </a:ln>
+        </p:spPr>
+        <p:style>
+          <a:lnRef idx="1">
+            <a:schemeClr val="accent1"/>
+          </a:lnRef>
+          <a:fillRef idx="0">
+            <a:schemeClr val="accent1"/>
+          </a:fillRef>
+          <a:effectRef idx="0">
+            <a:schemeClr val="accent1"/>
+          </a:effectRef>
+          <a:fontRef idx="minor">
+            <a:schemeClr val="tx1"/>
+          </a:fontRef>
+        </p:style>
+      </p:cxnSp>
+      <p:cxnSp>
+        <p:nvCxnSpPr>
+          <p:cNvPr id="18" name="Straight Connector 17"/>
+          <p:cNvCxnSpPr/>
+          <p:nvPr/>
+        </p:nvCxnSpPr>
+        <p:spPr>
+          <a:xfrm>
+            <a:off x="7632915" y="1494160"/>
+            <a:ext cx="1836549" cy="1220133"/>
+          </a:xfrm>
+          <a:prstGeom prst="line">
+            <a:avLst/>
+          </a:prstGeom>
+          <a:ln>
+            <a:solidFill>
+              <a:schemeClr val="accent6">
+                <a:lumMod val="20000"/>
+                <a:lumOff val="80000"/>
+              </a:schemeClr>
+            </a:solidFill>
+          </a:ln>
+        </p:spPr>
+        <p:style>
+          <a:lnRef idx="1">
+            <a:schemeClr val="accent1"/>
+          </a:lnRef>
+          <a:fillRef idx="0">
+            <a:schemeClr val="accent1"/>
+          </a:fillRef>
+          <a:effectRef idx="0">
+            <a:schemeClr val="accent1"/>
+          </a:effectRef>
+          <a:fontRef idx="minor">
+            <a:schemeClr val="tx1"/>
+          </a:fontRef>
+        </p:style>
+      </p:cxnSp>
     </p:spTree>
     <p:extLst>
       <p:ext uri="{BB962C8B-B14F-4D97-AF65-F5344CB8AC3E}">
@@ -20880,7 +21412,7 @@
     <a:masterClrMapping/>
   </p:clrMapOvr>
   <mc:AlternateContent xmlns:mc="http://schemas.openxmlformats.org/markup-compatibility/2006">
-    <mc:Choice xmlns:p159="http://schemas.microsoft.com/office/powerpoint/2015/09/main" Requires="p159">
+    <mc:Choice xmlns:p159="http://schemas.microsoft.com/office/powerpoint/2015/09/main" xmlns="" Requires="p159">
       <p:transition xmlns:p14="http://schemas.microsoft.com/office/powerpoint/2010/main" spd="slow" p14:dur="2000">
         <p159:morph option="byObject"/>
       </p:transition>
@@ -20916,7 +21448,7 @@
           <p:cNvPr id="9" name="TextBox 8">
             <a:extLst>
               <a:ext uri="{FF2B5EF4-FFF2-40B4-BE49-F238E27FC236}">
-                <a16:creationId xmlns:a16="http://schemas.microsoft.com/office/drawing/2014/main" id="{983567B3-39AB-B9C5-C8EB-B559B91E7DE9}"/>
+                <a16:creationId xmlns:a16="http://schemas.microsoft.com/office/drawing/2014/main" xmlns="" id="{983567B3-39AB-B9C5-C8EB-B559B91E7DE9}"/>
               </a:ext>
             </a:extLst>
           </p:cNvPr>
@@ -20925,8 +21457,8 @@
         </p:nvSpPr>
         <p:spPr>
           <a:xfrm>
-            <a:off x="1014107" y="1951672"/>
-            <a:ext cx="10532624" cy="1477328"/>
+            <a:off x="1620350" y="2398348"/>
+            <a:ext cx="3978930" cy="923330"/>
           </a:xfrm>
           <a:prstGeom prst="rect">
             <a:avLst/>
@@ -20940,13 +21472,34 @@
           <a:lstStyle/>
           <a:p>
             <a:r>
+              <a:rPr lang="en-US" dirty="0" smtClean="0">
+                <a:solidFill>
+                  <a:schemeClr val="bg1"/>
+                </a:solidFill>
+              </a:rPr>
+              <a:t>A </a:t>
+            </a:r>
+            <a:r>
               <a:rPr lang="en-US" dirty="0">
                 <a:solidFill>
                   <a:schemeClr val="bg1"/>
                 </a:solidFill>
               </a:rPr>
-              <a:t>One key difference between a typical database and a blockchain is how the data is structured. A blockchain collects information together in groups, known as blocks, that hold sets of information. Blocks have certain storage capacities and, when filled, are closed and linked to the previously filled block, forming a chain of data known as the blockchain. All new information that follows that freshly added block is compiled into a newly formed block that will then also be added to the chain once filled.</a:t>
+              <a:t>blockchain collects information together in groups, known as blocks, that hold sets of information</a:t>
             </a:r>
+            <a:r>
+              <a:rPr lang="en-US" dirty="0" smtClean="0">
+                <a:solidFill>
+                  <a:schemeClr val="bg1"/>
+                </a:solidFill>
+              </a:rPr>
+              <a:t>.</a:t>
+            </a:r>
+            <a:endParaRPr lang="en-US" dirty="0">
+              <a:solidFill>
+                <a:schemeClr val="bg1"/>
+              </a:solidFill>
+            </a:endParaRPr>
           </a:p>
         </p:txBody>
       </p:sp>
@@ -20955,7 +21508,7 @@
           <p:cNvPr id="10" name="Freeform: Shape 9">
             <a:extLst>
               <a:ext uri="{FF2B5EF4-FFF2-40B4-BE49-F238E27FC236}">
-                <a16:creationId xmlns:a16="http://schemas.microsoft.com/office/drawing/2014/main" id="{60335FE1-577F-88A3-B480-2F998732D50E}"/>
+                <a16:creationId xmlns:a16="http://schemas.microsoft.com/office/drawing/2014/main" xmlns="" id="{60335FE1-577F-88A3-B480-2F998732D50E}"/>
               </a:ext>
             </a:extLst>
           </p:cNvPr>
@@ -21353,7 +21906,7 @@
           <p:cNvPr id="11" name="Freeform: Shape 10">
             <a:extLst>
               <a:ext uri="{FF2B5EF4-FFF2-40B4-BE49-F238E27FC236}">
-                <a16:creationId xmlns:a16="http://schemas.microsoft.com/office/drawing/2014/main" id="{2BF46B56-5C50-9D4E-A7CC-9C36744892AD}"/>
+                <a16:creationId xmlns:a16="http://schemas.microsoft.com/office/drawing/2014/main" xmlns="" id="{2BF46B56-5C50-9D4E-A7CC-9C36744892AD}"/>
               </a:ext>
             </a:extLst>
           </p:cNvPr>
@@ -21606,6 +22159,66 @@
           </a:p>
         </p:txBody>
       </p:sp>
+      <p:sp>
+        <p:nvSpPr>
+          <p:cNvPr id="5" name="TextBox 4">
+            <a:extLst>
+              <a:ext uri="{FF2B5EF4-FFF2-40B4-BE49-F238E27FC236}">
+                <a16:creationId xmlns:a16="http://schemas.microsoft.com/office/drawing/2014/main" xmlns="" id="{983567B3-39AB-B9C5-C8EB-B559B91E7DE9}"/>
+              </a:ext>
+            </a:extLst>
+          </p:cNvPr>
+          <p:cNvSpPr txBox="1"/>
+          <p:nvPr/>
+        </p:nvSpPr>
+        <p:spPr>
+          <a:xfrm>
+            <a:off x="5451791" y="4479059"/>
+            <a:ext cx="4095167" cy="923330"/>
+          </a:xfrm>
+          <a:prstGeom prst="rect">
+            <a:avLst/>
+          </a:prstGeom>
+          <a:noFill/>
+        </p:spPr>
+        <p:txBody>
+          <a:bodyPr wrap="square">
+            <a:spAutoFit/>
+          </a:bodyPr>
+          <a:lstStyle/>
+          <a:p>
+            <a:r>
+              <a:rPr lang="en-US" dirty="0" smtClean="0">
+                <a:solidFill>
+                  <a:schemeClr val="bg1"/>
+                </a:solidFill>
+              </a:rPr>
+              <a:t>Blocks </a:t>
+            </a:r>
+            <a:r>
+              <a:rPr lang="en-US" dirty="0">
+                <a:solidFill>
+                  <a:schemeClr val="bg1"/>
+                </a:solidFill>
+              </a:rPr>
+              <a:t>have certain storage capacities and, when filled, are closed and linked to the previously filled </a:t>
+            </a:r>
+            <a:r>
+              <a:rPr lang="en-US" dirty="0" smtClean="0">
+                <a:solidFill>
+                  <a:schemeClr val="bg1"/>
+                </a:solidFill>
+              </a:rPr>
+              <a:t>block.</a:t>
+            </a:r>
+            <a:endParaRPr lang="en-US" dirty="0">
+              <a:solidFill>
+                <a:schemeClr val="bg1"/>
+              </a:solidFill>
+            </a:endParaRPr>
+          </a:p>
+        </p:txBody>
+      </p:sp>
     </p:spTree>
     <p:extLst>
       <p:ext uri="{BB962C8B-B14F-4D97-AF65-F5344CB8AC3E}">
@@ -21617,7 +22230,7 @@
     <a:masterClrMapping/>
   </p:clrMapOvr>
   <mc:AlternateContent xmlns:mc="http://schemas.openxmlformats.org/markup-compatibility/2006">
-    <mc:Choice xmlns:p159="http://schemas.microsoft.com/office/powerpoint/2015/09/main" Requires="p159">
+    <mc:Choice xmlns:p159="http://schemas.microsoft.com/office/powerpoint/2015/09/main" xmlns="" Requires="p159">
       <p:transition xmlns:p14="http://schemas.microsoft.com/office/powerpoint/2010/main" spd="slow" p14:dur="2000">
         <p159:morph option="byObject"/>
       </p:transition>
@@ -21653,7 +22266,7 @@
           <p:cNvPr id="8" name="TextBox 7">
             <a:extLst>
               <a:ext uri="{FF2B5EF4-FFF2-40B4-BE49-F238E27FC236}">
-                <a16:creationId xmlns:a16="http://schemas.microsoft.com/office/drawing/2014/main" id="{1CEC894F-CE10-792D-0914-F28E9BABF2CA}"/>
+                <a16:creationId xmlns:a16="http://schemas.microsoft.com/office/drawing/2014/main" xmlns="" id="{1CEC894F-CE10-792D-0914-F28E9BABF2CA}"/>
               </a:ext>
             </a:extLst>
           </p:cNvPr>
@@ -21662,8 +22275,8 @@
         </p:nvSpPr>
         <p:spPr>
           <a:xfrm>
-            <a:off x="1014107" y="1951672"/>
-            <a:ext cx="10532624" cy="1200329"/>
+            <a:off x="1448060" y="2060161"/>
+            <a:ext cx="6409581" cy="923330"/>
           </a:xfrm>
           <a:prstGeom prst="rect">
             <a:avLst/>
@@ -21685,8 +22298,25 @@
                 <a:effectLst/>
                 <a:latin typeface="SourceSansPro"/>
               </a:rPr>
-              <a:t>A database usually structures its data into tables, whereas a blockchain, as its name implies, structures its data into chunks (blocks) that are strung together. This data structure inherently makes an irreversible timeline of data when implemented in a decentralized nature. When a block is filled, it is set in stone and becomes a part of this timeline. Each block in the chain is given an exact timestamp when it is added to the chain.</a:t>
+              <a:t>A database usually structures its data into tables, whereas a blockchain, as its name implies, structures its data into chunks (blocks) that are strung together</a:t>
             </a:r>
+            <a:r>
+              <a:rPr lang="en-US" b="0" i="0" dirty="0" smtClean="0">
+                <a:solidFill>
+                  <a:schemeClr val="bg1"/>
+                </a:solidFill>
+                <a:effectLst/>
+                <a:latin typeface="SourceSansPro"/>
+              </a:rPr>
+              <a:t>.</a:t>
+            </a:r>
+            <a:endParaRPr lang="en-US" b="0" i="0" dirty="0">
+              <a:solidFill>
+                <a:schemeClr val="bg1"/>
+              </a:solidFill>
+              <a:effectLst/>
+              <a:latin typeface="SourceSansPro"/>
+            </a:endParaRPr>
           </a:p>
         </p:txBody>
       </p:sp>
@@ -21695,7 +22325,7 @@
           <p:cNvPr id="9" name="Freeform: Shape 8">
             <a:extLst>
               <a:ext uri="{FF2B5EF4-FFF2-40B4-BE49-F238E27FC236}">
-                <a16:creationId xmlns:a16="http://schemas.microsoft.com/office/drawing/2014/main" id="{66999CF8-BF6B-D62A-D03F-55DAC1AFBDBE}"/>
+                <a16:creationId xmlns:a16="http://schemas.microsoft.com/office/drawing/2014/main" xmlns="" id="{66999CF8-BF6B-D62A-D03F-55DAC1AFBDBE}"/>
               </a:ext>
             </a:extLst>
           </p:cNvPr>
@@ -22093,7 +22723,7 @@
           <p:cNvPr id="10" name="Freeform: Shape 9">
             <a:extLst>
               <a:ext uri="{FF2B5EF4-FFF2-40B4-BE49-F238E27FC236}">
-                <a16:creationId xmlns:a16="http://schemas.microsoft.com/office/drawing/2014/main" id="{620E5735-1397-A2AE-A8F0-A919ACEEC251}"/>
+                <a16:creationId xmlns:a16="http://schemas.microsoft.com/office/drawing/2014/main" xmlns="" id="{620E5735-1397-A2AE-A8F0-A919ACEEC251}"/>
               </a:ext>
             </a:extLst>
           </p:cNvPr>
@@ -22346,6 +22976,117 @@
           </a:p>
         </p:txBody>
       </p:sp>
+      <p:sp>
+        <p:nvSpPr>
+          <p:cNvPr id="5" name="TextBox 4">
+            <a:extLst>
+              <a:ext uri="{FF2B5EF4-FFF2-40B4-BE49-F238E27FC236}">
+                <a16:creationId xmlns:a16="http://schemas.microsoft.com/office/drawing/2014/main" xmlns="" id="{1CEC894F-CE10-792D-0914-F28E9BABF2CA}"/>
+              </a:ext>
+            </a:extLst>
+          </p:cNvPr>
+          <p:cNvSpPr txBox="1"/>
+          <p:nvPr/>
+        </p:nvSpPr>
+        <p:spPr>
+          <a:xfrm>
+            <a:off x="6843573" y="3487384"/>
+            <a:ext cx="4115832" cy="646331"/>
+          </a:xfrm>
+          <a:prstGeom prst="rect">
+            <a:avLst/>
+          </a:prstGeom>
+          <a:noFill/>
+        </p:spPr>
+        <p:txBody>
+          <a:bodyPr wrap="square">
+            <a:spAutoFit/>
+          </a:bodyPr>
+          <a:lstStyle/>
+          <a:p>
+            <a:pPr algn="l"/>
+            <a:r>
+              <a:rPr lang="en-US" b="0" i="0" dirty="0" smtClean="0">
+                <a:solidFill>
+                  <a:schemeClr val="bg1"/>
+                </a:solidFill>
+                <a:effectLst/>
+                <a:latin typeface="SourceSansPro"/>
+              </a:rPr>
+              <a:t>When </a:t>
+            </a:r>
+            <a:r>
+              <a:rPr lang="en-US" b="0" i="0" dirty="0">
+                <a:solidFill>
+                  <a:schemeClr val="bg1"/>
+                </a:solidFill>
+                <a:effectLst/>
+                <a:latin typeface="SourceSansPro"/>
+              </a:rPr>
+              <a:t>a block is filled, it is set in stone and becomes a part of this timeline. </a:t>
+            </a:r>
+            <a:endParaRPr lang="en-US" b="0" i="0" dirty="0" smtClean="0">
+              <a:solidFill>
+                <a:schemeClr val="bg1"/>
+              </a:solidFill>
+              <a:effectLst/>
+              <a:latin typeface="SourceSansPro"/>
+            </a:endParaRPr>
+          </a:p>
+        </p:txBody>
+      </p:sp>
+      <p:sp>
+        <p:nvSpPr>
+          <p:cNvPr id="6" name="TextBox 5">
+            <a:extLst>
+              <a:ext uri="{FF2B5EF4-FFF2-40B4-BE49-F238E27FC236}">
+                <a16:creationId xmlns:a16="http://schemas.microsoft.com/office/drawing/2014/main" xmlns="" id="{1CEC894F-CE10-792D-0914-F28E9BABF2CA}"/>
+              </a:ext>
+            </a:extLst>
+          </p:cNvPr>
+          <p:cNvSpPr txBox="1"/>
+          <p:nvPr/>
+        </p:nvSpPr>
+        <p:spPr>
+          <a:xfrm>
+            <a:off x="2622174" y="4619963"/>
+            <a:ext cx="4061352" cy="923330"/>
+          </a:xfrm>
+          <a:prstGeom prst="rect">
+            <a:avLst/>
+          </a:prstGeom>
+          <a:noFill/>
+        </p:spPr>
+        <p:txBody>
+          <a:bodyPr wrap="square">
+            <a:spAutoFit/>
+          </a:bodyPr>
+          <a:lstStyle/>
+          <a:p>
+            <a:pPr algn="l"/>
+            <a:r>
+              <a:rPr lang="en-US" b="0" i="0" dirty="0" smtClean="0">
+                <a:solidFill>
+                  <a:schemeClr val="bg1"/>
+                </a:solidFill>
+                <a:effectLst/>
+                <a:latin typeface="SourceSansPro"/>
+              </a:rPr>
+              <a:t>Each </a:t>
+            </a:r>
+            <a:r>
+              <a:rPr lang="en-US" b="0" i="0" dirty="0">
+                <a:solidFill>
+                  <a:schemeClr val="bg1"/>
+                </a:solidFill>
+                <a:effectLst/>
+                <a:latin typeface="SourceSansPro"/>
+              </a:rPr>
+              <a:t>block in the chain is given an exact timestamp when it is added to the chain.</a:t>
+            </a:r>
+          </a:p>
+        </p:txBody>
+      </p:sp>
     </p:spTree>
     <p:extLst>
       <p:ext uri="{BB962C8B-B14F-4D97-AF65-F5344CB8AC3E}">
@@ -22357,7 +23098,7 @@
     <a:masterClrMapping/>
   </p:clrMapOvr>
   <mc:AlternateContent xmlns:mc="http://schemas.openxmlformats.org/markup-compatibility/2006">
-    <mc:Choice xmlns:p159="http://schemas.microsoft.com/office/powerpoint/2015/09/main" Requires="p159">
+    <mc:Choice xmlns:p159="http://schemas.microsoft.com/office/powerpoint/2015/09/main" xmlns="" Requires="p159">
       <p:transition xmlns:p14="http://schemas.microsoft.com/office/powerpoint/2010/main" spd="slow" p14:dur="2000">
         <p159:morph option="byObject"/>
       </p:transition>
@@ -22393,7 +23134,7 @@
           <p:cNvPr id="1026" name="Picture 2" descr="Non Fungible Tokens NFT icon PNG and SVG Vector Free Download">
             <a:extLst>
               <a:ext uri="{FF2B5EF4-FFF2-40B4-BE49-F238E27FC236}">
-                <a16:creationId xmlns:a16="http://schemas.microsoft.com/office/drawing/2014/main" id="{FF43DFE0-A59D-02E2-BBAD-3AC698AB24AD}"/>
+                <a16:creationId xmlns:a16="http://schemas.microsoft.com/office/drawing/2014/main" xmlns="" id="{FF43DFE0-A59D-02E2-BBAD-3AC698AB24AD}"/>
               </a:ext>
             </a:extLst>
           </p:cNvPr>
@@ -22440,7 +23181,7 @@
           <p:cNvPr id="23" name="TextBox 22">
             <a:extLst>
               <a:ext uri="{FF2B5EF4-FFF2-40B4-BE49-F238E27FC236}">
-                <a16:creationId xmlns:a16="http://schemas.microsoft.com/office/drawing/2014/main" id="{3670DB8E-F9F6-9F06-05ED-765CC0E43F61}"/>
+                <a16:creationId xmlns:a16="http://schemas.microsoft.com/office/drawing/2014/main" xmlns="" id="{3670DB8E-F9F6-9F06-05ED-765CC0E43F61}"/>
               </a:ext>
             </a:extLst>
           </p:cNvPr>
@@ -22486,7 +23227,7 @@
     <a:masterClrMapping/>
   </p:clrMapOvr>
   <mc:AlternateContent xmlns:mc="http://schemas.openxmlformats.org/markup-compatibility/2006">
-    <mc:Choice xmlns:p159="http://schemas.microsoft.com/office/powerpoint/2015/09/main" Requires="p159">
+    <mc:Choice xmlns:p159="http://schemas.microsoft.com/office/powerpoint/2015/09/main" xmlns="" Requires="p159">
       <p:transition xmlns:p14="http://schemas.microsoft.com/office/powerpoint/2010/main" spd="slow" p14:dur="2000">
         <p159:morph option="byObject"/>
       </p:transition>
@@ -22522,7 +23263,7 @@
           <p:cNvPr id="6" name="TextBox 5">
             <a:extLst>
               <a:ext uri="{FF2B5EF4-FFF2-40B4-BE49-F238E27FC236}">
-                <a16:creationId xmlns:a16="http://schemas.microsoft.com/office/drawing/2014/main" id="{4EC9C123-85CC-F5D0-7505-4B7E42536DC0}"/>
+                <a16:creationId xmlns:a16="http://schemas.microsoft.com/office/drawing/2014/main" xmlns="" id="{4EC9C123-85CC-F5D0-7505-4B7E42536DC0}"/>
               </a:ext>
             </a:extLst>
           </p:cNvPr>
@@ -22570,7 +23311,7 @@
           <p:cNvPr id="9" name="TextBox 8">
             <a:extLst>
               <a:ext uri="{FF2B5EF4-FFF2-40B4-BE49-F238E27FC236}">
-                <a16:creationId xmlns:a16="http://schemas.microsoft.com/office/drawing/2014/main" id="{E288542A-114B-F450-A46C-42E8998A4828}"/>
+                <a16:creationId xmlns:a16="http://schemas.microsoft.com/office/drawing/2014/main" xmlns="" id="{E288542A-114B-F450-A46C-42E8998A4828}"/>
               </a:ext>
             </a:extLst>
           </p:cNvPr>
@@ -22579,8 +23320,8 @@
         </p:nvSpPr>
         <p:spPr>
           <a:xfrm>
-            <a:off x="4645767" y="2774109"/>
-            <a:ext cx="7546233" cy="1309782"/>
+            <a:off x="5939877" y="2869536"/>
+            <a:ext cx="4831446" cy="1953612"/>
           </a:xfrm>
           <a:prstGeom prst="rect">
             <a:avLst/>
@@ -22593,6 +23334,51 @@
           </a:bodyPr>
           <a:lstStyle/>
           <a:p>
+            <a:pPr marL="285750" marR="441325" lvl="0" indent="-285750" algn="just">
+              <a:lnSpc>
+                <a:spcPct val="112000"/>
+              </a:lnSpc>
+              <a:spcBef>
+                <a:spcPts val="0"/>
+              </a:spcBef>
+              <a:spcAft>
+                <a:spcPts val="25"/>
+              </a:spcAft>
+              <a:buFontTx/>
+              <a:buChar char="-"/>
+            </a:pPr>
+            <a:r>
+              <a:rPr lang="en-US" sz="1800" dirty="0" smtClean="0">
+                <a:solidFill>
+                  <a:schemeClr val="bg1"/>
+                </a:solidFill>
+                <a:effectLst/>
+                <a:latin typeface="+mj-lt"/>
+                <a:ea typeface="Calibri" panose="020F0502020204030204" pitchFamily="34" charset="0"/>
+              </a:rPr>
+              <a:t>NFTs </a:t>
+            </a:r>
+            <a:r>
+              <a:rPr lang="en-US" sz="1800" dirty="0">
+                <a:solidFill>
+                  <a:schemeClr val="bg1"/>
+                </a:solidFill>
+                <a:effectLst/>
+                <a:latin typeface="+mj-lt"/>
+                <a:ea typeface="Calibri" panose="020F0502020204030204" pitchFamily="34" charset="0"/>
+              </a:rPr>
+              <a:t>are tokens that we can use to represent ownership of unique items. </a:t>
+            </a:r>
+            <a:endParaRPr lang="en-US" sz="1800" dirty="0" smtClean="0">
+              <a:solidFill>
+                <a:schemeClr val="bg1"/>
+              </a:solidFill>
+              <a:effectLst/>
+              <a:latin typeface="+mj-lt"/>
+              <a:ea typeface="Calibri" panose="020F0502020204030204" pitchFamily="34" charset="0"/>
+            </a:endParaRPr>
+          </a:p>
+          <a:p>
             <a:pPr marR="441325" lvl="0" algn="just">
               <a:lnSpc>
                 <a:spcPct val="112000"/>
@@ -22604,17 +23390,151 @@
                 <a:spcPts val="25"/>
               </a:spcAft>
             </a:pPr>
+            <a:endParaRPr lang="en-US" sz="1800" dirty="0" smtClean="0">
+              <a:solidFill>
+                <a:schemeClr val="bg1"/>
+              </a:solidFill>
+              <a:effectLst/>
+              <a:latin typeface="+mj-lt"/>
+              <a:ea typeface="Calibri" panose="020F0502020204030204" pitchFamily="34" charset="0"/>
+            </a:endParaRPr>
+          </a:p>
+          <a:p>
+            <a:pPr marR="441325" lvl="0" algn="just">
+              <a:lnSpc>
+                <a:spcPct val="112000"/>
+              </a:lnSpc>
+              <a:spcBef>
+                <a:spcPts val="0"/>
+              </a:spcBef>
+              <a:spcAft>
+                <a:spcPts val="25"/>
+              </a:spcAft>
+            </a:pPr>
+            <a:endParaRPr lang="en-US" sz="1800" dirty="0" smtClean="0">
+              <a:solidFill>
+                <a:schemeClr val="bg1"/>
+              </a:solidFill>
+              <a:effectLst/>
+              <a:latin typeface="+mj-lt"/>
+              <a:ea typeface="Calibri" panose="020F0502020204030204" pitchFamily="34" charset="0"/>
+            </a:endParaRPr>
+          </a:p>
+          <a:p>
+            <a:pPr marL="285750" marR="441325" lvl="0" indent="-285750" algn="just">
+              <a:lnSpc>
+                <a:spcPct val="112000"/>
+              </a:lnSpc>
+              <a:spcBef>
+                <a:spcPts val="0"/>
+              </a:spcBef>
+              <a:spcAft>
+                <a:spcPts val="25"/>
+              </a:spcAft>
+              <a:buFontTx/>
+              <a:buChar char="-"/>
+            </a:pPr>
+            <a:r>
+              <a:rPr lang="en-US" sz="1800" dirty="0" smtClean="0">
+                <a:solidFill>
+                  <a:schemeClr val="bg1"/>
+                </a:solidFill>
+                <a:effectLst/>
+                <a:latin typeface="+mj-lt"/>
+                <a:ea typeface="Calibri" panose="020F0502020204030204" pitchFamily="34" charset="0"/>
+              </a:rPr>
+              <a:t>Ownership </a:t>
+            </a:r>
             <a:r>
               <a:rPr lang="en-US" sz="1800" dirty="0">
                 <a:solidFill>
                   <a:schemeClr val="bg1"/>
                 </a:solidFill>
                 <a:effectLst/>
-                <a:latin typeface="Times New Roman" panose="02020603050405020304" pitchFamily="18" charset="0"/>
+                <a:latin typeface="+mj-lt"/>
                 <a:ea typeface="Calibri" panose="020F0502020204030204" pitchFamily="34" charset="0"/>
               </a:rPr>
-              <a:t>NFTs are tokens that we can use to represent ownership of unique items. They let us tokenize things like art, collectibles, even real estate. Ownership of an asset is secured by the Ethereum blockchain – no one can modify the record of ownership or copy/paste a new NFT into existence.</a:t>
+              <a:t>of an asset is secured by the </a:t>
             </a:r>
+            <a:r>
+              <a:rPr lang="en-US" sz="1800" dirty="0" err="1">
+                <a:solidFill>
+                  <a:schemeClr val="bg1"/>
+                </a:solidFill>
+                <a:effectLst/>
+                <a:latin typeface="+mj-lt"/>
+                <a:ea typeface="Calibri" panose="020F0502020204030204" pitchFamily="34" charset="0"/>
+              </a:rPr>
+              <a:t>Ethereum</a:t>
+            </a:r>
+            <a:r>
+              <a:rPr lang="en-US" sz="1800" dirty="0">
+                <a:solidFill>
+                  <a:schemeClr val="bg1"/>
+                </a:solidFill>
+                <a:effectLst/>
+                <a:latin typeface="+mj-lt"/>
+                <a:ea typeface="Calibri" panose="020F0502020204030204" pitchFamily="34" charset="0"/>
+              </a:rPr>
+              <a:t> </a:t>
+            </a:r>
+            <a:r>
+              <a:rPr lang="en-US" sz="1800" dirty="0" err="1" smtClean="0">
+                <a:solidFill>
+                  <a:schemeClr val="bg1"/>
+                </a:solidFill>
+                <a:effectLst/>
+                <a:latin typeface="+mj-lt"/>
+                <a:ea typeface="Calibri" panose="020F0502020204030204" pitchFamily="34" charset="0"/>
+              </a:rPr>
+              <a:t>blockchain</a:t>
+            </a:r>
+            <a:endParaRPr lang="en-US" sz="1800" dirty="0">
+              <a:solidFill>
+                <a:schemeClr val="bg1"/>
+              </a:solidFill>
+              <a:effectLst/>
+              <a:latin typeface="+mj-lt"/>
+              <a:ea typeface="Calibri" panose="020F0502020204030204" pitchFamily="34" charset="0"/>
+            </a:endParaRPr>
+          </a:p>
+        </p:txBody>
+      </p:sp>
+      <p:sp>
+        <p:nvSpPr>
+          <p:cNvPr id="2" name="TextBox 1"/>
+          <p:cNvSpPr txBox="1"/>
+          <p:nvPr/>
+        </p:nvSpPr>
+        <p:spPr>
+          <a:xfrm>
+            <a:off x="5649132" y="2324745"/>
+            <a:ext cx="4649492" cy="369332"/>
+          </a:xfrm>
+          <a:prstGeom prst="rect">
+            <a:avLst/>
+          </a:prstGeom>
+          <a:noFill/>
+        </p:spPr>
+        <p:txBody>
+          <a:bodyPr wrap="square" rtlCol="0">
+            <a:spAutoFit/>
+          </a:bodyPr>
+          <a:lstStyle/>
+          <a:p>
+            <a:r>
+              <a:rPr lang="en-US" dirty="0" smtClean="0">
+                <a:solidFill>
+                  <a:schemeClr val="bg1"/>
+                </a:solidFill>
+              </a:rPr>
+              <a:t>There are 2 easy understanding about NFT:</a:t>
+            </a:r>
+            <a:endParaRPr lang="en-US" dirty="0">
+              <a:solidFill>
+                <a:schemeClr val="bg1"/>
+              </a:solidFill>
+            </a:endParaRPr>
           </a:p>
         </p:txBody>
       </p:sp>
@@ -22629,7 +23549,7 @@
     <a:masterClrMapping/>
   </p:clrMapOvr>
   <mc:AlternateContent xmlns:mc="http://schemas.openxmlformats.org/markup-compatibility/2006">
-    <mc:Choice xmlns:p159="http://schemas.microsoft.com/office/powerpoint/2015/09/main" Requires="p159">
+    <mc:Choice xmlns:p159="http://schemas.microsoft.com/office/powerpoint/2015/09/main" xmlns="" Requires="p159">
       <p:transition xmlns:p14="http://schemas.microsoft.com/office/powerpoint/2010/main" spd="slow" p14:dur="2000">
         <p159:morph option="byObject"/>
       </p:transition>
